--- a/PPT/MachineLearning14-KNN.pptx
+++ b/PPT/MachineLearning14-KNN.pptx
@@ -15,16 +15,16 @@
     <p:sldId id="265" r:id="rId3"/>
     <p:sldId id="266" r:id="rId4"/>
     <p:sldId id="267" r:id="rId5"/>
-    <p:sldId id="268" r:id="rId6"/>
-    <p:sldId id="270" r:id="rId7"/>
-    <p:sldId id="273" r:id="rId8"/>
-    <p:sldId id="276" r:id="rId9"/>
-    <p:sldId id="277" r:id="rId10"/>
-    <p:sldId id="281" r:id="rId11"/>
-    <p:sldId id="282" r:id="rId12"/>
-    <p:sldId id="283" r:id="rId13"/>
-    <p:sldId id="284" r:id="rId14"/>
-    <p:sldId id="285" r:id="rId15"/>
+    <p:sldId id="286" r:id="rId6"/>
+    <p:sldId id="287" r:id="rId7"/>
+    <p:sldId id="268" r:id="rId8"/>
+    <p:sldId id="283" r:id="rId9"/>
+    <p:sldId id="284" r:id="rId10"/>
+    <p:sldId id="285" r:id="rId11"/>
+    <p:sldId id="276" r:id="rId12"/>
+    <p:sldId id="277" r:id="rId13"/>
+    <p:sldId id="281" r:id="rId14"/>
+    <p:sldId id="282" r:id="rId15"/>
   </p:sldIdLst>
   <p:sldSz cx="9144000" cy="6858000" type="screen4x3"/>
   <p:notesSz cx="6648450" cy="9782175"/>
@@ -3701,9 +3701,10 @@
           <a:p>
             <a:pPr eaLnBrk="1" hangingPunct="1"/>
             <a:r>
-              <a:rPr lang="fr-FR" altLang="fr-FR" dirty="0" smtClean="0"/>
-              <a:t>Chapitre 7</a:t>
-            </a:r>
+              <a:rPr lang="fr-FR" altLang="fr-FR" smtClean="0"/>
+              <a:t>Chapitre 14</a:t>
+            </a:r>
+            <a:endParaRPr lang="fr-FR" altLang="fr-FR" dirty="0" smtClean="0"/>
           </a:p>
           <a:p>
             <a:pPr eaLnBrk="1" hangingPunct="1"/>
@@ -3845,6 +3846,599 @@
           <a:p>
             <a:r>
               <a:rPr lang="fr-FR" dirty="0" smtClean="0"/>
+              <a:t>Décomposition de l’</a:t>
+            </a:r>
+            <a:endParaRPr lang="fr-FR" dirty="0"/>
+          </a:p>
+        </p:txBody>
+      </p:sp>
+      <p:sp>
+        <p:nvSpPr>
+          <p:cNvPr id="3" name="Espace réservé du contenu 2"/>
+          <p:cNvSpPr>
+            <a:spLocks noGrp="1"/>
+          </p:cNvSpPr>
+          <p:nvPr>
+            <p:ph idx="1"/>
+          </p:nvPr>
+        </p:nvSpPr>
+        <p:spPr/>
+        <p:txBody>
+          <a:bodyPr/>
+          <a:lstStyle/>
+          <a:p>
+            <a:r>
+              <a:rPr lang="fr-FR" dirty="0" smtClean="0"/>
+              <a:t>L’erreur peut s’écrire</a:t>
+            </a:r>
+          </a:p>
+          <a:p>
+            <a:r>
+              <a:rPr lang="fr-FR" dirty="0" err="1"/>
+              <a:t>Err</a:t>
+            </a:r>
+            <a:r>
+              <a:rPr lang="fr-FR" dirty="0"/>
+              <a:t>(x</a:t>
+            </a:r>
+            <a:r>
+              <a:rPr lang="fr-FR"/>
+              <a:t>)=</a:t>
+            </a:r>
+            <a:r>
+              <a:rPr lang="fr-FR" smtClean="0"/>
+              <a:t>Biais²+Variance+Erreur </a:t>
+            </a:r>
+            <a:r>
+              <a:rPr lang="fr-FR" dirty="0" smtClean="0"/>
+              <a:t>Irréductible</a:t>
+            </a:r>
+          </a:p>
+          <a:p>
+            <a:endParaRPr lang="fr-FR" dirty="0"/>
+          </a:p>
+        </p:txBody>
+      </p:sp>
+      <p:pic>
+        <p:nvPicPr>
+          <p:cNvPr id="3074" name="Picture 2" descr="On cherche à se placer au minimum de l'erreur totale"/>
+          <p:cNvPicPr>
+            <a:picLocks noChangeAspect="1" noChangeArrowheads="1"/>
+          </p:cNvPicPr>
+          <p:nvPr/>
+        </p:nvPicPr>
+        <p:blipFill>
+          <a:blip r:embed="rId2">
+            <a:extLst>
+              <a:ext uri="{28A0092B-C50C-407E-A947-70E740481C1C}">
+                <a14:useLocalDpi xmlns:a14="http://schemas.microsoft.com/office/drawing/2010/main" val="0"/>
+              </a:ext>
+            </a:extLst>
+          </a:blip>
+          <a:srcRect/>
+          <a:stretch>
+            <a:fillRect/>
+          </a:stretch>
+        </p:blipFill>
+        <p:spPr bwMode="auto">
+          <a:xfrm>
+            <a:off x="1331640" y="2780928"/>
+            <a:ext cx="5256584" cy="3301391"/>
+          </a:xfrm>
+          <a:prstGeom prst="rect">
+            <a:avLst/>
+          </a:prstGeom>
+          <a:noFill/>
+          <a:extLst>
+            <a:ext uri="{909E8E84-426E-40DD-AFC4-6F175D3DCCD1}">
+              <a14:hiddenFill xmlns:a14="http://schemas.microsoft.com/office/drawing/2010/main">
+                <a:solidFill>
+                  <a:srgbClr val="FFFFFF"/>
+                </a:solidFill>
+              </a14:hiddenFill>
+            </a:ext>
+          </a:extLst>
+        </p:spPr>
+      </p:pic>
+    </p:spTree>
+    <p:extLst>
+      <p:ext uri="{BB962C8B-B14F-4D97-AF65-F5344CB8AC3E}">
+        <p14:creationId xmlns:p14="http://schemas.microsoft.com/office/powerpoint/2010/main" val="2380443556"/>
+      </p:ext>
+    </p:extLst>
+  </p:cSld>
+  <p:clrMapOvr>
+    <a:masterClrMapping/>
+  </p:clrMapOvr>
+  <p:timing>
+    <p:tnLst>
+      <p:par>
+        <p:cTn id="1" dur="indefinite" restart="never" nodeType="tmRoot"/>
+      </p:par>
+    </p:tnLst>
+  </p:timing>
+</p:sld>
+</file>
+
+<file path=ppt/slides/slide11.xml><?xml version="1.0" encoding="utf-8"?>
+<p:sld xmlns:a="http://schemas.openxmlformats.org/drawingml/2006/main" xmlns:r="http://schemas.openxmlformats.org/officeDocument/2006/relationships" xmlns:p="http://schemas.openxmlformats.org/presentationml/2006/main">
+  <p:cSld>
+    <p:spTree>
+      <p:nvGrpSpPr>
+        <p:cNvPr id="1" name=""/>
+        <p:cNvGrpSpPr/>
+        <p:nvPr/>
+      </p:nvGrpSpPr>
+      <p:grpSpPr>
+        <a:xfrm>
+          <a:off x="0" y="0"/>
+          <a:ext cx="0" cy="0"/>
+          <a:chOff x="0" y="0"/>
+          <a:chExt cx="0" cy="0"/>
+        </a:xfrm>
+      </p:grpSpPr>
+      <p:sp>
+        <p:nvSpPr>
+          <p:cNvPr id="2" name="Titre 1"/>
+          <p:cNvSpPr>
+            <a:spLocks noGrp="1"/>
+          </p:cNvSpPr>
+          <p:nvPr>
+            <p:ph type="title"/>
+          </p:nvPr>
+        </p:nvSpPr>
+        <p:spPr/>
+        <p:txBody>
+          <a:bodyPr/>
+          <a:lstStyle/>
+          <a:p>
+            <a:r>
+              <a:rPr lang="fr-FR" dirty="0" smtClean="0"/>
+              <a:t>Minimisation de l’erreur</a:t>
+            </a:r>
+            <a:endParaRPr lang="fr-FR" dirty="0"/>
+          </a:p>
+        </p:txBody>
+      </p:sp>
+      <p:sp>
+        <p:nvSpPr>
+          <p:cNvPr id="3" name="Espace réservé du contenu 2"/>
+          <p:cNvSpPr>
+            <a:spLocks noGrp="1"/>
+          </p:cNvSpPr>
+          <p:nvPr>
+            <p:ph idx="1"/>
+          </p:nvPr>
+        </p:nvSpPr>
+        <p:spPr/>
+        <p:txBody>
+          <a:bodyPr/>
+          <a:lstStyle/>
+          <a:p>
+            <a:r>
+              <a:rPr lang="fr-FR" dirty="0" smtClean="0"/>
+              <a:t>Il faut faire varier le </a:t>
+            </a:r>
+            <a:r>
+              <a:rPr lang="fr-FR" dirty="0" err="1" smtClean="0"/>
+              <a:t>n_neighbors</a:t>
+            </a:r>
+            <a:r>
+              <a:rPr lang="fr-FR" dirty="0" smtClean="0"/>
+              <a:t> entre 2 et 15</a:t>
+            </a:r>
+          </a:p>
+          <a:p>
+            <a:pPr marL="0" indent="0">
+              <a:buNone/>
+            </a:pPr>
+            <a:r>
+              <a:rPr lang="fr-FR" sz="1800" dirty="0" err="1">
+                <a:latin typeface="Courier New" panose="02070309020205020404" pitchFamily="49" charset="0"/>
+                <a:cs typeface="Courier New" panose="02070309020205020404" pitchFamily="49" charset="0"/>
+              </a:rPr>
+              <a:t>errors</a:t>
+            </a:r>
+            <a:r>
+              <a:rPr lang="fr-FR" sz="1800" dirty="0">
+                <a:latin typeface="Courier New" panose="02070309020205020404" pitchFamily="49" charset="0"/>
+                <a:cs typeface="Courier New" panose="02070309020205020404" pitchFamily="49" charset="0"/>
+              </a:rPr>
+              <a:t> = []</a:t>
+            </a:r>
+          </a:p>
+          <a:p>
+            <a:pPr marL="0" indent="0">
+              <a:buNone/>
+            </a:pPr>
+            <a:r>
+              <a:rPr lang="fr-FR" sz="1800" dirty="0">
+                <a:latin typeface="Courier New" panose="02070309020205020404" pitchFamily="49" charset="0"/>
+                <a:cs typeface="Courier New" panose="02070309020205020404" pitchFamily="49" charset="0"/>
+              </a:rPr>
+              <a:t>for k in range(2,15):</a:t>
+            </a:r>
+          </a:p>
+          <a:p>
+            <a:pPr marL="0" indent="0">
+              <a:buNone/>
+            </a:pPr>
+            <a:r>
+              <a:rPr lang="fr-FR" sz="1800" dirty="0">
+                <a:latin typeface="Courier New" panose="02070309020205020404" pitchFamily="49" charset="0"/>
+                <a:cs typeface="Courier New" panose="02070309020205020404" pitchFamily="49" charset="0"/>
+              </a:rPr>
+              <a:t>    model = </a:t>
+            </a:r>
+            <a:r>
+              <a:rPr lang="fr-FR" sz="1800" dirty="0" err="1" smtClean="0">
+                <a:latin typeface="Courier New" panose="02070309020205020404" pitchFamily="49" charset="0"/>
+                <a:cs typeface="Courier New" panose="02070309020205020404" pitchFamily="49" charset="0"/>
+              </a:rPr>
+              <a:t>nn.KNeighborsClassifier</a:t>
+            </a:r>
+            <a:r>
+              <a:rPr lang="fr-FR" sz="1800" dirty="0" smtClean="0">
+                <a:latin typeface="Courier New" panose="02070309020205020404" pitchFamily="49" charset="0"/>
+                <a:cs typeface="Courier New" panose="02070309020205020404" pitchFamily="49" charset="0"/>
+              </a:rPr>
+              <a:t>(k</a:t>
+            </a:r>
+            <a:r>
+              <a:rPr lang="fr-FR" sz="1800" dirty="0">
+                <a:latin typeface="Courier New" panose="02070309020205020404" pitchFamily="49" charset="0"/>
+                <a:cs typeface="Courier New" panose="02070309020205020404" pitchFamily="49" charset="0"/>
+              </a:rPr>
+              <a:t>)</a:t>
+            </a:r>
+          </a:p>
+          <a:p>
+            <a:pPr marL="0" indent="0">
+              <a:buNone/>
+            </a:pPr>
+            <a:r>
+              <a:rPr lang="fr-FR" sz="1800" dirty="0">
+                <a:latin typeface="Courier New" panose="02070309020205020404" pitchFamily="49" charset="0"/>
+                <a:cs typeface="Courier New" panose="02070309020205020404" pitchFamily="49" charset="0"/>
+              </a:rPr>
+              <a:t>    </a:t>
+            </a:r>
+            <a:r>
+              <a:rPr lang="fr-FR" sz="1800" dirty="0" err="1" smtClean="0">
+                <a:latin typeface="Courier New" panose="02070309020205020404" pitchFamily="49" charset="0"/>
+                <a:cs typeface="Courier New" panose="02070309020205020404" pitchFamily="49" charset="0"/>
+              </a:rPr>
+              <a:t>errors.append</a:t>
+            </a:r>
+            <a:r>
+              <a:rPr lang="fr-FR" sz="1800" dirty="0" smtClean="0">
+                <a:latin typeface="Courier New" panose="02070309020205020404" pitchFamily="49" charset="0"/>
+                <a:cs typeface="Courier New" panose="02070309020205020404" pitchFamily="49" charset="0"/>
+              </a:rPr>
+              <a:t>(1 </a:t>
+            </a:r>
+            <a:r>
+              <a:rPr lang="fr-FR" sz="1800" dirty="0">
+                <a:latin typeface="Courier New" panose="02070309020205020404" pitchFamily="49" charset="0"/>
+                <a:cs typeface="Courier New" panose="02070309020205020404" pitchFamily="49" charset="0"/>
+              </a:rPr>
+              <a:t>- </a:t>
+            </a:r>
+            <a:r>
+              <a:rPr lang="fr-FR" sz="1800" dirty="0" err="1">
+                <a:latin typeface="Courier New" panose="02070309020205020404" pitchFamily="49" charset="0"/>
+                <a:cs typeface="Courier New" panose="02070309020205020404" pitchFamily="49" charset="0"/>
+              </a:rPr>
+              <a:t>model.fit</a:t>
+            </a:r>
+            <a:r>
+              <a:rPr lang="fr-FR" sz="1800" dirty="0">
+                <a:latin typeface="Courier New" panose="02070309020205020404" pitchFamily="49" charset="0"/>
+                <a:cs typeface="Courier New" panose="02070309020205020404" pitchFamily="49" charset="0"/>
+              </a:rPr>
+              <a:t>(</a:t>
+            </a:r>
+            <a:r>
+              <a:rPr lang="fr-FR" sz="1800" dirty="0" err="1">
+                <a:latin typeface="Courier New" panose="02070309020205020404" pitchFamily="49" charset="0"/>
+                <a:cs typeface="Courier New" panose="02070309020205020404" pitchFamily="49" charset="0"/>
+              </a:rPr>
+              <a:t>xtrain</a:t>
+            </a:r>
+            <a:r>
+              <a:rPr lang="fr-FR" sz="1800" dirty="0">
+                <a:latin typeface="Courier New" panose="02070309020205020404" pitchFamily="49" charset="0"/>
+                <a:cs typeface="Courier New" panose="02070309020205020404" pitchFamily="49" charset="0"/>
+              </a:rPr>
+              <a:t>, </a:t>
+            </a:r>
+            <a:r>
+              <a:rPr lang="fr-FR" sz="1800" dirty="0" err="1">
+                <a:latin typeface="Courier New" panose="02070309020205020404" pitchFamily="49" charset="0"/>
+                <a:cs typeface="Courier New" panose="02070309020205020404" pitchFamily="49" charset="0"/>
+              </a:rPr>
+              <a:t>ytrain</a:t>
+            </a:r>
+            <a:r>
+              <a:rPr lang="fr-FR" sz="1800" dirty="0">
+                <a:latin typeface="Courier New" panose="02070309020205020404" pitchFamily="49" charset="0"/>
+                <a:cs typeface="Courier New" panose="02070309020205020404" pitchFamily="49" charset="0"/>
+              </a:rPr>
+              <a:t>).score(</a:t>
+            </a:r>
+            <a:r>
+              <a:rPr lang="fr-FR" sz="1800" dirty="0" err="1">
+                <a:latin typeface="Courier New" panose="02070309020205020404" pitchFamily="49" charset="0"/>
+                <a:cs typeface="Courier New" panose="02070309020205020404" pitchFamily="49" charset="0"/>
+              </a:rPr>
+              <a:t>xtest</a:t>
+            </a:r>
+            <a:r>
+              <a:rPr lang="fr-FR" sz="1800" dirty="0">
+                <a:latin typeface="Courier New" panose="02070309020205020404" pitchFamily="49" charset="0"/>
+                <a:cs typeface="Courier New" panose="02070309020205020404" pitchFamily="49" charset="0"/>
+              </a:rPr>
+              <a:t>, </a:t>
+            </a:r>
+            <a:r>
+              <a:rPr lang="fr-FR" sz="1800" dirty="0" err="1">
+                <a:latin typeface="Courier New" panose="02070309020205020404" pitchFamily="49" charset="0"/>
+                <a:cs typeface="Courier New" panose="02070309020205020404" pitchFamily="49" charset="0"/>
+              </a:rPr>
+              <a:t>ytest</a:t>
+            </a:r>
+            <a:r>
+              <a:rPr lang="fr-FR" sz="1800" dirty="0" smtClean="0">
+                <a:latin typeface="Courier New" panose="02070309020205020404" pitchFamily="49" charset="0"/>
+                <a:cs typeface="Courier New" panose="02070309020205020404" pitchFamily="49" charset="0"/>
+              </a:rPr>
+              <a:t>))</a:t>
+            </a:r>
+          </a:p>
+          <a:p>
+            <a:pPr lvl="1"/>
+            <a:r>
+              <a:rPr lang="fr-FR" dirty="0" smtClean="0"/>
+              <a:t>Il essayer les différents </a:t>
+            </a:r>
+            <a:r>
+              <a:rPr lang="fr-FR" dirty="0" smtClean="0"/>
+              <a:t>algorithmes</a:t>
+            </a:r>
+            <a:endParaRPr lang="fr-FR" dirty="0" smtClean="0"/>
+          </a:p>
+          <a:p>
+            <a:pPr lvl="2"/>
+            <a:r>
+              <a:rPr lang="fr-FR" dirty="0" smtClean="0"/>
+              <a:t>Paramètre </a:t>
+            </a:r>
+            <a:r>
+              <a:rPr lang="fr-FR" dirty="0" err="1" smtClean="0"/>
+              <a:t>algorithm</a:t>
+            </a:r>
+            <a:endParaRPr lang="fr-FR" dirty="0" smtClean="0"/>
+          </a:p>
+          <a:p>
+            <a:pPr lvl="1"/>
+            <a:r>
+              <a:rPr lang="fr-FR" dirty="0" smtClean="0"/>
+              <a:t>Il faut essayer les 2 poids</a:t>
+            </a:r>
+          </a:p>
+          <a:p>
+            <a:pPr lvl="2"/>
+            <a:r>
+              <a:rPr lang="fr-FR" dirty="0" smtClean="0"/>
+              <a:t>Paramètre </a:t>
+            </a:r>
+            <a:r>
+              <a:rPr lang="fr-FR" dirty="0" err="1" smtClean="0"/>
+              <a:t>weight</a:t>
+            </a:r>
+            <a:r>
+              <a:rPr lang="fr-FR" dirty="0" smtClean="0"/>
+              <a:t> = « distance » qui monte la distance au carré, c’est-à-dire qu’il donne plus d’importance aux points proches</a:t>
+            </a:r>
+            <a:endParaRPr lang="fr-FR" dirty="0"/>
+          </a:p>
+        </p:txBody>
+      </p:sp>
+    </p:spTree>
+    <p:extLst>
+      <p:ext uri="{BB962C8B-B14F-4D97-AF65-F5344CB8AC3E}">
+        <p14:creationId xmlns:p14="http://schemas.microsoft.com/office/powerpoint/2010/main" val="1328403328"/>
+      </p:ext>
+    </p:extLst>
+  </p:cSld>
+  <p:clrMapOvr>
+    <a:masterClrMapping/>
+  </p:clrMapOvr>
+  <p:timing>
+    <p:tnLst>
+      <p:par>
+        <p:cTn id="1" dur="indefinite" restart="never" nodeType="tmRoot"/>
+      </p:par>
+    </p:tnLst>
+  </p:timing>
+</p:sld>
+</file>
+
+<file path=ppt/slides/slide12.xml><?xml version="1.0" encoding="utf-8"?>
+<p:sld xmlns:a="http://schemas.openxmlformats.org/drawingml/2006/main" xmlns:r="http://schemas.openxmlformats.org/officeDocument/2006/relationships" xmlns:p="http://schemas.openxmlformats.org/presentationml/2006/main">
+  <p:cSld>
+    <p:spTree>
+      <p:nvGrpSpPr>
+        <p:cNvPr id="1" name=""/>
+        <p:cNvGrpSpPr/>
+        <p:nvPr/>
+      </p:nvGrpSpPr>
+      <p:grpSpPr>
+        <a:xfrm>
+          <a:off x="0" y="0"/>
+          <a:ext cx="0" cy="0"/>
+          <a:chOff x="0" y="0"/>
+          <a:chExt cx="0" cy="0"/>
+        </a:xfrm>
+      </p:grpSpPr>
+      <p:sp>
+        <p:nvSpPr>
+          <p:cNvPr id="2" name="Titre 1"/>
+          <p:cNvSpPr>
+            <a:spLocks noGrp="1"/>
+          </p:cNvSpPr>
+          <p:nvPr>
+            <p:ph type="title"/>
+          </p:nvPr>
+        </p:nvSpPr>
+        <p:spPr/>
+        <p:txBody>
+          <a:bodyPr/>
+          <a:lstStyle/>
+          <a:p>
+            <a:r>
+              <a:rPr lang="fr-FR" dirty="0" smtClean="0"/>
+              <a:t>Entrainement et prédiction</a:t>
+            </a:r>
+            <a:endParaRPr lang="fr-FR" dirty="0"/>
+          </a:p>
+        </p:txBody>
+      </p:sp>
+      <p:sp>
+        <p:nvSpPr>
+          <p:cNvPr id="3" name="Espace réservé du contenu 2"/>
+          <p:cNvSpPr>
+            <a:spLocks noGrp="1"/>
+          </p:cNvSpPr>
+          <p:nvPr>
+            <p:ph idx="1"/>
+          </p:nvPr>
+        </p:nvSpPr>
+        <p:spPr/>
+        <p:txBody>
+          <a:bodyPr/>
+          <a:lstStyle/>
+          <a:p>
+            <a:r>
+              <a:rPr lang="fr-FR" dirty="0" smtClean="0"/>
+              <a:t>Il faut ensuite choisir le meilleur modèle, l’entrainer et mettre en place la prédiction</a:t>
+            </a:r>
+          </a:p>
+          <a:p>
+            <a:r>
+              <a:rPr lang="fr-FR" dirty="0" err="1"/>
+              <a:t>model.fit</a:t>
+            </a:r>
+            <a:r>
+              <a:rPr lang="fr-FR" dirty="0"/>
+              <a:t>(</a:t>
+            </a:r>
+            <a:r>
+              <a:rPr lang="fr-FR" dirty="0" err="1"/>
+              <a:t>xtrain</a:t>
+            </a:r>
+            <a:r>
+              <a:rPr lang="fr-FR" dirty="0"/>
+              <a:t>, </a:t>
+            </a:r>
+            <a:r>
+              <a:rPr lang="fr-FR" dirty="0" err="1"/>
+              <a:t>ytrain</a:t>
+            </a:r>
+            <a:r>
+              <a:rPr lang="fr-FR" dirty="0"/>
+              <a:t>)</a:t>
+            </a:r>
+          </a:p>
+          <a:p>
+            <a:r>
+              <a:rPr lang="fr-FR" dirty="0" err="1" smtClean="0"/>
+              <a:t>predicted</a:t>
+            </a:r>
+            <a:r>
+              <a:rPr lang="fr-FR" dirty="0" smtClean="0"/>
+              <a:t> </a:t>
+            </a:r>
+            <a:r>
+              <a:rPr lang="fr-FR" dirty="0"/>
+              <a:t>= </a:t>
+            </a:r>
+            <a:r>
+              <a:rPr lang="fr-FR" dirty="0" err="1"/>
+              <a:t>model.predict</a:t>
+            </a:r>
+            <a:r>
+              <a:rPr lang="fr-FR" dirty="0"/>
+              <a:t>(</a:t>
+            </a:r>
+            <a:r>
+              <a:rPr lang="fr-FR" dirty="0" err="1"/>
+              <a:t>xtest</a:t>
+            </a:r>
+            <a:r>
+              <a:rPr lang="fr-FR" dirty="0"/>
+              <a:t>)</a:t>
+            </a:r>
+          </a:p>
+          <a:p>
+            <a:endParaRPr lang="fr-FR" dirty="0"/>
+          </a:p>
+        </p:txBody>
+      </p:sp>
+    </p:spTree>
+    <p:extLst>
+      <p:ext uri="{BB962C8B-B14F-4D97-AF65-F5344CB8AC3E}">
+        <p14:creationId xmlns:p14="http://schemas.microsoft.com/office/powerpoint/2010/main" val="3520791719"/>
+      </p:ext>
+    </p:extLst>
+  </p:cSld>
+  <p:clrMapOvr>
+    <a:masterClrMapping/>
+  </p:clrMapOvr>
+  <p:timing>
+    <p:tnLst>
+      <p:par>
+        <p:cTn id="1" dur="indefinite" restart="never" nodeType="tmRoot"/>
+      </p:par>
+    </p:tnLst>
+  </p:timing>
+</p:sld>
+</file>
+
+<file path=ppt/slides/slide13.xml><?xml version="1.0" encoding="utf-8"?>
+<p:sld xmlns:a="http://schemas.openxmlformats.org/drawingml/2006/main" xmlns:r="http://schemas.openxmlformats.org/officeDocument/2006/relationships" xmlns:p="http://schemas.openxmlformats.org/presentationml/2006/main">
+  <p:cSld>
+    <p:spTree>
+      <p:nvGrpSpPr>
+        <p:cNvPr id="1" name=""/>
+        <p:cNvGrpSpPr/>
+        <p:nvPr/>
+      </p:nvGrpSpPr>
+      <p:grpSpPr>
+        <a:xfrm>
+          <a:off x="0" y="0"/>
+          <a:ext cx="0" cy="0"/>
+          <a:chOff x="0" y="0"/>
+          <a:chExt cx="0" cy="0"/>
+        </a:xfrm>
+      </p:grpSpPr>
+      <p:sp>
+        <p:nvSpPr>
+          <p:cNvPr id="2" name="Titre 1"/>
+          <p:cNvSpPr>
+            <a:spLocks noGrp="1"/>
+          </p:cNvSpPr>
+          <p:nvPr>
+            <p:ph type="title"/>
+          </p:nvPr>
+        </p:nvSpPr>
+        <p:spPr/>
+        <p:txBody>
+          <a:bodyPr/>
+          <a:lstStyle/>
+          <a:p>
+            <a:r>
+              <a:rPr lang="fr-FR" dirty="0" smtClean="0"/>
               <a:t>Résultats</a:t>
             </a:r>
             <a:endParaRPr lang="fr-FR" dirty="0"/>
@@ -3938,10 +4532,17 @@
   <p:clrMapOvr>
     <a:masterClrMapping/>
   </p:clrMapOvr>
+  <p:timing>
+    <p:tnLst>
+      <p:par>
+        <p:cTn id="1" dur="indefinite" restart="never" nodeType="tmRoot"/>
+      </p:par>
+    </p:tnLst>
+  </p:timing>
 </p:sld>
 </file>
 
-<file path=ppt/slides/slide11.xml><?xml version="1.0" encoding="utf-8"?>
+<file path=ppt/slides/slide14.xml><?xml version="1.0" encoding="utf-8"?>
 <p:sld xmlns:a="http://schemas.openxmlformats.org/drawingml/2006/main" xmlns:r="http://schemas.openxmlformats.org/officeDocument/2006/relationships" xmlns:p="http://schemas.openxmlformats.org/presentationml/2006/main">
   <p:cSld>
     <p:spTree>
@@ -4046,10 +4647,992 @@
   <p:clrMapOvr>
     <a:masterClrMapping/>
   </p:clrMapOvr>
+  <p:timing>
+    <p:tnLst>
+      <p:par>
+        <p:cTn id="1" dur="indefinite" restart="never" nodeType="tmRoot"/>
+      </p:par>
+    </p:tnLst>
+  </p:timing>
 </p:sld>
 </file>
 
-<file path=ppt/slides/slide12.xml><?xml version="1.0" encoding="utf-8"?>
+<file path=ppt/slides/slide2.xml><?xml version="1.0" encoding="utf-8"?>
+<p:sld xmlns:a="http://schemas.openxmlformats.org/drawingml/2006/main" xmlns:r="http://schemas.openxmlformats.org/officeDocument/2006/relationships" xmlns:p="http://schemas.openxmlformats.org/presentationml/2006/main">
+  <p:cSld>
+    <p:spTree>
+      <p:nvGrpSpPr>
+        <p:cNvPr id="1" name=""/>
+        <p:cNvGrpSpPr/>
+        <p:nvPr/>
+      </p:nvGrpSpPr>
+      <p:grpSpPr>
+        <a:xfrm>
+          <a:off x="0" y="0"/>
+          <a:ext cx="0" cy="0"/>
+          <a:chOff x="0" y="0"/>
+          <a:chExt cx="0" cy="0"/>
+        </a:xfrm>
+      </p:grpSpPr>
+      <p:sp>
+        <p:nvSpPr>
+          <p:cNvPr id="2" name="Titre 1"/>
+          <p:cNvSpPr>
+            <a:spLocks noGrp="1"/>
+          </p:cNvSpPr>
+          <p:nvPr>
+            <p:ph type="title"/>
+          </p:nvPr>
+        </p:nvSpPr>
+        <p:spPr/>
+        <p:txBody>
+          <a:bodyPr/>
+          <a:lstStyle/>
+          <a:p>
+            <a:r>
+              <a:rPr lang="fr-FR" altLang="fr-FR" dirty="0" err="1"/>
+              <a:t>Nearest</a:t>
+            </a:r>
+            <a:r>
+              <a:rPr lang="fr-FR" altLang="fr-FR" dirty="0"/>
+              <a:t> </a:t>
+            </a:r>
+            <a:r>
+              <a:rPr lang="fr-FR" altLang="fr-FR" dirty="0" smtClean="0"/>
+              <a:t>Neighbors</a:t>
+            </a:r>
+            <a:endParaRPr lang="fr-FR" dirty="0"/>
+          </a:p>
+        </p:txBody>
+      </p:sp>
+      <p:sp>
+        <p:nvSpPr>
+          <p:cNvPr id="3" name="Espace réservé du contenu 2"/>
+          <p:cNvSpPr>
+            <a:spLocks noGrp="1"/>
+          </p:cNvSpPr>
+          <p:nvPr>
+            <p:ph idx="1"/>
+          </p:nvPr>
+        </p:nvSpPr>
+        <p:spPr/>
+        <p:txBody>
+          <a:bodyPr/>
+          <a:lstStyle/>
+          <a:p>
+            <a:r>
+              <a:rPr lang="fr-FR" dirty="0"/>
+              <a:t>Le k-NN est le diminutif de k </a:t>
+            </a:r>
+            <a:r>
+              <a:rPr lang="fr-FR" dirty="0" err="1"/>
+              <a:t>Nearest</a:t>
+            </a:r>
+            <a:r>
+              <a:rPr lang="fr-FR" dirty="0"/>
+              <a:t> </a:t>
+            </a:r>
+            <a:r>
+              <a:rPr lang="fr-FR" dirty="0" smtClean="0"/>
+              <a:t>Neighbors</a:t>
+            </a:r>
+          </a:p>
+          <a:p>
+            <a:r>
+              <a:rPr lang="fr-FR" dirty="0" smtClean="0"/>
+              <a:t>C’est </a:t>
+            </a:r>
+            <a:r>
+              <a:rPr lang="fr-FR" dirty="0"/>
+              <a:t>un algorithme qui peut servir autant pour la classification que la </a:t>
+            </a:r>
+            <a:r>
+              <a:rPr lang="fr-FR" dirty="0" smtClean="0"/>
+              <a:t>régression</a:t>
+            </a:r>
+          </a:p>
+          <a:p>
+            <a:r>
+              <a:rPr lang="fr-FR" dirty="0" smtClean="0"/>
+              <a:t>Son </a:t>
+            </a:r>
+            <a:r>
+              <a:rPr lang="fr-FR" dirty="0"/>
+              <a:t>principe </a:t>
+            </a:r>
+            <a:r>
+              <a:rPr lang="fr-FR" dirty="0" smtClean="0"/>
+              <a:t>est de choisir </a:t>
+            </a:r>
+            <a:r>
+              <a:rPr lang="fr-FR" dirty="0"/>
+              <a:t>les k données les plus proches du point étudié afin d’en prédire sa valeur</a:t>
+            </a:r>
+            <a:endParaRPr lang="fr-FR" dirty="0" smtClean="0"/>
+          </a:p>
+          <a:p>
+            <a:pPr lvl="1"/>
+            <a:endParaRPr lang="fr-FR" dirty="0"/>
+          </a:p>
+        </p:txBody>
+      </p:sp>
+    </p:spTree>
+    <p:extLst>
+      <p:ext uri="{BB962C8B-B14F-4D97-AF65-F5344CB8AC3E}">
+        <p14:creationId xmlns:p14="http://schemas.microsoft.com/office/powerpoint/2010/main" val="1498605448"/>
+      </p:ext>
+    </p:extLst>
+  </p:cSld>
+  <p:clrMapOvr>
+    <a:masterClrMapping/>
+  </p:clrMapOvr>
+  <p:timing>
+    <p:tnLst>
+      <p:par>
+        <p:cTn id="1" dur="indefinite" restart="never" nodeType="tmRoot"/>
+      </p:par>
+    </p:tnLst>
+  </p:timing>
+</p:sld>
+</file>
+
+<file path=ppt/slides/slide3.xml><?xml version="1.0" encoding="utf-8"?>
+<p:sld xmlns:a="http://schemas.openxmlformats.org/drawingml/2006/main" xmlns:r="http://schemas.openxmlformats.org/officeDocument/2006/relationships" xmlns:p="http://schemas.openxmlformats.org/presentationml/2006/main">
+  <p:cSld>
+    <p:spTree>
+      <p:nvGrpSpPr>
+        <p:cNvPr id="1" name=""/>
+        <p:cNvGrpSpPr/>
+        <p:nvPr/>
+      </p:nvGrpSpPr>
+      <p:grpSpPr>
+        <a:xfrm>
+          <a:off x="0" y="0"/>
+          <a:ext cx="0" cy="0"/>
+          <a:chOff x="0" y="0"/>
+          <a:chExt cx="0" cy="0"/>
+        </a:xfrm>
+      </p:grpSpPr>
+      <p:sp>
+        <p:nvSpPr>
+          <p:cNvPr id="2" name="Titre 1"/>
+          <p:cNvSpPr>
+            <a:spLocks noGrp="1"/>
+          </p:cNvSpPr>
+          <p:nvPr>
+            <p:ph type="title"/>
+          </p:nvPr>
+        </p:nvSpPr>
+        <p:spPr/>
+        <p:txBody>
+          <a:bodyPr/>
+          <a:lstStyle/>
+          <a:p>
+            <a:r>
+              <a:rPr lang="fr-FR" dirty="0" smtClean="0"/>
+              <a:t>Explication</a:t>
+            </a:r>
+            <a:endParaRPr lang="fr-FR" dirty="0"/>
+          </a:p>
+        </p:txBody>
+      </p:sp>
+      <p:sp>
+        <p:nvSpPr>
+          <p:cNvPr id="3" name="Espace réservé du contenu 2"/>
+          <p:cNvSpPr>
+            <a:spLocks noGrp="1"/>
+          </p:cNvSpPr>
+          <p:nvPr>
+            <p:ph idx="1"/>
+          </p:nvPr>
+        </p:nvSpPr>
+        <p:spPr/>
+        <p:txBody>
+          <a:bodyPr/>
+          <a:lstStyle/>
+          <a:p>
+            <a:r>
+              <a:rPr lang="fr-FR" dirty="0" smtClean="0"/>
+              <a:t>Quelle est la classe de la nouvelle données (en blanc) ?</a:t>
+            </a:r>
+          </a:p>
+          <a:p>
+            <a:pPr marL="0" indent="0">
+              <a:buNone/>
+            </a:pPr>
+            <a:endParaRPr lang="fr-FR" dirty="0" smtClean="0"/>
+          </a:p>
+          <a:p>
+            <a:endParaRPr lang="fr-FR" dirty="0"/>
+          </a:p>
+        </p:txBody>
+      </p:sp>
+      <p:pic>
+        <p:nvPicPr>
+          <p:cNvPr id="1028" name="Picture 4" descr="le point blanc est une nouvelle entrée"/>
+          <p:cNvPicPr>
+            <a:picLocks noChangeAspect="1" noChangeArrowheads="1"/>
+          </p:cNvPicPr>
+          <p:nvPr/>
+        </p:nvPicPr>
+        <p:blipFill>
+          <a:blip r:embed="rId2">
+            <a:extLst>
+              <a:ext uri="{28A0092B-C50C-407E-A947-70E740481C1C}">
+                <a14:useLocalDpi xmlns:a14="http://schemas.microsoft.com/office/drawing/2010/main" val="0"/>
+              </a:ext>
+            </a:extLst>
+          </a:blip>
+          <a:srcRect/>
+          <a:stretch>
+            <a:fillRect/>
+          </a:stretch>
+        </p:blipFill>
+        <p:spPr bwMode="auto">
+          <a:xfrm>
+            <a:off x="2411760" y="2276872"/>
+            <a:ext cx="5112568" cy="3507222"/>
+          </a:xfrm>
+          <a:prstGeom prst="rect">
+            <a:avLst/>
+          </a:prstGeom>
+          <a:noFill/>
+          <a:extLst>
+            <a:ext uri="{909E8E84-426E-40DD-AFC4-6F175D3DCCD1}">
+              <a14:hiddenFill xmlns:a14="http://schemas.microsoft.com/office/drawing/2010/main">
+                <a:solidFill>
+                  <a:srgbClr val="FFFFFF"/>
+                </a:solidFill>
+              </a14:hiddenFill>
+            </a:ext>
+          </a:extLst>
+        </p:spPr>
+      </p:pic>
+    </p:spTree>
+    <p:extLst>
+      <p:ext uri="{BB962C8B-B14F-4D97-AF65-F5344CB8AC3E}">
+        <p14:creationId xmlns:p14="http://schemas.microsoft.com/office/powerpoint/2010/main" val="2764069817"/>
+      </p:ext>
+    </p:extLst>
+  </p:cSld>
+  <p:clrMapOvr>
+    <a:masterClrMapping/>
+  </p:clrMapOvr>
+  <p:timing>
+    <p:tnLst>
+      <p:par>
+        <p:cTn id="1" dur="indefinite" restart="never" nodeType="tmRoot"/>
+      </p:par>
+    </p:tnLst>
+  </p:timing>
+</p:sld>
+</file>
+
+<file path=ppt/slides/slide4.xml><?xml version="1.0" encoding="utf-8"?>
+<p:sld xmlns:a="http://schemas.openxmlformats.org/drawingml/2006/main" xmlns:r="http://schemas.openxmlformats.org/officeDocument/2006/relationships" xmlns:p="http://schemas.openxmlformats.org/presentationml/2006/main">
+  <p:cSld>
+    <p:spTree>
+      <p:nvGrpSpPr>
+        <p:cNvPr id="1" name=""/>
+        <p:cNvGrpSpPr/>
+        <p:nvPr/>
+      </p:nvGrpSpPr>
+      <p:grpSpPr>
+        <a:xfrm>
+          <a:off x="0" y="0"/>
+          <a:ext cx="0" cy="0"/>
+          <a:chOff x="0" y="0"/>
+          <a:chExt cx="0" cy="0"/>
+        </a:xfrm>
+      </p:grpSpPr>
+      <p:sp>
+        <p:nvSpPr>
+          <p:cNvPr id="2" name="Titre 1"/>
+          <p:cNvSpPr>
+            <a:spLocks noGrp="1"/>
+          </p:cNvSpPr>
+          <p:nvPr>
+            <p:ph type="title"/>
+          </p:nvPr>
+        </p:nvSpPr>
+        <p:spPr/>
+        <p:txBody>
+          <a:bodyPr/>
+          <a:lstStyle/>
+          <a:p>
+            <a:r>
+              <a:rPr lang="fr-FR" dirty="0" err="1" smtClean="0"/>
+              <a:t>knn</a:t>
+            </a:r>
+            <a:endParaRPr lang="fr-FR" dirty="0"/>
+          </a:p>
+        </p:txBody>
+      </p:sp>
+      <p:sp>
+        <p:nvSpPr>
+          <p:cNvPr id="3" name="Espace réservé du contenu 2"/>
+          <p:cNvSpPr>
+            <a:spLocks noGrp="1"/>
+          </p:cNvSpPr>
+          <p:nvPr>
+            <p:ph idx="1"/>
+          </p:nvPr>
+        </p:nvSpPr>
+        <p:spPr/>
+        <p:txBody>
+          <a:bodyPr/>
+          <a:lstStyle/>
+          <a:p>
+            <a:r>
+              <a:rPr lang="fr-FR" dirty="0" smtClean="0"/>
+              <a:t>Nous allons regarder la distance avec les k voisins les plus proches</a:t>
+            </a:r>
+          </a:p>
+          <a:p>
+            <a:pPr lvl="1"/>
+            <a:r>
+              <a:rPr lang="fr-FR" dirty="0" smtClean="0"/>
+              <a:t>Ici 5</a:t>
+            </a:r>
+          </a:p>
+          <a:p>
+            <a:pPr lvl="1"/>
+            <a:r>
+              <a:rPr lang="fr-FR" dirty="0" smtClean="0"/>
+              <a:t>Rouge</a:t>
+            </a:r>
+            <a:endParaRPr lang="fr-FR" dirty="0"/>
+          </a:p>
+        </p:txBody>
+      </p:sp>
+      <p:pic>
+        <p:nvPicPr>
+          <p:cNvPr id="2050" name="Picture 2" descr="les 5 points les plus proches du point que l'on cherche à classer"/>
+          <p:cNvPicPr>
+            <a:picLocks noChangeAspect="1" noChangeArrowheads="1"/>
+          </p:cNvPicPr>
+          <p:nvPr/>
+        </p:nvPicPr>
+        <p:blipFill>
+          <a:blip r:embed="rId2">
+            <a:extLst>
+              <a:ext uri="{28A0092B-C50C-407E-A947-70E740481C1C}">
+                <a14:useLocalDpi xmlns:a14="http://schemas.microsoft.com/office/drawing/2010/main" val="0"/>
+              </a:ext>
+            </a:extLst>
+          </a:blip>
+          <a:srcRect/>
+          <a:stretch>
+            <a:fillRect/>
+          </a:stretch>
+        </p:blipFill>
+        <p:spPr bwMode="auto">
+          <a:xfrm>
+            <a:off x="2483768" y="2564904"/>
+            <a:ext cx="5256584" cy="3606017"/>
+          </a:xfrm>
+          <a:prstGeom prst="rect">
+            <a:avLst/>
+          </a:prstGeom>
+          <a:noFill/>
+          <a:extLst>
+            <a:ext uri="{909E8E84-426E-40DD-AFC4-6F175D3DCCD1}">
+              <a14:hiddenFill xmlns:a14="http://schemas.microsoft.com/office/drawing/2010/main">
+                <a:solidFill>
+                  <a:srgbClr val="FFFFFF"/>
+                </a:solidFill>
+              </a14:hiddenFill>
+            </a:ext>
+          </a:extLst>
+        </p:spPr>
+      </p:pic>
+    </p:spTree>
+    <p:extLst>
+      <p:ext uri="{BB962C8B-B14F-4D97-AF65-F5344CB8AC3E}">
+        <p14:creationId xmlns:p14="http://schemas.microsoft.com/office/powerpoint/2010/main" val="3638754126"/>
+      </p:ext>
+    </p:extLst>
+  </p:cSld>
+  <p:clrMapOvr>
+    <a:masterClrMapping/>
+  </p:clrMapOvr>
+  <p:timing>
+    <p:tnLst>
+      <p:par>
+        <p:cTn id="1" dur="indefinite" restart="never" nodeType="tmRoot"/>
+      </p:par>
+    </p:tnLst>
+  </p:timing>
+</p:sld>
+</file>
+
+<file path=ppt/slides/slide5.xml><?xml version="1.0" encoding="utf-8"?>
+<p:sld xmlns:a="http://schemas.openxmlformats.org/drawingml/2006/main" xmlns:r="http://schemas.openxmlformats.org/officeDocument/2006/relationships" xmlns:p="http://schemas.openxmlformats.org/presentationml/2006/main">
+  <p:cSld>
+    <p:spTree>
+      <p:nvGrpSpPr>
+        <p:cNvPr id="1" name=""/>
+        <p:cNvGrpSpPr/>
+        <p:nvPr/>
+      </p:nvGrpSpPr>
+      <p:grpSpPr>
+        <a:xfrm>
+          <a:off x="0" y="0"/>
+          <a:ext cx="0" cy="0"/>
+          <a:chOff x="0" y="0"/>
+          <a:chExt cx="0" cy="0"/>
+        </a:xfrm>
+      </p:grpSpPr>
+      <p:sp>
+        <p:nvSpPr>
+          <p:cNvPr id="2" name="Titre 1"/>
+          <p:cNvSpPr>
+            <a:spLocks noGrp="1"/>
+          </p:cNvSpPr>
+          <p:nvPr>
+            <p:ph type="title"/>
+          </p:nvPr>
+        </p:nvSpPr>
+        <p:spPr/>
+        <p:txBody>
+          <a:bodyPr/>
+          <a:lstStyle/>
+          <a:p>
+            <a:r>
+              <a:rPr lang="fr-FR" dirty="0" smtClean="0"/>
+              <a:t>Algorithmes</a:t>
+            </a:r>
+            <a:endParaRPr lang="fr-FR" dirty="0"/>
+          </a:p>
+        </p:txBody>
+      </p:sp>
+      <p:sp>
+        <p:nvSpPr>
+          <p:cNvPr id="3" name="Espace réservé du contenu 2"/>
+          <p:cNvSpPr>
+            <a:spLocks noGrp="1"/>
+          </p:cNvSpPr>
+          <p:nvPr>
+            <p:ph idx="1"/>
+          </p:nvPr>
+        </p:nvSpPr>
+        <p:spPr/>
+        <p:txBody>
+          <a:bodyPr/>
+          <a:lstStyle/>
+          <a:p>
+            <a:r>
+              <a:rPr lang="fr-FR" sz="2400" dirty="0" smtClean="0"/>
+              <a:t>Il existe plusieurs algorithmes </a:t>
+            </a:r>
+            <a:r>
+              <a:rPr lang="fr-FR" sz="2400" dirty="0" err="1" smtClean="0"/>
+              <a:t>knn</a:t>
+            </a:r>
+            <a:endParaRPr lang="fr-FR" sz="2400" dirty="0" smtClean="0"/>
+          </a:p>
+          <a:p>
+            <a:r>
+              <a:rPr lang="fr-FR" sz="2400" dirty="0" smtClean="0"/>
+              <a:t>Brute Force</a:t>
+            </a:r>
+          </a:p>
+          <a:p>
+            <a:pPr lvl="1"/>
+            <a:r>
+              <a:rPr lang="fr-FR" sz="2000" dirty="0" smtClean="0"/>
+              <a:t>Etablit la distance entre tous les points</a:t>
+            </a:r>
+          </a:p>
+          <a:p>
+            <a:pPr lvl="1"/>
+            <a:r>
+              <a:rPr lang="fr-FR" sz="2000" dirty="0" smtClean="0"/>
+              <a:t>Très bon, mais très couteux pour les gros </a:t>
+            </a:r>
+            <a:r>
+              <a:rPr lang="fr-FR" sz="2000" dirty="0" err="1" smtClean="0"/>
+              <a:t>datasets</a:t>
+            </a:r>
+            <a:endParaRPr lang="fr-FR" sz="2000" dirty="0" smtClean="0"/>
+          </a:p>
+          <a:p>
+            <a:pPr lvl="1"/>
+            <a:r>
+              <a:rPr lang="fr-FR" sz="2000" dirty="0" smtClean="0"/>
+              <a:t>O(n²)</a:t>
+            </a:r>
+          </a:p>
+          <a:p>
+            <a:r>
+              <a:rPr lang="fr-FR" sz="2400" dirty="0" err="1" smtClean="0"/>
+              <a:t>KDTree</a:t>
+            </a:r>
+            <a:endParaRPr lang="fr-FR" sz="2400" dirty="0" smtClean="0"/>
+          </a:p>
+          <a:p>
+            <a:pPr lvl="1"/>
+            <a:r>
+              <a:rPr lang="fr-FR" sz="2000" dirty="0" smtClean="0"/>
+              <a:t>Elimine des distances</a:t>
+            </a:r>
+          </a:p>
+          <a:p>
+            <a:pPr lvl="1"/>
+            <a:r>
+              <a:rPr lang="fr-FR" sz="2000" dirty="0" smtClean="0"/>
+              <a:t>Si A est loin de B et B proche de C alors A est loin de </a:t>
+            </a:r>
+            <a:r>
+              <a:rPr lang="fr-FR" sz="2000" dirty="0" smtClean="0"/>
+              <a:t>C</a:t>
+            </a:r>
+            <a:endParaRPr lang="fr-FR" sz="2000" dirty="0" smtClean="0"/>
+          </a:p>
+          <a:p>
+            <a:pPr lvl="1"/>
+            <a:r>
+              <a:rPr lang="fr-FR" sz="2000" dirty="0" smtClean="0"/>
+              <a:t>O(n.log(n))</a:t>
+            </a:r>
+          </a:p>
+          <a:p>
+            <a:r>
+              <a:rPr lang="fr-FR" sz="2400" dirty="0" err="1" smtClean="0"/>
+              <a:t>BallTree</a:t>
+            </a:r>
+            <a:endParaRPr lang="fr-FR" sz="2400" dirty="0" smtClean="0"/>
+          </a:p>
+          <a:p>
+            <a:pPr lvl="1"/>
+            <a:r>
+              <a:rPr lang="fr-FR" sz="2000" dirty="0" smtClean="0"/>
+              <a:t>Sépare les données en partitions</a:t>
+            </a:r>
+          </a:p>
+          <a:p>
+            <a:pPr lvl="1"/>
+            <a:r>
+              <a:rPr lang="fr-FR" sz="2000" dirty="0" smtClean="0"/>
+              <a:t>Peut être très efficace ou très </a:t>
+            </a:r>
+            <a:r>
+              <a:rPr lang="fr-FR" sz="2000" dirty="0" err="1" smtClean="0"/>
+              <a:t>inneficace</a:t>
+            </a:r>
+            <a:endParaRPr lang="fr-FR" sz="2000" dirty="0" smtClean="0"/>
+          </a:p>
+          <a:p>
+            <a:r>
+              <a:rPr lang="fr-FR" sz="2400" dirty="0" smtClean="0"/>
+              <a:t>Par défaut </a:t>
+            </a:r>
+            <a:r>
+              <a:rPr lang="fr-FR" sz="2400" dirty="0" err="1" smtClean="0"/>
+              <a:t>sklearn</a:t>
+            </a:r>
+            <a:r>
+              <a:rPr lang="fr-FR" sz="2400" dirty="0" smtClean="0"/>
+              <a:t> essaie de choisir le meilleur</a:t>
+            </a:r>
+            <a:endParaRPr lang="fr-FR" sz="2400" dirty="0"/>
+          </a:p>
+        </p:txBody>
+      </p:sp>
+    </p:spTree>
+    <p:extLst>
+      <p:ext uri="{BB962C8B-B14F-4D97-AF65-F5344CB8AC3E}">
+        <p14:creationId xmlns:p14="http://schemas.microsoft.com/office/powerpoint/2010/main" val="3462804227"/>
+      </p:ext>
+    </p:extLst>
+  </p:cSld>
+  <p:clrMapOvr>
+    <a:masterClrMapping/>
+  </p:clrMapOvr>
+  <p:timing>
+    <p:tnLst>
+      <p:par>
+        <p:cTn id="1" dur="indefinite" restart="never" nodeType="tmRoot"/>
+      </p:par>
+    </p:tnLst>
+  </p:timing>
+</p:sld>
+</file>
+
+<file path=ppt/slides/slide6.xml><?xml version="1.0" encoding="utf-8"?>
+<p:sld xmlns:a="http://schemas.openxmlformats.org/drawingml/2006/main" xmlns:r="http://schemas.openxmlformats.org/officeDocument/2006/relationships" xmlns:p="http://schemas.openxmlformats.org/presentationml/2006/main">
+  <p:cSld>
+    <p:spTree>
+      <p:nvGrpSpPr>
+        <p:cNvPr id="1" name=""/>
+        <p:cNvGrpSpPr/>
+        <p:nvPr/>
+      </p:nvGrpSpPr>
+      <p:grpSpPr>
+        <a:xfrm>
+          <a:off x="0" y="0"/>
+          <a:ext cx="0" cy="0"/>
+          <a:chOff x="0" y="0"/>
+          <a:chExt cx="0" cy="0"/>
+        </a:xfrm>
+      </p:grpSpPr>
+      <p:sp>
+        <p:nvSpPr>
+          <p:cNvPr id="2" name="Titre 1"/>
+          <p:cNvSpPr>
+            <a:spLocks noGrp="1"/>
+          </p:cNvSpPr>
+          <p:nvPr>
+            <p:ph type="title"/>
+          </p:nvPr>
+        </p:nvSpPr>
+        <p:spPr/>
+        <p:txBody>
+          <a:bodyPr/>
+          <a:lstStyle/>
+          <a:p>
+            <a:r>
+              <a:rPr lang="fr-FR" dirty="0" smtClean="0"/>
+              <a:t>Modèle</a:t>
+            </a:r>
+            <a:endParaRPr lang="fr-FR" dirty="0"/>
+          </a:p>
+        </p:txBody>
+      </p:sp>
+      <p:sp>
+        <p:nvSpPr>
+          <p:cNvPr id="3" name="Espace réservé du contenu 2"/>
+          <p:cNvSpPr>
+            <a:spLocks noGrp="1"/>
+          </p:cNvSpPr>
+          <p:nvPr>
+            <p:ph idx="1"/>
+          </p:nvPr>
+        </p:nvSpPr>
+        <p:spPr/>
+        <p:txBody>
+          <a:bodyPr/>
+          <a:lstStyle/>
+          <a:p>
+            <a:r>
+              <a:rPr lang="fr-FR" dirty="0">
+                <a:latin typeface="Courier New" panose="02070309020205020404" pitchFamily="49" charset="0"/>
+                <a:cs typeface="Courier New" panose="02070309020205020404" pitchFamily="49" charset="0"/>
+              </a:rPr>
+              <a:t>import </a:t>
+            </a:r>
+            <a:r>
+              <a:rPr lang="fr-FR" dirty="0" err="1">
+                <a:latin typeface="Courier New" panose="02070309020205020404" pitchFamily="49" charset="0"/>
+                <a:cs typeface="Courier New" panose="02070309020205020404" pitchFamily="49" charset="0"/>
+              </a:rPr>
+              <a:t>sklearn.neighbors</a:t>
+            </a:r>
+            <a:r>
+              <a:rPr lang="fr-FR" dirty="0">
+                <a:latin typeface="Courier New" panose="02070309020205020404" pitchFamily="49" charset="0"/>
+                <a:cs typeface="Courier New" panose="02070309020205020404" pitchFamily="49" charset="0"/>
+              </a:rPr>
+              <a:t> as </a:t>
+            </a:r>
+            <a:r>
+              <a:rPr lang="fr-FR" dirty="0" err="1">
+                <a:latin typeface="Courier New" panose="02070309020205020404" pitchFamily="49" charset="0"/>
+                <a:cs typeface="Courier New" panose="02070309020205020404" pitchFamily="49" charset="0"/>
+              </a:rPr>
+              <a:t>nn</a:t>
+            </a:r>
+            <a:endParaRPr lang="fr-FR" dirty="0">
+              <a:latin typeface="Courier New" panose="02070309020205020404" pitchFamily="49" charset="0"/>
+              <a:cs typeface="Courier New" panose="02070309020205020404" pitchFamily="49" charset="0"/>
+            </a:endParaRPr>
+          </a:p>
+          <a:p>
+            <a:r>
+              <a:rPr lang="fr-FR" dirty="0" smtClean="0">
+                <a:latin typeface="Courier New" panose="02070309020205020404" pitchFamily="49" charset="0"/>
+                <a:cs typeface="Courier New" panose="02070309020205020404" pitchFamily="49" charset="0"/>
+              </a:rPr>
+              <a:t>model </a:t>
+            </a:r>
+            <a:r>
+              <a:rPr lang="fr-FR" dirty="0">
+                <a:latin typeface="Courier New" panose="02070309020205020404" pitchFamily="49" charset="0"/>
+                <a:cs typeface="Courier New" panose="02070309020205020404" pitchFamily="49" charset="0"/>
+              </a:rPr>
+              <a:t>= </a:t>
+            </a:r>
+            <a:r>
+              <a:rPr lang="fr-FR" dirty="0" err="1" smtClean="0">
+                <a:latin typeface="Courier New" panose="02070309020205020404" pitchFamily="49" charset="0"/>
+                <a:cs typeface="Courier New" panose="02070309020205020404" pitchFamily="49" charset="0"/>
+              </a:rPr>
+              <a:t>nn.KNeighborsClassifier</a:t>
+            </a:r>
+            <a:r>
+              <a:rPr lang="fr-FR" dirty="0" smtClean="0">
+                <a:latin typeface="Courier New" panose="02070309020205020404" pitchFamily="49" charset="0"/>
+                <a:cs typeface="Courier New" panose="02070309020205020404" pitchFamily="49" charset="0"/>
+              </a:rPr>
+              <a:t>(</a:t>
+            </a:r>
+            <a:r>
+              <a:rPr lang="fr-FR" dirty="0" err="1" smtClean="0">
+                <a:latin typeface="Courier New" panose="02070309020205020404" pitchFamily="49" charset="0"/>
+                <a:cs typeface="Courier New" panose="02070309020205020404" pitchFamily="49" charset="0"/>
+              </a:rPr>
+              <a:t>n_neighbors</a:t>
+            </a:r>
+            <a:r>
+              <a:rPr lang="fr-FR" dirty="0" smtClean="0">
+                <a:latin typeface="Courier New" panose="02070309020205020404" pitchFamily="49" charset="0"/>
+                <a:cs typeface="Courier New" panose="02070309020205020404" pitchFamily="49" charset="0"/>
+              </a:rPr>
+              <a:t>=3</a:t>
+            </a:r>
+            <a:r>
+              <a:rPr lang="fr-FR" dirty="0">
+                <a:latin typeface="Courier New" panose="02070309020205020404" pitchFamily="49" charset="0"/>
+                <a:cs typeface="Courier New" panose="02070309020205020404" pitchFamily="49" charset="0"/>
+              </a:rPr>
+              <a:t>)</a:t>
+            </a:r>
+          </a:p>
+          <a:p>
+            <a:r>
+              <a:rPr lang="fr-FR" dirty="0" err="1">
+                <a:latin typeface="Courier New" panose="02070309020205020404" pitchFamily="49" charset="0"/>
+                <a:cs typeface="Courier New" panose="02070309020205020404" pitchFamily="49" charset="0"/>
+              </a:rPr>
+              <a:t>model.fit</a:t>
+            </a:r>
+            <a:r>
+              <a:rPr lang="fr-FR" dirty="0">
+                <a:latin typeface="Courier New" panose="02070309020205020404" pitchFamily="49" charset="0"/>
+                <a:cs typeface="Courier New" panose="02070309020205020404" pitchFamily="49" charset="0"/>
+              </a:rPr>
+              <a:t>(</a:t>
+            </a:r>
+            <a:r>
+              <a:rPr lang="fr-FR" dirty="0" err="1">
+                <a:latin typeface="Courier New" panose="02070309020205020404" pitchFamily="49" charset="0"/>
+                <a:cs typeface="Courier New" panose="02070309020205020404" pitchFamily="49" charset="0"/>
+              </a:rPr>
+              <a:t>xtrain</a:t>
+            </a:r>
+            <a:r>
+              <a:rPr lang="fr-FR" dirty="0">
+                <a:latin typeface="Courier New" panose="02070309020205020404" pitchFamily="49" charset="0"/>
+                <a:cs typeface="Courier New" panose="02070309020205020404" pitchFamily="49" charset="0"/>
+              </a:rPr>
+              <a:t>, </a:t>
+            </a:r>
+            <a:r>
+              <a:rPr lang="fr-FR" dirty="0" err="1">
+                <a:latin typeface="Courier New" panose="02070309020205020404" pitchFamily="49" charset="0"/>
+                <a:cs typeface="Courier New" panose="02070309020205020404" pitchFamily="49" charset="0"/>
+              </a:rPr>
+              <a:t>ytrain</a:t>
+            </a:r>
+            <a:r>
+              <a:rPr lang="fr-FR" dirty="0">
+                <a:latin typeface="Courier New" panose="02070309020205020404" pitchFamily="49" charset="0"/>
+                <a:cs typeface="Courier New" panose="02070309020205020404" pitchFamily="49" charset="0"/>
+              </a:rPr>
+              <a:t>)</a:t>
+            </a:r>
+          </a:p>
+          <a:p>
+            <a:r>
+              <a:rPr lang="fr-FR" dirty="0" err="1" smtClean="0">
+                <a:latin typeface="Courier New" panose="02070309020205020404" pitchFamily="49" charset="0"/>
+                <a:cs typeface="Courier New" panose="02070309020205020404" pitchFamily="49" charset="0"/>
+              </a:rPr>
+              <a:t>model.score</a:t>
+            </a:r>
+            <a:r>
+              <a:rPr lang="fr-FR" dirty="0" smtClean="0">
+                <a:latin typeface="Courier New" panose="02070309020205020404" pitchFamily="49" charset="0"/>
+                <a:cs typeface="Courier New" panose="02070309020205020404" pitchFamily="49" charset="0"/>
+              </a:rPr>
+              <a:t>(</a:t>
+            </a:r>
+            <a:r>
+              <a:rPr lang="fr-FR" dirty="0" err="1" smtClean="0">
+                <a:latin typeface="Courier New" panose="02070309020205020404" pitchFamily="49" charset="0"/>
+                <a:cs typeface="Courier New" panose="02070309020205020404" pitchFamily="49" charset="0"/>
+              </a:rPr>
+              <a:t>xtest</a:t>
+            </a:r>
+            <a:r>
+              <a:rPr lang="fr-FR" dirty="0">
+                <a:latin typeface="Courier New" panose="02070309020205020404" pitchFamily="49" charset="0"/>
+                <a:cs typeface="Courier New" panose="02070309020205020404" pitchFamily="49" charset="0"/>
+              </a:rPr>
+              <a:t>, </a:t>
+            </a:r>
+            <a:r>
+              <a:rPr lang="fr-FR" dirty="0" err="1">
+                <a:latin typeface="Courier New" panose="02070309020205020404" pitchFamily="49" charset="0"/>
+                <a:cs typeface="Courier New" panose="02070309020205020404" pitchFamily="49" charset="0"/>
+              </a:rPr>
+              <a:t>ytest</a:t>
+            </a:r>
+            <a:r>
+              <a:rPr lang="fr-FR" dirty="0">
+                <a:latin typeface="Courier New" panose="02070309020205020404" pitchFamily="49" charset="0"/>
+                <a:cs typeface="Courier New" panose="02070309020205020404" pitchFamily="49" charset="0"/>
+              </a:rPr>
+              <a:t>)</a:t>
+            </a:r>
+          </a:p>
+        </p:txBody>
+      </p:sp>
+    </p:spTree>
+    <p:extLst>
+      <p:ext uri="{BB962C8B-B14F-4D97-AF65-F5344CB8AC3E}">
+        <p14:creationId xmlns:p14="http://schemas.microsoft.com/office/powerpoint/2010/main" val="3171691522"/>
+      </p:ext>
+    </p:extLst>
+  </p:cSld>
+  <p:clrMapOvr>
+    <a:masterClrMapping/>
+  </p:clrMapOvr>
+  <p:timing>
+    <p:tnLst>
+      <p:par>
+        <p:cTn id="1" dur="indefinite" restart="never" nodeType="tmRoot"/>
+      </p:par>
+    </p:tnLst>
+  </p:timing>
+</p:sld>
+</file>
+
+<file path=ppt/slides/slide7.xml><?xml version="1.0" encoding="utf-8"?>
+<p:sld xmlns:a="http://schemas.openxmlformats.org/drawingml/2006/main" xmlns:r="http://schemas.openxmlformats.org/officeDocument/2006/relationships" xmlns:p="http://schemas.openxmlformats.org/presentationml/2006/main">
+  <p:cSld>
+    <p:spTree>
+      <p:nvGrpSpPr>
+        <p:cNvPr id="1" name=""/>
+        <p:cNvGrpSpPr/>
+        <p:nvPr/>
+      </p:nvGrpSpPr>
+      <p:grpSpPr>
+        <a:xfrm>
+          <a:off x="0" y="0"/>
+          <a:ext cx="0" cy="0"/>
+          <a:chOff x="0" y="0"/>
+          <a:chExt cx="0" cy="0"/>
+        </a:xfrm>
+      </p:grpSpPr>
+      <p:sp>
+        <p:nvSpPr>
+          <p:cNvPr id="2" name="Titre 1"/>
+          <p:cNvSpPr>
+            <a:spLocks noGrp="1"/>
+          </p:cNvSpPr>
+          <p:nvPr>
+            <p:ph type="title"/>
+          </p:nvPr>
+        </p:nvSpPr>
+        <p:spPr/>
+        <p:txBody>
+          <a:bodyPr/>
+          <a:lstStyle/>
+          <a:p>
+            <a:r>
+              <a:rPr lang="fr-FR" dirty="0" smtClean="0"/>
+              <a:t>Zonage</a:t>
+            </a:r>
+            <a:endParaRPr lang="fr-FR" dirty="0"/>
+          </a:p>
+        </p:txBody>
+      </p:sp>
+      <p:sp>
+        <p:nvSpPr>
+          <p:cNvPr id="3" name="Espace réservé du contenu 2"/>
+          <p:cNvSpPr>
+            <a:spLocks noGrp="1"/>
+          </p:cNvSpPr>
+          <p:nvPr>
+            <p:ph idx="1"/>
+          </p:nvPr>
+        </p:nvSpPr>
+        <p:spPr/>
+        <p:txBody>
+          <a:bodyPr/>
+          <a:lstStyle/>
+          <a:p>
+            <a:r>
+              <a:rPr lang="fr-FR" dirty="0" smtClean="0"/>
+              <a:t>Il est ainsi aisé de déterminé un zonage pour catégorisé les points</a:t>
+            </a:r>
+            <a:endParaRPr lang="fr-FR" dirty="0"/>
+          </a:p>
+        </p:txBody>
+      </p:sp>
+      <p:pic>
+        <p:nvPicPr>
+          <p:cNvPr id="3074" name="Picture 2" descr="Les deux zones qui séparent l'espace pour la décision à prendre sur la classification de nouvelles entrées"/>
+          <p:cNvPicPr>
+            <a:picLocks noChangeAspect="1" noChangeArrowheads="1"/>
+          </p:cNvPicPr>
+          <p:nvPr/>
+        </p:nvPicPr>
+        <p:blipFill>
+          <a:blip r:embed="rId2">
+            <a:extLst>
+              <a:ext uri="{28A0092B-C50C-407E-A947-70E740481C1C}">
+                <a14:useLocalDpi xmlns:a14="http://schemas.microsoft.com/office/drawing/2010/main" val="0"/>
+              </a:ext>
+            </a:extLst>
+          </a:blip>
+          <a:srcRect/>
+          <a:stretch>
+            <a:fillRect/>
+          </a:stretch>
+        </p:blipFill>
+        <p:spPr bwMode="auto">
+          <a:xfrm>
+            <a:off x="1907704" y="2564904"/>
+            <a:ext cx="4762500" cy="3267075"/>
+          </a:xfrm>
+          <a:prstGeom prst="rect">
+            <a:avLst/>
+          </a:prstGeom>
+          <a:noFill/>
+          <a:extLst>
+            <a:ext uri="{909E8E84-426E-40DD-AFC4-6F175D3DCCD1}">
+              <a14:hiddenFill xmlns:a14="http://schemas.microsoft.com/office/drawing/2010/main">
+                <a:solidFill>
+                  <a:srgbClr val="FFFFFF"/>
+                </a:solidFill>
+              </a14:hiddenFill>
+            </a:ext>
+          </a:extLst>
+        </p:spPr>
+      </p:pic>
+    </p:spTree>
+    <p:extLst>
+      <p:ext uri="{BB962C8B-B14F-4D97-AF65-F5344CB8AC3E}">
+        <p14:creationId xmlns:p14="http://schemas.microsoft.com/office/powerpoint/2010/main" val="2026793294"/>
+      </p:ext>
+    </p:extLst>
+  </p:cSld>
+  <p:clrMapOvr>
+    <a:masterClrMapping/>
+  </p:clrMapOvr>
+  <p:timing>
+    <p:tnLst>
+      <p:par>
+        <p:cTn id="1" dur="indefinite" restart="never" nodeType="tmRoot"/>
+      </p:par>
+    </p:tnLst>
+  </p:timing>
+</p:sld>
+</file>
+
+<file path=ppt/slides/slide8.xml><?xml version="1.0" encoding="utf-8"?>
 <p:sld xmlns:a="http://schemas.openxmlformats.org/drawingml/2006/main" xmlns:r="http://schemas.openxmlformats.org/officeDocument/2006/relationships" xmlns:p="http://schemas.openxmlformats.org/presentationml/2006/main">
   <p:cSld>
     <p:spTree>
@@ -4229,17 +5812,24 @@
     </p:spTree>
     <p:extLst>
       <p:ext uri="{BB962C8B-B14F-4D97-AF65-F5344CB8AC3E}">
-        <p14:creationId xmlns:p14="http://schemas.microsoft.com/office/powerpoint/2010/main" val="3313674904"/>
+        <p14:creationId xmlns:p14="http://schemas.microsoft.com/office/powerpoint/2010/main" val="3051369363"/>
       </p:ext>
     </p:extLst>
   </p:cSld>
   <p:clrMapOvr>
     <a:masterClrMapping/>
   </p:clrMapOvr>
+  <p:timing>
+    <p:tnLst>
+      <p:par>
+        <p:cTn id="1" dur="indefinite" restart="never" nodeType="tmRoot"/>
+      </p:par>
+    </p:tnLst>
+  </p:timing>
 </p:sld>
 </file>
 
-<file path=ppt/slides/slide13.xml><?xml version="1.0" encoding="utf-8"?>
+<file path=ppt/slides/slide9.xml><?xml version="1.0" encoding="utf-8"?>
 <p:sld xmlns:a="http://schemas.openxmlformats.org/drawingml/2006/main" xmlns:r="http://schemas.openxmlformats.org/officeDocument/2006/relationships" xmlns:p="http://schemas.openxmlformats.org/presentationml/2006/main">
   <p:cSld>
     <p:spTree>
@@ -4394,280 +5984,7 @@
     </p:spTree>
     <p:extLst>
       <p:ext uri="{BB962C8B-B14F-4D97-AF65-F5344CB8AC3E}">
-        <p14:creationId xmlns:p14="http://schemas.microsoft.com/office/powerpoint/2010/main" val="4132104862"/>
-      </p:ext>
-    </p:extLst>
-  </p:cSld>
-  <p:clrMapOvr>
-    <a:masterClrMapping/>
-  </p:clrMapOvr>
-</p:sld>
-</file>
-
-<file path=ppt/slides/slide14.xml><?xml version="1.0" encoding="utf-8"?>
-<p:sld xmlns:a="http://schemas.openxmlformats.org/drawingml/2006/main" xmlns:r="http://schemas.openxmlformats.org/officeDocument/2006/relationships" xmlns:p="http://schemas.openxmlformats.org/presentationml/2006/main">
-  <p:cSld>
-    <p:spTree>
-      <p:nvGrpSpPr>
-        <p:cNvPr id="1" name=""/>
-        <p:cNvGrpSpPr/>
-        <p:nvPr/>
-      </p:nvGrpSpPr>
-      <p:grpSpPr>
-        <a:xfrm>
-          <a:off x="0" y="0"/>
-          <a:ext cx="0" cy="0"/>
-          <a:chOff x="0" y="0"/>
-          <a:chExt cx="0" cy="0"/>
-        </a:xfrm>
-      </p:grpSpPr>
-      <p:sp>
-        <p:nvSpPr>
-          <p:cNvPr id="2" name="Titre 1"/>
-          <p:cNvSpPr>
-            <a:spLocks noGrp="1"/>
-          </p:cNvSpPr>
-          <p:nvPr>
-            <p:ph type="title"/>
-          </p:nvPr>
-        </p:nvSpPr>
-        <p:spPr/>
-        <p:txBody>
-          <a:bodyPr/>
-          <a:lstStyle/>
-          <a:p>
-            <a:r>
-              <a:rPr lang="fr-FR" dirty="0" smtClean="0"/>
-              <a:t>Décomposition de l’</a:t>
-            </a:r>
-            <a:endParaRPr lang="fr-FR" dirty="0"/>
-          </a:p>
-        </p:txBody>
-      </p:sp>
-      <p:sp>
-        <p:nvSpPr>
-          <p:cNvPr id="3" name="Espace réservé du contenu 2"/>
-          <p:cNvSpPr>
-            <a:spLocks noGrp="1"/>
-          </p:cNvSpPr>
-          <p:nvPr>
-            <p:ph idx="1"/>
-          </p:nvPr>
-        </p:nvSpPr>
-        <p:spPr/>
-        <p:txBody>
-          <a:bodyPr/>
-          <a:lstStyle/>
-          <a:p>
-            <a:r>
-              <a:rPr lang="fr-FR" dirty="0" smtClean="0"/>
-              <a:t>L’erreur peut s’écrire</a:t>
-            </a:r>
-          </a:p>
-          <a:p>
-            <a:r>
-              <a:rPr lang="fr-FR" dirty="0" err="1"/>
-              <a:t>Err</a:t>
-            </a:r>
-            <a:r>
-              <a:rPr lang="fr-FR" dirty="0"/>
-              <a:t>(x</a:t>
-            </a:r>
-            <a:r>
-              <a:rPr lang="fr-FR"/>
-              <a:t>)=</a:t>
-            </a:r>
-            <a:r>
-              <a:rPr lang="fr-FR" smtClean="0"/>
-              <a:t>Biais²+Variance+Erreur </a:t>
-            </a:r>
-            <a:r>
-              <a:rPr lang="fr-FR" dirty="0" smtClean="0"/>
-              <a:t>Irréductible</a:t>
-            </a:r>
-          </a:p>
-          <a:p>
-            <a:endParaRPr lang="fr-FR" dirty="0"/>
-          </a:p>
-        </p:txBody>
-      </p:sp>
-      <p:pic>
-        <p:nvPicPr>
-          <p:cNvPr id="3074" name="Picture 2" descr="On cherche à se placer au minimum de l'erreur totale"/>
-          <p:cNvPicPr>
-            <a:picLocks noChangeAspect="1" noChangeArrowheads="1"/>
-          </p:cNvPicPr>
-          <p:nvPr/>
-        </p:nvPicPr>
-        <p:blipFill>
-          <a:blip r:embed="rId2">
-            <a:extLst>
-              <a:ext uri="{28A0092B-C50C-407E-A947-70E740481C1C}">
-                <a14:useLocalDpi xmlns:a14="http://schemas.microsoft.com/office/drawing/2010/main" val="0"/>
-              </a:ext>
-            </a:extLst>
-          </a:blip>
-          <a:srcRect/>
-          <a:stretch>
-            <a:fillRect/>
-          </a:stretch>
-        </p:blipFill>
-        <p:spPr bwMode="auto">
-          <a:xfrm>
-            <a:off x="1331640" y="2780928"/>
-            <a:ext cx="5256584" cy="3301391"/>
-          </a:xfrm>
-          <a:prstGeom prst="rect">
-            <a:avLst/>
-          </a:prstGeom>
-          <a:noFill/>
-          <a:extLst>
-            <a:ext uri="{909E8E84-426E-40DD-AFC4-6F175D3DCCD1}">
-              <a14:hiddenFill xmlns:a14="http://schemas.microsoft.com/office/drawing/2010/main">
-                <a:solidFill>
-                  <a:srgbClr val="FFFFFF"/>
-                </a:solidFill>
-              </a14:hiddenFill>
-            </a:ext>
-          </a:extLst>
-        </p:spPr>
-      </p:pic>
-    </p:spTree>
-    <p:extLst>
-      <p:ext uri="{BB962C8B-B14F-4D97-AF65-F5344CB8AC3E}">
-        <p14:creationId xmlns:p14="http://schemas.microsoft.com/office/powerpoint/2010/main" val="3128219727"/>
-      </p:ext>
-    </p:extLst>
-  </p:cSld>
-  <p:clrMapOvr>
-    <a:masterClrMapping/>
-  </p:clrMapOvr>
-</p:sld>
-</file>
-
-<file path=ppt/slides/slide2.xml><?xml version="1.0" encoding="utf-8"?>
-<p:sld xmlns:a="http://schemas.openxmlformats.org/drawingml/2006/main" xmlns:r="http://schemas.openxmlformats.org/officeDocument/2006/relationships" xmlns:p="http://schemas.openxmlformats.org/presentationml/2006/main">
-  <p:cSld>
-    <p:spTree>
-      <p:nvGrpSpPr>
-        <p:cNvPr id="1" name=""/>
-        <p:cNvGrpSpPr/>
-        <p:nvPr/>
-      </p:nvGrpSpPr>
-      <p:grpSpPr>
-        <a:xfrm>
-          <a:off x="0" y="0"/>
-          <a:ext cx="0" cy="0"/>
-          <a:chOff x="0" y="0"/>
-          <a:chExt cx="0" cy="0"/>
-        </a:xfrm>
-      </p:grpSpPr>
-      <p:sp>
-        <p:nvSpPr>
-          <p:cNvPr id="2" name="Titre 1"/>
-          <p:cNvSpPr>
-            <a:spLocks noGrp="1"/>
-          </p:cNvSpPr>
-          <p:nvPr>
-            <p:ph type="title"/>
-          </p:nvPr>
-        </p:nvSpPr>
-        <p:spPr/>
-        <p:txBody>
-          <a:bodyPr/>
-          <a:lstStyle/>
-          <a:p>
-            <a:r>
-              <a:rPr lang="fr-FR" altLang="fr-FR" dirty="0" err="1"/>
-              <a:t>Nearest</a:t>
-            </a:r>
-            <a:r>
-              <a:rPr lang="fr-FR" altLang="fr-FR" dirty="0"/>
-              <a:t> </a:t>
-            </a:r>
-            <a:r>
-              <a:rPr lang="fr-FR" altLang="fr-FR" dirty="0" smtClean="0"/>
-              <a:t>Neighbors</a:t>
-            </a:r>
-            <a:endParaRPr lang="fr-FR" dirty="0"/>
-          </a:p>
-        </p:txBody>
-      </p:sp>
-      <p:sp>
-        <p:nvSpPr>
-          <p:cNvPr id="3" name="Espace réservé du contenu 2"/>
-          <p:cNvSpPr>
-            <a:spLocks noGrp="1"/>
-          </p:cNvSpPr>
-          <p:nvPr>
-            <p:ph idx="1"/>
-          </p:nvPr>
-        </p:nvSpPr>
-        <p:spPr/>
-        <p:txBody>
-          <a:bodyPr/>
-          <a:lstStyle/>
-          <a:p>
-            <a:r>
-              <a:rPr lang="fr-FR" dirty="0"/>
-              <a:t>Le k-NN est le diminutif de k </a:t>
-            </a:r>
-            <a:r>
-              <a:rPr lang="fr-FR" dirty="0" err="1"/>
-              <a:t>Nearest</a:t>
-            </a:r>
-            <a:r>
-              <a:rPr lang="fr-FR" dirty="0"/>
-              <a:t> </a:t>
-            </a:r>
-            <a:r>
-              <a:rPr lang="fr-FR" dirty="0" smtClean="0"/>
-              <a:t>Neighbors</a:t>
-            </a:r>
-          </a:p>
-          <a:p>
-            <a:r>
-              <a:rPr lang="fr-FR" dirty="0" smtClean="0"/>
-              <a:t>C’est </a:t>
-            </a:r>
-            <a:r>
-              <a:rPr lang="fr-FR" dirty="0"/>
-              <a:t>un algorithme qui peut servir autant pour la classification que la </a:t>
-            </a:r>
-            <a:r>
-              <a:rPr lang="fr-FR" dirty="0" smtClean="0"/>
-              <a:t>régression</a:t>
-            </a:r>
-          </a:p>
-          <a:p>
-            <a:r>
-              <a:rPr lang="fr-FR" dirty="0" smtClean="0"/>
-              <a:t>Son </a:t>
-            </a:r>
-            <a:r>
-              <a:rPr lang="fr-FR" dirty="0"/>
-              <a:t>principe </a:t>
-            </a:r>
-            <a:r>
-              <a:rPr lang="fr-FR" dirty="0" smtClean="0"/>
-              <a:t>est de choisir </a:t>
-            </a:r>
-            <a:r>
-              <a:rPr lang="fr-FR" dirty="0"/>
-              <a:t>les k données les plus proches du point étudié afin d’en prédire sa valeur</a:t>
-            </a:r>
-            <a:endParaRPr lang="fr-FR" dirty="0" smtClean="0"/>
-          </a:p>
-          <a:p>
-            <a:pPr lvl="1"/>
-            <a:endParaRPr lang="fr-FR" dirty="0"/>
-          </a:p>
-        </p:txBody>
-      </p:sp>
-    </p:spTree>
-    <p:extLst>
-      <p:ext uri="{BB962C8B-B14F-4D97-AF65-F5344CB8AC3E}">
-        <p14:creationId xmlns:p14="http://schemas.microsoft.com/office/powerpoint/2010/main" val="1498605448"/>
+        <p14:creationId xmlns:p14="http://schemas.microsoft.com/office/powerpoint/2010/main" val="3372267551"/>
       </p:ext>
     </p:extLst>
   </p:cSld>
@@ -4681,1248 +5998,6 @@
       </p:par>
     </p:tnLst>
   </p:timing>
-</p:sld>
-</file>
-
-<file path=ppt/slides/slide3.xml><?xml version="1.0" encoding="utf-8"?>
-<p:sld xmlns:a="http://schemas.openxmlformats.org/drawingml/2006/main" xmlns:r="http://schemas.openxmlformats.org/officeDocument/2006/relationships" xmlns:p="http://schemas.openxmlformats.org/presentationml/2006/main">
-  <p:cSld>
-    <p:spTree>
-      <p:nvGrpSpPr>
-        <p:cNvPr id="1" name=""/>
-        <p:cNvGrpSpPr/>
-        <p:nvPr/>
-      </p:nvGrpSpPr>
-      <p:grpSpPr>
-        <a:xfrm>
-          <a:off x="0" y="0"/>
-          <a:ext cx="0" cy="0"/>
-          <a:chOff x="0" y="0"/>
-          <a:chExt cx="0" cy="0"/>
-        </a:xfrm>
-      </p:grpSpPr>
-      <p:sp>
-        <p:nvSpPr>
-          <p:cNvPr id="2" name="Titre 1"/>
-          <p:cNvSpPr>
-            <a:spLocks noGrp="1"/>
-          </p:cNvSpPr>
-          <p:nvPr>
-            <p:ph type="title"/>
-          </p:nvPr>
-        </p:nvSpPr>
-        <p:spPr/>
-        <p:txBody>
-          <a:bodyPr/>
-          <a:lstStyle/>
-          <a:p>
-            <a:r>
-              <a:rPr lang="fr-FR" dirty="0" smtClean="0"/>
-              <a:t>Explication</a:t>
-            </a:r>
-            <a:endParaRPr lang="fr-FR" dirty="0"/>
-          </a:p>
-        </p:txBody>
-      </p:sp>
-      <p:sp>
-        <p:nvSpPr>
-          <p:cNvPr id="3" name="Espace réservé du contenu 2"/>
-          <p:cNvSpPr>
-            <a:spLocks noGrp="1"/>
-          </p:cNvSpPr>
-          <p:nvPr>
-            <p:ph idx="1"/>
-          </p:nvPr>
-        </p:nvSpPr>
-        <p:spPr/>
-        <p:txBody>
-          <a:bodyPr/>
-          <a:lstStyle/>
-          <a:p>
-            <a:r>
-              <a:rPr lang="fr-FR" dirty="0" smtClean="0"/>
-              <a:t>Quelle est la classe de la nouvelle données (en blanc) ?</a:t>
-            </a:r>
-          </a:p>
-          <a:p>
-            <a:pPr marL="0" indent="0">
-              <a:buNone/>
-            </a:pPr>
-            <a:endParaRPr lang="fr-FR" dirty="0" smtClean="0"/>
-          </a:p>
-          <a:p>
-            <a:endParaRPr lang="fr-FR" dirty="0"/>
-          </a:p>
-        </p:txBody>
-      </p:sp>
-      <p:pic>
-        <p:nvPicPr>
-          <p:cNvPr id="1028" name="Picture 4" descr="le point blanc est une nouvelle entrée"/>
-          <p:cNvPicPr>
-            <a:picLocks noChangeAspect="1" noChangeArrowheads="1"/>
-          </p:cNvPicPr>
-          <p:nvPr/>
-        </p:nvPicPr>
-        <p:blipFill>
-          <a:blip r:embed="rId2">
-            <a:extLst>
-              <a:ext uri="{28A0092B-C50C-407E-A947-70E740481C1C}">
-                <a14:useLocalDpi xmlns:a14="http://schemas.microsoft.com/office/drawing/2010/main" val="0"/>
-              </a:ext>
-            </a:extLst>
-          </a:blip>
-          <a:srcRect/>
-          <a:stretch>
-            <a:fillRect/>
-          </a:stretch>
-        </p:blipFill>
-        <p:spPr bwMode="auto">
-          <a:xfrm>
-            <a:off x="2411760" y="2276872"/>
-            <a:ext cx="5112568" cy="3507222"/>
-          </a:xfrm>
-          <a:prstGeom prst="rect">
-            <a:avLst/>
-          </a:prstGeom>
-          <a:noFill/>
-          <a:extLst>
-            <a:ext uri="{909E8E84-426E-40DD-AFC4-6F175D3DCCD1}">
-              <a14:hiddenFill xmlns:a14="http://schemas.microsoft.com/office/drawing/2010/main">
-                <a:solidFill>
-                  <a:srgbClr val="FFFFFF"/>
-                </a:solidFill>
-              </a14:hiddenFill>
-            </a:ext>
-          </a:extLst>
-        </p:spPr>
-      </p:pic>
-    </p:spTree>
-    <p:extLst>
-      <p:ext uri="{BB962C8B-B14F-4D97-AF65-F5344CB8AC3E}">
-        <p14:creationId xmlns:p14="http://schemas.microsoft.com/office/powerpoint/2010/main" val="2764069817"/>
-      </p:ext>
-    </p:extLst>
-  </p:cSld>
-  <p:clrMapOvr>
-    <a:masterClrMapping/>
-  </p:clrMapOvr>
-</p:sld>
-</file>
-
-<file path=ppt/slides/slide4.xml><?xml version="1.0" encoding="utf-8"?>
-<p:sld xmlns:a="http://schemas.openxmlformats.org/drawingml/2006/main" xmlns:r="http://schemas.openxmlformats.org/officeDocument/2006/relationships" xmlns:p="http://schemas.openxmlformats.org/presentationml/2006/main">
-  <p:cSld>
-    <p:spTree>
-      <p:nvGrpSpPr>
-        <p:cNvPr id="1" name=""/>
-        <p:cNvGrpSpPr/>
-        <p:nvPr/>
-      </p:nvGrpSpPr>
-      <p:grpSpPr>
-        <a:xfrm>
-          <a:off x="0" y="0"/>
-          <a:ext cx="0" cy="0"/>
-          <a:chOff x="0" y="0"/>
-          <a:chExt cx="0" cy="0"/>
-        </a:xfrm>
-      </p:grpSpPr>
-      <p:sp>
-        <p:nvSpPr>
-          <p:cNvPr id="2" name="Titre 1"/>
-          <p:cNvSpPr>
-            <a:spLocks noGrp="1"/>
-          </p:cNvSpPr>
-          <p:nvPr>
-            <p:ph type="title"/>
-          </p:nvPr>
-        </p:nvSpPr>
-        <p:spPr/>
-        <p:txBody>
-          <a:bodyPr/>
-          <a:lstStyle/>
-          <a:p>
-            <a:r>
-              <a:rPr lang="fr-FR" dirty="0" err="1" smtClean="0"/>
-              <a:t>knn</a:t>
-            </a:r>
-            <a:endParaRPr lang="fr-FR" dirty="0"/>
-          </a:p>
-        </p:txBody>
-      </p:sp>
-      <p:sp>
-        <p:nvSpPr>
-          <p:cNvPr id="3" name="Espace réservé du contenu 2"/>
-          <p:cNvSpPr>
-            <a:spLocks noGrp="1"/>
-          </p:cNvSpPr>
-          <p:nvPr>
-            <p:ph idx="1"/>
-          </p:nvPr>
-        </p:nvSpPr>
-        <p:spPr/>
-        <p:txBody>
-          <a:bodyPr/>
-          <a:lstStyle/>
-          <a:p>
-            <a:r>
-              <a:rPr lang="fr-FR" dirty="0" smtClean="0"/>
-              <a:t>Nous allons regarder la distance avec les k voisins les plus proches</a:t>
-            </a:r>
-          </a:p>
-          <a:p>
-            <a:pPr lvl="1"/>
-            <a:r>
-              <a:rPr lang="fr-FR" dirty="0" smtClean="0"/>
-              <a:t>Ici 5</a:t>
-            </a:r>
-          </a:p>
-          <a:p>
-            <a:pPr lvl="1"/>
-            <a:r>
-              <a:rPr lang="fr-FR" dirty="0" smtClean="0"/>
-              <a:t>Rouge</a:t>
-            </a:r>
-            <a:endParaRPr lang="fr-FR" dirty="0"/>
-          </a:p>
-        </p:txBody>
-      </p:sp>
-      <p:pic>
-        <p:nvPicPr>
-          <p:cNvPr id="2050" name="Picture 2" descr="les 5 points les plus proches du point que l'on cherche à classer"/>
-          <p:cNvPicPr>
-            <a:picLocks noChangeAspect="1" noChangeArrowheads="1"/>
-          </p:cNvPicPr>
-          <p:nvPr/>
-        </p:nvPicPr>
-        <p:blipFill>
-          <a:blip r:embed="rId2">
-            <a:extLst>
-              <a:ext uri="{28A0092B-C50C-407E-A947-70E740481C1C}">
-                <a14:useLocalDpi xmlns:a14="http://schemas.microsoft.com/office/drawing/2010/main" val="0"/>
-              </a:ext>
-            </a:extLst>
-          </a:blip>
-          <a:srcRect/>
-          <a:stretch>
-            <a:fillRect/>
-          </a:stretch>
-        </p:blipFill>
-        <p:spPr bwMode="auto">
-          <a:xfrm>
-            <a:off x="2483768" y="2564904"/>
-            <a:ext cx="5256584" cy="3606017"/>
-          </a:xfrm>
-          <a:prstGeom prst="rect">
-            <a:avLst/>
-          </a:prstGeom>
-          <a:noFill/>
-          <a:extLst>
-            <a:ext uri="{909E8E84-426E-40DD-AFC4-6F175D3DCCD1}">
-              <a14:hiddenFill xmlns:a14="http://schemas.microsoft.com/office/drawing/2010/main">
-                <a:solidFill>
-                  <a:srgbClr val="FFFFFF"/>
-                </a:solidFill>
-              </a14:hiddenFill>
-            </a:ext>
-          </a:extLst>
-        </p:spPr>
-      </p:pic>
-    </p:spTree>
-    <p:extLst>
-      <p:ext uri="{BB962C8B-B14F-4D97-AF65-F5344CB8AC3E}">
-        <p14:creationId xmlns:p14="http://schemas.microsoft.com/office/powerpoint/2010/main" val="3638754126"/>
-      </p:ext>
-    </p:extLst>
-  </p:cSld>
-  <p:clrMapOvr>
-    <a:masterClrMapping/>
-  </p:clrMapOvr>
-</p:sld>
-</file>
-
-<file path=ppt/slides/slide5.xml><?xml version="1.0" encoding="utf-8"?>
-<p:sld xmlns:a="http://schemas.openxmlformats.org/drawingml/2006/main" xmlns:r="http://schemas.openxmlformats.org/officeDocument/2006/relationships" xmlns:p="http://schemas.openxmlformats.org/presentationml/2006/main">
-  <p:cSld>
-    <p:spTree>
-      <p:nvGrpSpPr>
-        <p:cNvPr id="1" name=""/>
-        <p:cNvGrpSpPr/>
-        <p:nvPr/>
-      </p:nvGrpSpPr>
-      <p:grpSpPr>
-        <a:xfrm>
-          <a:off x="0" y="0"/>
-          <a:ext cx="0" cy="0"/>
-          <a:chOff x="0" y="0"/>
-          <a:chExt cx="0" cy="0"/>
-        </a:xfrm>
-      </p:grpSpPr>
-      <p:sp>
-        <p:nvSpPr>
-          <p:cNvPr id="2" name="Titre 1"/>
-          <p:cNvSpPr>
-            <a:spLocks noGrp="1"/>
-          </p:cNvSpPr>
-          <p:nvPr>
-            <p:ph type="title"/>
-          </p:nvPr>
-        </p:nvSpPr>
-        <p:spPr/>
-        <p:txBody>
-          <a:bodyPr/>
-          <a:lstStyle/>
-          <a:p>
-            <a:r>
-              <a:rPr lang="fr-FR" dirty="0" smtClean="0"/>
-              <a:t>Zonage</a:t>
-            </a:r>
-            <a:endParaRPr lang="fr-FR" dirty="0"/>
-          </a:p>
-        </p:txBody>
-      </p:sp>
-      <p:sp>
-        <p:nvSpPr>
-          <p:cNvPr id="3" name="Espace réservé du contenu 2"/>
-          <p:cNvSpPr>
-            <a:spLocks noGrp="1"/>
-          </p:cNvSpPr>
-          <p:nvPr>
-            <p:ph idx="1"/>
-          </p:nvPr>
-        </p:nvSpPr>
-        <p:spPr/>
-        <p:txBody>
-          <a:bodyPr/>
-          <a:lstStyle/>
-          <a:p>
-            <a:r>
-              <a:rPr lang="fr-FR" dirty="0" smtClean="0"/>
-              <a:t>Il est ainsi aisé de déterminé un zonage pour catégorisé les points</a:t>
-            </a:r>
-            <a:endParaRPr lang="fr-FR" dirty="0"/>
-          </a:p>
-        </p:txBody>
-      </p:sp>
-      <p:pic>
-        <p:nvPicPr>
-          <p:cNvPr id="3074" name="Picture 2" descr="Les deux zones qui séparent l'espace pour la décision à prendre sur la classification de nouvelles entrées"/>
-          <p:cNvPicPr>
-            <a:picLocks noChangeAspect="1" noChangeArrowheads="1"/>
-          </p:cNvPicPr>
-          <p:nvPr/>
-        </p:nvPicPr>
-        <p:blipFill>
-          <a:blip r:embed="rId2">
-            <a:extLst>
-              <a:ext uri="{28A0092B-C50C-407E-A947-70E740481C1C}">
-                <a14:useLocalDpi xmlns:a14="http://schemas.microsoft.com/office/drawing/2010/main" val="0"/>
-              </a:ext>
-            </a:extLst>
-          </a:blip>
-          <a:srcRect/>
-          <a:stretch>
-            <a:fillRect/>
-          </a:stretch>
-        </p:blipFill>
-        <p:spPr bwMode="auto">
-          <a:xfrm>
-            <a:off x="1907704" y="2564904"/>
-            <a:ext cx="4762500" cy="3267075"/>
-          </a:xfrm>
-          <a:prstGeom prst="rect">
-            <a:avLst/>
-          </a:prstGeom>
-          <a:noFill/>
-          <a:extLst>
-            <a:ext uri="{909E8E84-426E-40DD-AFC4-6F175D3DCCD1}">
-              <a14:hiddenFill xmlns:a14="http://schemas.microsoft.com/office/drawing/2010/main">
-                <a:solidFill>
-                  <a:srgbClr val="FFFFFF"/>
-                </a:solidFill>
-              </a14:hiddenFill>
-            </a:ext>
-          </a:extLst>
-        </p:spPr>
-      </p:pic>
-    </p:spTree>
-    <p:extLst>
-      <p:ext uri="{BB962C8B-B14F-4D97-AF65-F5344CB8AC3E}">
-        <p14:creationId xmlns:p14="http://schemas.microsoft.com/office/powerpoint/2010/main" val="2026793294"/>
-      </p:ext>
-    </p:extLst>
-  </p:cSld>
-  <p:clrMapOvr>
-    <a:masterClrMapping/>
-  </p:clrMapOvr>
-</p:sld>
-</file>
-
-<file path=ppt/slides/slide6.xml><?xml version="1.0" encoding="utf-8"?>
-<p:sld xmlns:a="http://schemas.openxmlformats.org/drawingml/2006/main" xmlns:r="http://schemas.openxmlformats.org/officeDocument/2006/relationships" xmlns:p="http://schemas.openxmlformats.org/presentationml/2006/main">
-  <p:cSld>
-    <p:spTree>
-      <p:nvGrpSpPr>
-        <p:cNvPr id="1" name=""/>
-        <p:cNvGrpSpPr/>
-        <p:nvPr/>
-      </p:nvGrpSpPr>
-      <p:grpSpPr>
-        <a:xfrm>
-          <a:off x="0" y="0"/>
-          <a:ext cx="0" cy="0"/>
-          <a:chOff x="0" y="0"/>
-          <a:chExt cx="0" cy="0"/>
-        </a:xfrm>
-      </p:grpSpPr>
-      <p:sp>
-        <p:nvSpPr>
-          <p:cNvPr id="2" name="Titre 1"/>
-          <p:cNvSpPr>
-            <a:spLocks noGrp="1"/>
-          </p:cNvSpPr>
-          <p:nvPr>
-            <p:ph type="title"/>
-          </p:nvPr>
-        </p:nvSpPr>
-        <p:spPr/>
-        <p:txBody>
-          <a:bodyPr/>
-          <a:lstStyle/>
-          <a:p>
-            <a:r>
-              <a:rPr lang="fr-FR" dirty="0" smtClean="0"/>
-              <a:t>Algorithmes</a:t>
-            </a:r>
-            <a:endParaRPr lang="fr-FR" dirty="0"/>
-          </a:p>
-        </p:txBody>
-      </p:sp>
-      <p:sp>
-        <p:nvSpPr>
-          <p:cNvPr id="3" name="Espace réservé du contenu 2"/>
-          <p:cNvSpPr>
-            <a:spLocks noGrp="1"/>
-          </p:cNvSpPr>
-          <p:nvPr>
-            <p:ph idx="1"/>
-          </p:nvPr>
-        </p:nvSpPr>
-        <p:spPr/>
-        <p:txBody>
-          <a:bodyPr/>
-          <a:lstStyle/>
-          <a:p>
-            <a:r>
-              <a:rPr lang="fr-FR" sz="2400" dirty="0" smtClean="0"/>
-              <a:t>Il existe plusieurs algorithmes </a:t>
-            </a:r>
-            <a:r>
-              <a:rPr lang="fr-FR" sz="2400" dirty="0" err="1" smtClean="0"/>
-              <a:t>knn</a:t>
-            </a:r>
-            <a:endParaRPr lang="fr-FR" sz="2400" dirty="0" smtClean="0"/>
-          </a:p>
-          <a:p>
-            <a:r>
-              <a:rPr lang="fr-FR" sz="2400" dirty="0" smtClean="0"/>
-              <a:t>Brute Force</a:t>
-            </a:r>
-          </a:p>
-          <a:p>
-            <a:pPr lvl="1"/>
-            <a:r>
-              <a:rPr lang="fr-FR" sz="2000" dirty="0" smtClean="0"/>
-              <a:t>Etablit la distance entre tous les points</a:t>
-            </a:r>
-          </a:p>
-          <a:p>
-            <a:pPr lvl="1"/>
-            <a:r>
-              <a:rPr lang="fr-FR" sz="2000" dirty="0" smtClean="0"/>
-              <a:t>Très bon, mais très couteux pour les gros </a:t>
-            </a:r>
-            <a:r>
-              <a:rPr lang="fr-FR" sz="2000" dirty="0" err="1" smtClean="0"/>
-              <a:t>datasets</a:t>
-            </a:r>
-            <a:endParaRPr lang="fr-FR" sz="2000" dirty="0" smtClean="0"/>
-          </a:p>
-          <a:p>
-            <a:pPr lvl="1"/>
-            <a:r>
-              <a:rPr lang="fr-FR" sz="2000" dirty="0" smtClean="0"/>
-              <a:t>O(n²)</a:t>
-            </a:r>
-          </a:p>
-          <a:p>
-            <a:r>
-              <a:rPr lang="fr-FR" sz="2400" dirty="0" err="1" smtClean="0"/>
-              <a:t>KDTree</a:t>
-            </a:r>
-            <a:endParaRPr lang="fr-FR" sz="2400" dirty="0" smtClean="0"/>
-          </a:p>
-          <a:p>
-            <a:pPr lvl="1"/>
-            <a:r>
-              <a:rPr lang="fr-FR" sz="2000" dirty="0" smtClean="0"/>
-              <a:t>Elimine des distances</a:t>
-            </a:r>
-          </a:p>
-          <a:p>
-            <a:pPr lvl="1"/>
-            <a:r>
-              <a:rPr lang="fr-FR" sz="2000" dirty="0" smtClean="0"/>
-              <a:t>Si A est loin de B et B proche de C alors A est loin de B</a:t>
-            </a:r>
-          </a:p>
-          <a:p>
-            <a:pPr lvl="1"/>
-            <a:r>
-              <a:rPr lang="fr-FR" sz="2000" dirty="0" smtClean="0"/>
-              <a:t>O(n.log(n))</a:t>
-            </a:r>
-          </a:p>
-          <a:p>
-            <a:r>
-              <a:rPr lang="fr-FR" sz="2400" dirty="0" err="1" smtClean="0"/>
-              <a:t>BallTree</a:t>
-            </a:r>
-            <a:endParaRPr lang="fr-FR" sz="2400" dirty="0" smtClean="0"/>
-          </a:p>
-          <a:p>
-            <a:pPr lvl="1"/>
-            <a:r>
-              <a:rPr lang="fr-FR" sz="2000" dirty="0" smtClean="0"/>
-              <a:t>Sépare les données en partitions</a:t>
-            </a:r>
-          </a:p>
-          <a:p>
-            <a:pPr lvl="1"/>
-            <a:r>
-              <a:rPr lang="fr-FR" sz="2000" dirty="0" smtClean="0"/>
-              <a:t>Peut être très efficace ou très </a:t>
-            </a:r>
-            <a:r>
-              <a:rPr lang="fr-FR" sz="2000" dirty="0" err="1" smtClean="0"/>
-              <a:t>inneficace</a:t>
-            </a:r>
-            <a:endParaRPr lang="fr-FR" sz="2000" dirty="0" smtClean="0"/>
-          </a:p>
-          <a:p>
-            <a:r>
-              <a:rPr lang="fr-FR" sz="2400" dirty="0" smtClean="0"/>
-              <a:t>Par défaut </a:t>
-            </a:r>
-            <a:r>
-              <a:rPr lang="fr-FR" sz="2400" dirty="0" err="1" smtClean="0"/>
-              <a:t>sklearn</a:t>
-            </a:r>
-            <a:r>
-              <a:rPr lang="fr-FR" sz="2400" dirty="0" smtClean="0"/>
-              <a:t> essaie de choisir le meilleur</a:t>
-            </a:r>
-            <a:endParaRPr lang="fr-FR" sz="2400" dirty="0"/>
-          </a:p>
-        </p:txBody>
-      </p:sp>
-    </p:spTree>
-    <p:extLst>
-      <p:ext uri="{BB962C8B-B14F-4D97-AF65-F5344CB8AC3E}">
-        <p14:creationId xmlns:p14="http://schemas.microsoft.com/office/powerpoint/2010/main" val="1441759514"/>
-      </p:ext>
-    </p:extLst>
-  </p:cSld>
-  <p:clrMapOvr>
-    <a:masterClrMapping/>
-  </p:clrMapOvr>
-</p:sld>
-</file>
-
-<file path=ppt/slides/slide7.xml><?xml version="1.0" encoding="utf-8"?>
-<p:sld xmlns:a="http://schemas.openxmlformats.org/drawingml/2006/main" xmlns:r="http://schemas.openxmlformats.org/officeDocument/2006/relationships" xmlns:p="http://schemas.openxmlformats.org/presentationml/2006/main">
-  <p:cSld>
-    <p:spTree>
-      <p:nvGrpSpPr>
-        <p:cNvPr id="1" name=""/>
-        <p:cNvGrpSpPr/>
-        <p:nvPr/>
-      </p:nvGrpSpPr>
-      <p:grpSpPr>
-        <a:xfrm>
-          <a:off x="0" y="0"/>
-          <a:ext cx="0" cy="0"/>
-          <a:chOff x="0" y="0"/>
-          <a:chExt cx="0" cy="0"/>
-        </a:xfrm>
-      </p:grpSpPr>
-      <p:sp>
-        <p:nvSpPr>
-          <p:cNvPr id="2" name="Titre 1"/>
-          <p:cNvSpPr>
-            <a:spLocks noGrp="1"/>
-          </p:cNvSpPr>
-          <p:nvPr>
-            <p:ph type="title"/>
-          </p:nvPr>
-        </p:nvSpPr>
-        <p:spPr/>
-        <p:txBody>
-          <a:bodyPr/>
-          <a:lstStyle/>
-          <a:p>
-            <a:r>
-              <a:rPr lang="fr-FR" dirty="0" smtClean="0"/>
-              <a:t>Modèle</a:t>
-            </a:r>
-            <a:endParaRPr lang="fr-FR" dirty="0"/>
-          </a:p>
-        </p:txBody>
-      </p:sp>
-      <p:sp>
-        <p:nvSpPr>
-          <p:cNvPr id="3" name="Espace réservé du contenu 2"/>
-          <p:cNvSpPr>
-            <a:spLocks noGrp="1"/>
-          </p:cNvSpPr>
-          <p:nvPr>
-            <p:ph idx="1"/>
-          </p:nvPr>
-        </p:nvSpPr>
-        <p:spPr/>
-        <p:txBody>
-          <a:bodyPr/>
-          <a:lstStyle/>
-          <a:p>
-            <a:r>
-              <a:rPr lang="fr-FR" dirty="0">
-                <a:latin typeface="Courier New" panose="02070309020205020404" pitchFamily="49" charset="0"/>
-                <a:cs typeface="Courier New" panose="02070309020205020404" pitchFamily="49" charset="0"/>
-              </a:rPr>
-              <a:t>import </a:t>
-            </a:r>
-            <a:r>
-              <a:rPr lang="fr-FR" dirty="0" err="1">
-                <a:latin typeface="Courier New" panose="02070309020205020404" pitchFamily="49" charset="0"/>
-                <a:cs typeface="Courier New" panose="02070309020205020404" pitchFamily="49" charset="0"/>
-              </a:rPr>
-              <a:t>sklearn.neighbors</a:t>
-            </a:r>
-            <a:r>
-              <a:rPr lang="fr-FR" dirty="0">
-                <a:latin typeface="Courier New" panose="02070309020205020404" pitchFamily="49" charset="0"/>
-                <a:cs typeface="Courier New" panose="02070309020205020404" pitchFamily="49" charset="0"/>
-              </a:rPr>
-              <a:t> as </a:t>
-            </a:r>
-            <a:r>
-              <a:rPr lang="fr-FR" dirty="0" err="1">
-                <a:latin typeface="Courier New" panose="02070309020205020404" pitchFamily="49" charset="0"/>
-                <a:cs typeface="Courier New" panose="02070309020205020404" pitchFamily="49" charset="0"/>
-              </a:rPr>
-              <a:t>nn</a:t>
-            </a:r>
-            <a:endParaRPr lang="fr-FR" dirty="0">
-              <a:latin typeface="Courier New" panose="02070309020205020404" pitchFamily="49" charset="0"/>
-              <a:cs typeface="Courier New" panose="02070309020205020404" pitchFamily="49" charset="0"/>
-            </a:endParaRPr>
-          </a:p>
-          <a:p>
-            <a:r>
-              <a:rPr lang="fr-FR" dirty="0" smtClean="0">
-                <a:latin typeface="Courier New" panose="02070309020205020404" pitchFamily="49" charset="0"/>
-                <a:cs typeface="Courier New" panose="02070309020205020404" pitchFamily="49" charset="0"/>
-              </a:rPr>
-              <a:t>model </a:t>
-            </a:r>
-            <a:r>
-              <a:rPr lang="fr-FR" dirty="0">
-                <a:latin typeface="Courier New" panose="02070309020205020404" pitchFamily="49" charset="0"/>
-                <a:cs typeface="Courier New" panose="02070309020205020404" pitchFamily="49" charset="0"/>
-              </a:rPr>
-              <a:t>= </a:t>
-            </a:r>
-            <a:r>
-              <a:rPr lang="fr-FR" dirty="0" err="1" smtClean="0">
-                <a:latin typeface="Courier New" panose="02070309020205020404" pitchFamily="49" charset="0"/>
-                <a:cs typeface="Courier New" panose="02070309020205020404" pitchFamily="49" charset="0"/>
-              </a:rPr>
-              <a:t>nn.KNeighborsClassifier</a:t>
-            </a:r>
-            <a:r>
-              <a:rPr lang="fr-FR" dirty="0" smtClean="0">
-                <a:latin typeface="Courier New" panose="02070309020205020404" pitchFamily="49" charset="0"/>
-                <a:cs typeface="Courier New" panose="02070309020205020404" pitchFamily="49" charset="0"/>
-              </a:rPr>
-              <a:t>(</a:t>
-            </a:r>
-            <a:r>
-              <a:rPr lang="fr-FR" dirty="0" err="1" smtClean="0">
-                <a:latin typeface="Courier New" panose="02070309020205020404" pitchFamily="49" charset="0"/>
-                <a:cs typeface="Courier New" panose="02070309020205020404" pitchFamily="49" charset="0"/>
-              </a:rPr>
-              <a:t>n_neighbors</a:t>
-            </a:r>
-            <a:r>
-              <a:rPr lang="fr-FR" dirty="0" smtClean="0">
-                <a:latin typeface="Courier New" panose="02070309020205020404" pitchFamily="49" charset="0"/>
-                <a:cs typeface="Courier New" panose="02070309020205020404" pitchFamily="49" charset="0"/>
-              </a:rPr>
-              <a:t>=3</a:t>
-            </a:r>
-            <a:r>
-              <a:rPr lang="fr-FR" dirty="0">
-                <a:latin typeface="Courier New" panose="02070309020205020404" pitchFamily="49" charset="0"/>
-                <a:cs typeface="Courier New" panose="02070309020205020404" pitchFamily="49" charset="0"/>
-              </a:rPr>
-              <a:t>)</a:t>
-            </a:r>
-          </a:p>
-          <a:p>
-            <a:r>
-              <a:rPr lang="fr-FR" dirty="0" err="1">
-                <a:latin typeface="Courier New" panose="02070309020205020404" pitchFamily="49" charset="0"/>
-                <a:cs typeface="Courier New" panose="02070309020205020404" pitchFamily="49" charset="0"/>
-              </a:rPr>
-              <a:t>model.fit</a:t>
-            </a:r>
-            <a:r>
-              <a:rPr lang="fr-FR" dirty="0">
-                <a:latin typeface="Courier New" panose="02070309020205020404" pitchFamily="49" charset="0"/>
-                <a:cs typeface="Courier New" panose="02070309020205020404" pitchFamily="49" charset="0"/>
-              </a:rPr>
-              <a:t>(</a:t>
-            </a:r>
-            <a:r>
-              <a:rPr lang="fr-FR" dirty="0" err="1">
-                <a:latin typeface="Courier New" panose="02070309020205020404" pitchFamily="49" charset="0"/>
-                <a:cs typeface="Courier New" panose="02070309020205020404" pitchFamily="49" charset="0"/>
-              </a:rPr>
-              <a:t>xtrain</a:t>
-            </a:r>
-            <a:r>
-              <a:rPr lang="fr-FR" dirty="0">
-                <a:latin typeface="Courier New" panose="02070309020205020404" pitchFamily="49" charset="0"/>
-                <a:cs typeface="Courier New" panose="02070309020205020404" pitchFamily="49" charset="0"/>
-              </a:rPr>
-              <a:t>, </a:t>
-            </a:r>
-            <a:r>
-              <a:rPr lang="fr-FR" dirty="0" err="1">
-                <a:latin typeface="Courier New" panose="02070309020205020404" pitchFamily="49" charset="0"/>
-                <a:cs typeface="Courier New" panose="02070309020205020404" pitchFamily="49" charset="0"/>
-              </a:rPr>
-              <a:t>ytrain</a:t>
-            </a:r>
-            <a:r>
-              <a:rPr lang="fr-FR" dirty="0">
-                <a:latin typeface="Courier New" panose="02070309020205020404" pitchFamily="49" charset="0"/>
-                <a:cs typeface="Courier New" panose="02070309020205020404" pitchFamily="49" charset="0"/>
-              </a:rPr>
-              <a:t>)</a:t>
-            </a:r>
-          </a:p>
-          <a:p>
-            <a:r>
-              <a:rPr lang="fr-FR" dirty="0" err="1">
-                <a:latin typeface="Courier New" panose="02070309020205020404" pitchFamily="49" charset="0"/>
-                <a:cs typeface="Courier New" panose="02070309020205020404" pitchFamily="49" charset="0"/>
-              </a:rPr>
-              <a:t>error</a:t>
-            </a:r>
-            <a:r>
-              <a:rPr lang="fr-FR" dirty="0">
-                <a:latin typeface="Courier New" panose="02070309020205020404" pitchFamily="49" charset="0"/>
-                <a:cs typeface="Courier New" panose="02070309020205020404" pitchFamily="49" charset="0"/>
-              </a:rPr>
-              <a:t> = 1 - </a:t>
-            </a:r>
-            <a:r>
-              <a:rPr lang="fr-FR" dirty="0" err="1">
-                <a:latin typeface="Courier New" panose="02070309020205020404" pitchFamily="49" charset="0"/>
-                <a:cs typeface="Courier New" panose="02070309020205020404" pitchFamily="49" charset="0"/>
-              </a:rPr>
-              <a:t>model.score</a:t>
-            </a:r>
-            <a:r>
-              <a:rPr lang="fr-FR" dirty="0">
-                <a:latin typeface="Courier New" panose="02070309020205020404" pitchFamily="49" charset="0"/>
-                <a:cs typeface="Courier New" panose="02070309020205020404" pitchFamily="49" charset="0"/>
-              </a:rPr>
-              <a:t>(</a:t>
-            </a:r>
-            <a:r>
-              <a:rPr lang="fr-FR" dirty="0" err="1">
-                <a:latin typeface="Courier New" panose="02070309020205020404" pitchFamily="49" charset="0"/>
-                <a:cs typeface="Courier New" panose="02070309020205020404" pitchFamily="49" charset="0"/>
-              </a:rPr>
-              <a:t>xtest</a:t>
-            </a:r>
-            <a:r>
-              <a:rPr lang="fr-FR" dirty="0">
-                <a:latin typeface="Courier New" panose="02070309020205020404" pitchFamily="49" charset="0"/>
-                <a:cs typeface="Courier New" panose="02070309020205020404" pitchFamily="49" charset="0"/>
-              </a:rPr>
-              <a:t>, </a:t>
-            </a:r>
-            <a:r>
-              <a:rPr lang="fr-FR" dirty="0" err="1">
-                <a:latin typeface="Courier New" panose="02070309020205020404" pitchFamily="49" charset="0"/>
-                <a:cs typeface="Courier New" panose="02070309020205020404" pitchFamily="49" charset="0"/>
-              </a:rPr>
-              <a:t>ytest</a:t>
-            </a:r>
-            <a:r>
-              <a:rPr lang="fr-FR" dirty="0">
-                <a:latin typeface="Courier New" panose="02070309020205020404" pitchFamily="49" charset="0"/>
-                <a:cs typeface="Courier New" panose="02070309020205020404" pitchFamily="49" charset="0"/>
-              </a:rPr>
-              <a:t>)</a:t>
-            </a:r>
-          </a:p>
-        </p:txBody>
-      </p:sp>
-    </p:spTree>
-    <p:extLst>
-      <p:ext uri="{BB962C8B-B14F-4D97-AF65-F5344CB8AC3E}">
-        <p14:creationId xmlns:p14="http://schemas.microsoft.com/office/powerpoint/2010/main" val="4211527204"/>
-      </p:ext>
-    </p:extLst>
-  </p:cSld>
-  <p:clrMapOvr>
-    <a:masterClrMapping/>
-  </p:clrMapOvr>
-</p:sld>
-</file>
-
-<file path=ppt/slides/slide8.xml><?xml version="1.0" encoding="utf-8"?>
-<p:sld xmlns:a="http://schemas.openxmlformats.org/drawingml/2006/main" xmlns:r="http://schemas.openxmlformats.org/officeDocument/2006/relationships" xmlns:p="http://schemas.openxmlformats.org/presentationml/2006/main">
-  <p:cSld>
-    <p:spTree>
-      <p:nvGrpSpPr>
-        <p:cNvPr id="1" name=""/>
-        <p:cNvGrpSpPr/>
-        <p:nvPr/>
-      </p:nvGrpSpPr>
-      <p:grpSpPr>
-        <a:xfrm>
-          <a:off x="0" y="0"/>
-          <a:ext cx="0" cy="0"/>
-          <a:chOff x="0" y="0"/>
-          <a:chExt cx="0" cy="0"/>
-        </a:xfrm>
-      </p:grpSpPr>
-      <p:sp>
-        <p:nvSpPr>
-          <p:cNvPr id="2" name="Titre 1"/>
-          <p:cNvSpPr>
-            <a:spLocks noGrp="1"/>
-          </p:cNvSpPr>
-          <p:nvPr>
-            <p:ph type="title"/>
-          </p:nvPr>
-        </p:nvSpPr>
-        <p:spPr/>
-        <p:txBody>
-          <a:bodyPr/>
-          <a:lstStyle/>
-          <a:p>
-            <a:r>
-              <a:rPr lang="fr-FR" dirty="0" smtClean="0"/>
-              <a:t>Minimisation de l’erreur</a:t>
-            </a:r>
-            <a:endParaRPr lang="fr-FR" dirty="0"/>
-          </a:p>
-        </p:txBody>
-      </p:sp>
-      <p:sp>
-        <p:nvSpPr>
-          <p:cNvPr id="3" name="Espace réservé du contenu 2"/>
-          <p:cNvSpPr>
-            <a:spLocks noGrp="1"/>
-          </p:cNvSpPr>
-          <p:nvPr>
-            <p:ph idx="1"/>
-          </p:nvPr>
-        </p:nvSpPr>
-        <p:spPr/>
-        <p:txBody>
-          <a:bodyPr/>
-          <a:lstStyle/>
-          <a:p>
-            <a:r>
-              <a:rPr lang="fr-FR" dirty="0" smtClean="0"/>
-              <a:t>Il faut faire varier le </a:t>
-            </a:r>
-            <a:r>
-              <a:rPr lang="fr-FR" dirty="0" err="1" smtClean="0"/>
-              <a:t>n_neighbors</a:t>
-            </a:r>
-            <a:r>
-              <a:rPr lang="fr-FR" dirty="0" smtClean="0"/>
-              <a:t> entre 2 et 15</a:t>
-            </a:r>
-          </a:p>
-          <a:p>
-            <a:pPr marL="0" indent="0">
-              <a:buNone/>
-            </a:pPr>
-            <a:r>
-              <a:rPr lang="fr-FR" sz="1800" dirty="0" err="1">
-                <a:latin typeface="Courier New" panose="02070309020205020404" pitchFamily="49" charset="0"/>
-                <a:cs typeface="Courier New" panose="02070309020205020404" pitchFamily="49" charset="0"/>
-              </a:rPr>
-              <a:t>errors</a:t>
-            </a:r>
-            <a:r>
-              <a:rPr lang="fr-FR" sz="1800" dirty="0">
-                <a:latin typeface="Courier New" panose="02070309020205020404" pitchFamily="49" charset="0"/>
-                <a:cs typeface="Courier New" panose="02070309020205020404" pitchFamily="49" charset="0"/>
-              </a:rPr>
-              <a:t> = []</a:t>
-            </a:r>
-          </a:p>
-          <a:p>
-            <a:pPr marL="0" indent="0">
-              <a:buNone/>
-            </a:pPr>
-            <a:r>
-              <a:rPr lang="fr-FR" sz="1800" dirty="0">
-                <a:latin typeface="Courier New" panose="02070309020205020404" pitchFamily="49" charset="0"/>
-                <a:cs typeface="Courier New" panose="02070309020205020404" pitchFamily="49" charset="0"/>
-              </a:rPr>
-              <a:t>for k in range(2,15):</a:t>
-            </a:r>
-          </a:p>
-          <a:p>
-            <a:pPr marL="0" indent="0">
-              <a:buNone/>
-            </a:pPr>
-            <a:r>
-              <a:rPr lang="fr-FR" sz="1800" dirty="0">
-                <a:latin typeface="Courier New" panose="02070309020205020404" pitchFamily="49" charset="0"/>
-                <a:cs typeface="Courier New" panose="02070309020205020404" pitchFamily="49" charset="0"/>
-              </a:rPr>
-              <a:t>    model = </a:t>
-            </a:r>
-            <a:r>
-              <a:rPr lang="fr-FR" sz="1800" dirty="0" err="1" smtClean="0">
-                <a:latin typeface="Courier New" panose="02070309020205020404" pitchFamily="49" charset="0"/>
-                <a:cs typeface="Courier New" panose="02070309020205020404" pitchFamily="49" charset="0"/>
-              </a:rPr>
-              <a:t>nn.KNeighborsClassifier</a:t>
-            </a:r>
-            <a:r>
-              <a:rPr lang="fr-FR" sz="1800" dirty="0" smtClean="0">
-                <a:latin typeface="Courier New" panose="02070309020205020404" pitchFamily="49" charset="0"/>
-                <a:cs typeface="Courier New" panose="02070309020205020404" pitchFamily="49" charset="0"/>
-              </a:rPr>
-              <a:t>(k</a:t>
-            </a:r>
-            <a:r>
-              <a:rPr lang="fr-FR" sz="1800" dirty="0">
-                <a:latin typeface="Courier New" panose="02070309020205020404" pitchFamily="49" charset="0"/>
-                <a:cs typeface="Courier New" panose="02070309020205020404" pitchFamily="49" charset="0"/>
-              </a:rPr>
-              <a:t>)</a:t>
-            </a:r>
-          </a:p>
-          <a:p>
-            <a:pPr marL="0" indent="0">
-              <a:buNone/>
-            </a:pPr>
-            <a:r>
-              <a:rPr lang="fr-FR" sz="1800" dirty="0">
-                <a:latin typeface="Courier New" panose="02070309020205020404" pitchFamily="49" charset="0"/>
-                <a:cs typeface="Courier New" panose="02070309020205020404" pitchFamily="49" charset="0"/>
-              </a:rPr>
-              <a:t>    </a:t>
-            </a:r>
-            <a:r>
-              <a:rPr lang="fr-FR" sz="1800" dirty="0" err="1" smtClean="0">
-                <a:latin typeface="Courier New" panose="02070309020205020404" pitchFamily="49" charset="0"/>
-                <a:cs typeface="Courier New" panose="02070309020205020404" pitchFamily="49" charset="0"/>
-              </a:rPr>
-              <a:t>errors.append</a:t>
-            </a:r>
-            <a:r>
-              <a:rPr lang="fr-FR" sz="1800" dirty="0" smtClean="0">
-                <a:latin typeface="Courier New" panose="02070309020205020404" pitchFamily="49" charset="0"/>
-                <a:cs typeface="Courier New" panose="02070309020205020404" pitchFamily="49" charset="0"/>
-              </a:rPr>
-              <a:t>(1 </a:t>
-            </a:r>
-            <a:r>
-              <a:rPr lang="fr-FR" sz="1800" dirty="0">
-                <a:latin typeface="Courier New" panose="02070309020205020404" pitchFamily="49" charset="0"/>
-                <a:cs typeface="Courier New" panose="02070309020205020404" pitchFamily="49" charset="0"/>
-              </a:rPr>
-              <a:t>- </a:t>
-            </a:r>
-            <a:r>
-              <a:rPr lang="fr-FR" sz="1800" dirty="0" err="1">
-                <a:latin typeface="Courier New" panose="02070309020205020404" pitchFamily="49" charset="0"/>
-                <a:cs typeface="Courier New" panose="02070309020205020404" pitchFamily="49" charset="0"/>
-              </a:rPr>
-              <a:t>model.fit</a:t>
-            </a:r>
-            <a:r>
-              <a:rPr lang="fr-FR" sz="1800" dirty="0">
-                <a:latin typeface="Courier New" panose="02070309020205020404" pitchFamily="49" charset="0"/>
-                <a:cs typeface="Courier New" panose="02070309020205020404" pitchFamily="49" charset="0"/>
-              </a:rPr>
-              <a:t>(</a:t>
-            </a:r>
-            <a:r>
-              <a:rPr lang="fr-FR" sz="1800" dirty="0" err="1">
-                <a:latin typeface="Courier New" panose="02070309020205020404" pitchFamily="49" charset="0"/>
-                <a:cs typeface="Courier New" panose="02070309020205020404" pitchFamily="49" charset="0"/>
-              </a:rPr>
-              <a:t>xtrain</a:t>
-            </a:r>
-            <a:r>
-              <a:rPr lang="fr-FR" sz="1800" dirty="0">
-                <a:latin typeface="Courier New" panose="02070309020205020404" pitchFamily="49" charset="0"/>
-                <a:cs typeface="Courier New" panose="02070309020205020404" pitchFamily="49" charset="0"/>
-              </a:rPr>
-              <a:t>, </a:t>
-            </a:r>
-            <a:r>
-              <a:rPr lang="fr-FR" sz="1800" dirty="0" err="1">
-                <a:latin typeface="Courier New" panose="02070309020205020404" pitchFamily="49" charset="0"/>
-                <a:cs typeface="Courier New" panose="02070309020205020404" pitchFamily="49" charset="0"/>
-              </a:rPr>
-              <a:t>ytrain</a:t>
-            </a:r>
-            <a:r>
-              <a:rPr lang="fr-FR" sz="1800" dirty="0">
-                <a:latin typeface="Courier New" panose="02070309020205020404" pitchFamily="49" charset="0"/>
-                <a:cs typeface="Courier New" panose="02070309020205020404" pitchFamily="49" charset="0"/>
-              </a:rPr>
-              <a:t>).score(</a:t>
-            </a:r>
-            <a:r>
-              <a:rPr lang="fr-FR" sz="1800" dirty="0" err="1">
-                <a:latin typeface="Courier New" panose="02070309020205020404" pitchFamily="49" charset="0"/>
-                <a:cs typeface="Courier New" panose="02070309020205020404" pitchFamily="49" charset="0"/>
-              </a:rPr>
-              <a:t>xtest</a:t>
-            </a:r>
-            <a:r>
-              <a:rPr lang="fr-FR" sz="1800" dirty="0">
-                <a:latin typeface="Courier New" panose="02070309020205020404" pitchFamily="49" charset="0"/>
-                <a:cs typeface="Courier New" panose="02070309020205020404" pitchFamily="49" charset="0"/>
-              </a:rPr>
-              <a:t>, </a:t>
-            </a:r>
-            <a:r>
-              <a:rPr lang="fr-FR" sz="1800" dirty="0" err="1">
-                <a:latin typeface="Courier New" panose="02070309020205020404" pitchFamily="49" charset="0"/>
-                <a:cs typeface="Courier New" panose="02070309020205020404" pitchFamily="49" charset="0"/>
-              </a:rPr>
-              <a:t>ytest</a:t>
-            </a:r>
-            <a:r>
-              <a:rPr lang="fr-FR" sz="1800" dirty="0" smtClean="0">
-                <a:latin typeface="Courier New" panose="02070309020205020404" pitchFamily="49" charset="0"/>
-                <a:cs typeface="Courier New" panose="02070309020205020404" pitchFamily="49" charset="0"/>
-              </a:rPr>
-              <a:t>))</a:t>
-            </a:r>
-          </a:p>
-          <a:p>
-            <a:r>
-              <a:rPr lang="fr-FR" dirty="0" smtClean="0"/>
-              <a:t>Il essayer les différents algorithme</a:t>
-            </a:r>
-          </a:p>
-          <a:p>
-            <a:pPr lvl="1"/>
-            <a:r>
-              <a:rPr lang="fr-FR" dirty="0" smtClean="0"/>
-              <a:t>Paramètre </a:t>
-            </a:r>
-            <a:r>
-              <a:rPr lang="fr-FR" dirty="0" err="1" smtClean="0"/>
-              <a:t>algorithm</a:t>
-            </a:r>
-            <a:endParaRPr lang="fr-FR" dirty="0" smtClean="0"/>
-          </a:p>
-          <a:p>
-            <a:r>
-              <a:rPr lang="fr-FR" dirty="0" smtClean="0"/>
-              <a:t>Il faut essayer les 2 poids</a:t>
-            </a:r>
-          </a:p>
-          <a:p>
-            <a:pPr lvl="1"/>
-            <a:r>
-              <a:rPr lang="fr-FR" dirty="0" smtClean="0"/>
-              <a:t>Paramètre </a:t>
-            </a:r>
-            <a:r>
-              <a:rPr lang="fr-FR" dirty="0" err="1" smtClean="0"/>
-              <a:t>weight</a:t>
-            </a:r>
-            <a:r>
-              <a:rPr lang="fr-FR" dirty="0" smtClean="0"/>
-              <a:t> = « distance » qui monte la distance au carré, c’est-à-dire qu’il donne plus d’importance aux </a:t>
-            </a:r>
-            <a:r>
-              <a:rPr lang="fr-FR" dirty="0" smtClean="0"/>
-              <a:t>points </a:t>
-            </a:r>
-            <a:r>
-              <a:rPr lang="fr-FR" dirty="0" smtClean="0"/>
-              <a:t>proches</a:t>
-            </a:r>
-            <a:endParaRPr lang="fr-FR" dirty="0"/>
-          </a:p>
-        </p:txBody>
-      </p:sp>
-    </p:spTree>
-    <p:extLst>
-      <p:ext uri="{BB962C8B-B14F-4D97-AF65-F5344CB8AC3E}">
-        <p14:creationId xmlns:p14="http://schemas.microsoft.com/office/powerpoint/2010/main" val="1328403328"/>
-      </p:ext>
-    </p:extLst>
-  </p:cSld>
-  <p:clrMapOvr>
-    <a:masterClrMapping/>
-  </p:clrMapOvr>
-</p:sld>
-</file>
-
-<file path=ppt/slides/slide9.xml><?xml version="1.0" encoding="utf-8"?>
-<p:sld xmlns:a="http://schemas.openxmlformats.org/drawingml/2006/main" xmlns:r="http://schemas.openxmlformats.org/officeDocument/2006/relationships" xmlns:p="http://schemas.openxmlformats.org/presentationml/2006/main">
-  <p:cSld>
-    <p:spTree>
-      <p:nvGrpSpPr>
-        <p:cNvPr id="1" name=""/>
-        <p:cNvGrpSpPr/>
-        <p:nvPr/>
-      </p:nvGrpSpPr>
-      <p:grpSpPr>
-        <a:xfrm>
-          <a:off x="0" y="0"/>
-          <a:ext cx="0" cy="0"/>
-          <a:chOff x="0" y="0"/>
-          <a:chExt cx="0" cy="0"/>
-        </a:xfrm>
-      </p:grpSpPr>
-      <p:sp>
-        <p:nvSpPr>
-          <p:cNvPr id="2" name="Titre 1"/>
-          <p:cNvSpPr>
-            <a:spLocks noGrp="1"/>
-          </p:cNvSpPr>
-          <p:nvPr>
-            <p:ph type="title"/>
-          </p:nvPr>
-        </p:nvSpPr>
-        <p:spPr/>
-        <p:txBody>
-          <a:bodyPr/>
-          <a:lstStyle/>
-          <a:p>
-            <a:r>
-              <a:rPr lang="fr-FR" dirty="0" smtClean="0"/>
-              <a:t>Entrainement et prédiction</a:t>
-            </a:r>
-            <a:endParaRPr lang="fr-FR" dirty="0"/>
-          </a:p>
-        </p:txBody>
-      </p:sp>
-      <p:sp>
-        <p:nvSpPr>
-          <p:cNvPr id="3" name="Espace réservé du contenu 2"/>
-          <p:cNvSpPr>
-            <a:spLocks noGrp="1"/>
-          </p:cNvSpPr>
-          <p:nvPr>
-            <p:ph idx="1"/>
-          </p:nvPr>
-        </p:nvSpPr>
-        <p:spPr/>
-        <p:txBody>
-          <a:bodyPr/>
-          <a:lstStyle/>
-          <a:p>
-            <a:r>
-              <a:rPr lang="fr-FR" dirty="0" smtClean="0"/>
-              <a:t>Il faut ensuite choisir le meilleur modèle, l’entrainer et mettre en place la prédiction</a:t>
-            </a:r>
-          </a:p>
-          <a:p>
-            <a:r>
-              <a:rPr lang="fr-FR" dirty="0" err="1"/>
-              <a:t>model.fit</a:t>
-            </a:r>
-            <a:r>
-              <a:rPr lang="fr-FR" dirty="0"/>
-              <a:t>(</a:t>
-            </a:r>
-            <a:r>
-              <a:rPr lang="fr-FR" dirty="0" err="1"/>
-              <a:t>xtrain</a:t>
-            </a:r>
-            <a:r>
-              <a:rPr lang="fr-FR" dirty="0"/>
-              <a:t>, </a:t>
-            </a:r>
-            <a:r>
-              <a:rPr lang="fr-FR" dirty="0" err="1"/>
-              <a:t>ytrain</a:t>
-            </a:r>
-            <a:r>
-              <a:rPr lang="fr-FR" dirty="0"/>
-              <a:t>)</a:t>
-            </a:r>
-          </a:p>
-          <a:p>
-            <a:r>
-              <a:rPr lang="fr-FR" dirty="0" err="1" smtClean="0"/>
-              <a:t>predicted</a:t>
-            </a:r>
-            <a:r>
-              <a:rPr lang="fr-FR" dirty="0" smtClean="0"/>
-              <a:t> </a:t>
-            </a:r>
-            <a:r>
-              <a:rPr lang="fr-FR" dirty="0"/>
-              <a:t>= </a:t>
-            </a:r>
-            <a:r>
-              <a:rPr lang="fr-FR" dirty="0" err="1"/>
-              <a:t>model.predict</a:t>
-            </a:r>
-            <a:r>
-              <a:rPr lang="fr-FR" dirty="0"/>
-              <a:t>(</a:t>
-            </a:r>
-            <a:r>
-              <a:rPr lang="fr-FR" dirty="0" err="1"/>
-              <a:t>xtest</a:t>
-            </a:r>
-            <a:r>
-              <a:rPr lang="fr-FR" dirty="0"/>
-              <a:t>)</a:t>
-            </a:r>
-          </a:p>
-          <a:p>
-            <a:endParaRPr lang="fr-FR" dirty="0"/>
-          </a:p>
-        </p:txBody>
-      </p:sp>
-    </p:spTree>
-    <p:extLst>
-      <p:ext uri="{BB962C8B-B14F-4D97-AF65-F5344CB8AC3E}">
-        <p14:creationId xmlns:p14="http://schemas.microsoft.com/office/powerpoint/2010/main" val="3520791719"/>
-      </p:ext>
-    </p:extLst>
-  </p:cSld>
-  <p:clrMapOvr>
-    <a:masterClrMapping/>
-  </p:clrMapOvr>
 </p:sld>
 </file>
 

--- a/PPT/MachineLearning14-KNN.pptx
+++ b/PPT/MachineLearning14-KNN.pptx
@@ -617,35 +617,35 @@
           <a:p>
             <a:pPr lvl="0"/>
             <a:r>
-              <a:rPr lang="fr-FR" noProof="0" smtClean="0"/>
+              <a:rPr lang="fr-FR" noProof="0"/>
               <a:t>Cliquez pour modifier les styles du texte du masque</a:t>
             </a:r>
           </a:p>
           <a:p>
             <a:pPr lvl="1"/>
             <a:r>
-              <a:rPr lang="fr-FR" noProof="0" smtClean="0"/>
+              <a:rPr lang="fr-FR" noProof="0"/>
               <a:t>Deuxième niveau</a:t>
             </a:r>
           </a:p>
           <a:p>
             <a:pPr lvl="2"/>
             <a:r>
-              <a:rPr lang="fr-FR" noProof="0" smtClean="0"/>
+              <a:rPr lang="fr-FR" noProof="0"/>
               <a:t>Troisième niveau</a:t>
             </a:r>
           </a:p>
           <a:p>
             <a:pPr lvl="3"/>
             <a:r>
-              <a:rPr lang="fr-FR" noProof="0" smtClean="0"/>
+              <a:rPr lang="fr-FR" noProof="0"/>
               <a:t>Quatrième niveau</a:t>
             </a:r>
           </a:p>
           <a:p>
             <a:pPr lvl="4"/>
             <a:r>
-              <a:rPr lang="fr-FR" noProof="0" smtClean="0"/>
+              <a:rPr lang="fr-FR" noProof="0"/>
               <a:t>Cinquième niveau</a:t>
             </a:r>
           </a:p>
@@ -933,10 +933,9 @@
           <a:lstStyle/>
           <a:p>
             <a:r>
-              <a:rPr lang="fr-FR" smtClean="0"/>
+              <a:rPr lang="fr-FR"/>
               <a:t>Cliquez pour modifier le style du titre</a:t>
             </a:r>
-            <a:endParaRPr lang="fr-FR"/>
           </a:p>
         </p:txBody>
       </p:sp>
@@ -998,10 +997,9 @@
           </a:lstStyle>
           <a:p>
             <a:r>
-              <a:rPr lang="fr-FR" smtClean="0"/>
+              <a:rPr lang="fr-FR"/>
               <a:t>Cliquez pour modifier le style des sous-titres du masque</a:t>
             </a:r>
-            <a:endParaRPr lang="fr-FR"/>
           </a:p>
         </p:txBody>
       </p:sp>
@@ -1056,10 +1054,9 @@
           <a:lstStyle/>
           <a:p>
             <a:r>
-              <a:rPr lang="fr-FR" smtClean="0"/>
+              <a:rPr lang="fr-FR"/>
               <a:t>Cliquez pour modifier le style du titre</a:t>
             </a:r>
-            <a:endParaRPr lang="fr-FR"/>
           </a:p>
         </p:txBody>
       </p:sp>
@@ -1085,38 +1082,37 @@
           <a:p>
             <a:pPr lvl="0"/>
             <a:r>
-              <a:rPr lang="fr-FR" smtClean="0"/>
+              <a:rPr lang="fr-FR"/>
               <a:t>Cliquez pour modifier les styles du texte du masque</a:t>
             </a:r>
           </a:p>
           <a:p>
             <a:pPr lvl="1"/>
             <a:r>
-              <a:rPr lang="fr-FR" smtClean="0"/>
+              <a:rPr lang="fr-FR"/>
               <a:t>Deuxième niveau</a:t>
             </a:r>
           </a:p>
           <a:p>
             <a:pPr lvl="2"/>
             <a:r>
-              <a:rPr lang="fr-FR" smtClean="0"/>
+              <a:rPr lang="fr-FR"/>
               <a:t>Troisième niveau</a:t>
             </a:r>
           </a:p>
           <a:p>
             <a:pPr lvl="3"/>
             <a:r>
-              <a:rPr lang="fr-FR" smtClean="0"/>
+              <a:rPr lang="fr-FR"/>
               <a:t>Quatrième niveau</a:t>
             </a:r>
           </a:p>
           <a:p>
             <a:pPr lvl="4"/>
             <a:r>
-              <a:rPr lang="fr-FR" smtClean="0"/>
+              <a:rPr lang="fr-FR"/>
               <a:t>Cinquième niveau</a:t>
             </a:r>
-            <a:endParaRPr lang="fr-FR"/>
           </a:p>
         </p:txBody>
       </p:sp>
@@ -1175,10 +1171,9 @@
           </a:lstStyle>
           <a:p>
             <a:r>
-              <a:rPr lang="fr-FR" dirty="0" smtClean="0"/>
+              <a:rPr lang="fr-FR" dirty="0"/>
               <a:t>Cliquez pour modifier le style du titre</a:t>
             </a:r>
-            <a:endParaRPr lang="fr-FR" dirty="0"/>
           </a:p>
         </p:txBody>
       </p:sp>
@@ -1204,38 +1199,37 @@
           <a:p>
             <a:pPr lvl="0"/>
             <a:r>
-              <a:rPr lang="fr-FR" dirty="0" smtClean="0"/>
+              <a:rPr lang="fr-FR" dirty="0"/>
               <a:t>Cliquez pour modifier les styles du texte du masque</a:t>
             </a:r>
           </a:p>
           <a:p>
             <a:pPr lvl="1"/>
             <a:r>
-              <a:rPr lang="fr-FR" dirty="0" smtClean="0"/>
+              <a:rPr lang="fr-FR" dirty="0"/>
               <a:t>Deuxième niveau</a:t>
             </a:r>
           </a:p>
           <a:p>
             <a:pPr lvl="2"/>
             <a:r>
-              <a:rPr lang="fr-FR" dirty="0" smtClean="0"/>
+              <a:rPr lang="fr-FR" dirty="0"/>
               <a:t>Troisième niveau</a:t>
             </a:r>
           </a:p>
           <a:p>
             <a:pPr lvl="3"/>
             <a:r>
-              <a:rPr lang="fr-FR" dirty="0" smtClean="0"/>
+              <a:rPr lang="fr-FR" dirty="0"/>
               <a:t>Quatrième niveau</a:t>
             </a:r>
           </a:p>
           <a:p>
             <a:pPr lvl="4"/>
             <a:r>
-              <a:rPr lang="fr-FR" dirty="0" smtClean="0"/>
+              <a:rPr lang="fr-FR" dirty="0"/>
               <a:t>Cinquième niveau</a:t>
             </a:r>
-            <a:endParaRPr lang="fr-FR" dirty="0"/>
           </a:p>
         </p:txBody>
       </p:sp>
@@ -1285,10 +1279,9 @@
           <a:lstStyle/>
           <a:p>
             <a:r>
-              <a:rPr lang="fr-FR" smtClean="0"/>
+              <a:rPr lang="fr-FR"/>
               <a:t>Cliquez pour modifier le style du titre</a:t>
             </a:r>
-            <a:endParaRPr lang="fr-FR"/>
           </a:p>
         </p:txBody>
       </p:sp>
@@ -1342,38 +1335,37 @@
           <a:p>
             <a:pPr lvl="0"/>
             <a:r>
-              <a:rPr lang="fr-FR" smtClean="0"/>
+              <a:rPr lang="fr-FR"/>
               <a:t>Cliquez pour modifier les styles du texte du masque</a:t>
             </a:r>
           </a:p>
           <a:p>
             <a:pPr lvl="1"/>
             <a:r>
-              <a:rPr lang="fr-FR" smtClean="0"/>
+              <a:rPr lang="fr-FR"/>
               <a:t>Deuxième niveau</a:t>
             </a:r>
           </a:p>
           <a:p>
             <a:pPr lvl="2"/>
             <a:r>
-              <a:rPr lang="fr-FR" smtClean="0"/>
+              <a:rPr lang="fr-FR"/>
               <a:t>Troisième niveau</a:t>
             </a:r>
           </a:p>
           <a:p>
             <a:pPr lvl="3"/>
             <a:r>
-              <a:rPr lang="fr-FR" smtClean="0"/>
+              <a:rPr lang="fr-FR"/>
               <a:t>Quatrième niveau</a:t>
             </a:r>
           </a:p>
           <a:p>
             <a:pPr lvl="4"/>
             <a:r>
-              <a:rPr lang="fr-FR" smtClean="0"/>
+              <a:rPr lang="fr-FR"/>
               <a:t>Cinquième niveau</a:t>
             </a:r>
-            <a:endParaRPr lang="fr-FR"/>
           </a:p>
         </p:txBody>
       </p:sp>
@@ -1427,38 +1419,37 @@
           <a:p>
             <a:pPr lvl="0"/>
             <a:r>
-              <a:rPr lang="fr-FR" smtClean="0"/>
+              <a:rPr lang="fr-FR"/>
               <a:t>Cliquez pour modifier les styles du texte du masque</a:t>
             </a:r>
           </a:p>
           <a:p>
             <a:pPr lvl="1"/>
             <a:r>
-              <a:rPr lang="fr-FR" smtClean="0"/>
+              <a:rPr lang="fr-FR"/>
               <a:t>Deuxième niveau</a:t>
             </a:r>
           </a:p>
           <a:p>
             <a:pPr lvl="2"/>
             <a:r>
-              <a:rPr lang="fr-FR" smtClean="0"/>
+              <a:rPr lang="fr-FR"/>
               <a:t>Troisième niveau</a:t>
             </a:r>
           </a:p>
           <a:p>
             <a:pPr lvl="3"/>
             <a:r>
-              <a:rPr lang="fr-FR" smtClean="0"/>
+              <a:rPr lang="fr-FR"/>
               <a:t>Quatrième niveau</a:t>
             </a:r>
           </a:p>
           <a:p>
             <a:pPr lvl="4"/>
             <a:r>
-              <a:rPr lang="fr-FR" smtClean="0"/>
+              <a:rPr lang="fr-FR"/>
               <a:t>Cinquième niveau</a:t>
             </a:r>
-            <a:endParaRPr lang="fr-FR"/>
           </a:p>
         </p:txBody>
       </p:sp>
@@ -1517,10 +1508,9 @@
           </a:lstStyle>
           <a:p>
             <a:r>
-              <a:rPr lang="fr-FR" smtClean="0"/>
+              <a:rPr lang="fr-FR"/>
               <a:t>Cliquez pour modifier le style du titre</a:t>
             </a:r>
-            <a:endParaRPr lang="fr-FR"/>
           </a:p>
         </p:txBody>
       </p:sp>
@@ -1583,7 +1573,7 @@
           <a:p>
             <a:pPr lvl="0"/>
             <a:r>
-              <a:rPr lang="fr-FR" smtClean="0"/>
+              <a:rPr lang="fr-FR"/>
               <a:t>Cliquez pour modifier les styles du texte du masque</a:t>
             </a:r>
           </a:p>
@@ -1639,38 +1629,37 @@
           <a:p>
             <a:pPr lvl="0"/>
             <a:r>
-              <a:rPr lang="fr-FR" smtClean="0"/>
+              <a:rPr lang="fr-FR"/>
               <a:t>Cliquez pour modifier les styles du texte du masque</a:t>
             </a:r>
           </a:p>
           <a:p>
             <a:pPr lvl="1"/>
             <a:r>
-              <a:rPr lang="fr-FR" smtClean="0"/>
+              <a:rPr lang="fr-FR"/>
               <a:t>Deuxième niveau</a:t>
             </a:r>
           </a:p>
           <a:p>
             <a:pPr lvl="2"/>
             <a:r>
-              <a:rPr lang="fr-FR" smtClean="0"/>
+              <a:rPr lang="fr-FR"/>
               <a:t>Troisième niveau</a:t>
             </a:r>
           </a:p>
           <a:p>
             <a:pPr lvl="3"/>
             <a:r>
-              <a:rPr lang="fr-FR" smtClean="0"/>
+              <a:rPr lang="fr-FR"/>
               <a:t>Quatrième niveau</a:t>
             </a:r>
           </a:p>
           <a:p>
             <a:pPr lvl="4"/>
             <a:r>
-              <a:rPr lang="fr-FR" smtClean="0"/>
+              <a:rPr lang="fr-FR"/>
               <a:t>Cinquième niveau</a:t>
             </a:r>
-            <a:endParaRPr lang="fr-FR"/>
           </a:p>
         </p:txBody>
       </p:sp>
@@ -1733,7 +1722,7 @@
           <a:p>
             <a:pPr lvl="0"/>
             <a:r>
-              <a:rPr lang="fr-FR" smtClean="0"/>
+              <a:rPr lang="fr-FR"/>
               <a:t>Cliquez pour modifier les styles du texte du masque</a:t>
             </a:r>
           </a:p>
@@ -1789,38 +1778,37 @@
           <a:p>
             <a:pPr lvl="0"/>
             <a:r>
-              <a:rPr lang="fr-FR" smtClean="0"/>
+              <a:rPr lang="fr-FR"/>
               <a:t>Cliquez pour modifier les styles du texte du masque</a:t>
             </a:r>
           </a:p>
           <a:p>
             <a:pPr lvl="1"/>
             <a:r>
-              <a:rPr lang="fr-FR" smtClean="0"/>
+              <a:rPr lang="fr-FR"/>
               <a:t>Deuxième niveau</a:t>
             </a:r>
           </a:p>
           <a:p>
             <a:pPr lvl="2"/>
             <a:r>
-              <a:rPr lang="fr-FR" smtClean="0"/>
+              <a:rPr lang="fr-FR"/>
               <a:t>Troisième niveau</a:t>
             </a:r>
           </a:p>
           <a:p>
             <a:pPr lvl="3"/>
             <a:r>
-              <a:rPr lang="fr-FR" smtClean="0"/>
+              <a:rPr lang="fr-FR"/>
               <a:t>Quatrième niveau</a:t>
             </a:r>
           </a:p>
           <a:p>
             <a:pPr lvl="4"/>
             <a:r>
-              <a:rPr lang="fr-FR" smtClean="0"/>
+              <a:rPr lang="fr-FR"/>
               <a:t>Cinquième niveau</a:t>
             </a:r>
-            <a:endParaRPr lang="fr-FR"/>
           </a:p>
         </p:txBody>
       </p:sp>
@@ -1870,10 +1858,9 @@
           <a:lstStyle/>
           <a:p>
             <a:r>
-              <a:rPr lang="fr-FR" smtClean="0"/>
+              <a:rPr lang="fr-FR"/>
               <a:t>Cliquez pour modifier le style du titre</a:t>
             </a:r>
-            <a:endParaRPr lang="fr-FR"/>
           </a:p>
         </p:txBody>
       </p:sp>
@@ -1962,10 +1949,9 @@
           </a:lstStyle>
           <a:p>
             <a:r>
-              <a:rPr lang="fr-FR" smtClean="0"/>
+              <a:rPr lang="fr-FR"/>
               <a:t>Cliquez pour modifier le style du titre</a:t>
             </a:r>
-            <a:endParaRPr lang="fr-FR"/>
           </a:p>
         </p:txBody>
       </p:sp>
@@ -2019,38 +2005,37 @@
           <a:p>
             <a:pPr lvl="0"/>
             <a:r>
-              <a:rPr lang="fr-FR" smtClean="0"/>
+              <a:rPr lang="fr-FR"/>
               <a:t>Cliquez pour modifier les styles du texte du masque</a:t>
             </a:r>
           </a:p>
           <a:p>
             <a:pPr lvl="1"/>
             <a:r>
-              <a:rPr lang="fr-FR" smtClean="0"/>
+              <a:rPr lang="fr-FR"/>
               <a:t>Deuxième niveau</a:t>
             </a:r>
           </a:p>
           <a:p>
             <a:pPr lvl="2"/>
             <a:r>
-              <a:rPr lang="fr-FR" smtClean="0"/>
+              <a:rPr lang="fr-FR"/>
               <a:t>Troisième niveau</a:t>
             </a:r>
           </a:p>
           <a:p>
             <a:pPr lvl="3"/>
             <a:r>
-              <a:rPr lang="fr-FR" smtClean="0"/>
+              <a:rPr lang="fr-FR"/>
               <a:t>Quatrième niveau</a:t>
             </a:r>
           </a:p>
           <a:p>
             <a:pPr lvl="4"/>
             <a:r>
-              <a:rPr lang="fr-FR" smtClean="0"/>
+              <a:rPr lang="fr-FR"/>
               <a:t>Cinquième niveau</a:t>
             </a:r>
-            <a:endParaRPr lang="fr-FR"/>
           </a:p>
         </p:txBody>
       </p:sp>
@@ -2113,7 +2098,7 @@
           <a:p>
             <a:pPr lvl="0"/>
             <a:r>
-              <a:rPr lang="fr-FR" smtClean="0"/>
+              <a:rPr lang="fr-FR"/>
               <a:t>Cliquez pour modifier les styles du texte du masque</a:t>
             </a:r>
           </a:p>
@@ -2174,10 +2159,9 @@
           </a:lstStyle>
           <a:p>
             <a:r>
-              <a:rPr lang="fr-FR" smtClean="0"/>
+              <a:rPr lang="fr-FR"/>
               <a:t>Cliquez pour modifier le style du titre</a:t>
             </a:r>
-            <a:endParaRPr lang="fr-FR"/>
           </a:p>
         </p:txBody>
       </p:sp>
@@ -2239,7 +2223,7 @@
           </a:lstStyle>
           <a:p>
             <a:pPr lvl="0"/>
-            <a:endParaRPr lang="fr-FR" noProof="0" smtClean="0"/>
+            <a:endParaRPr lang="fr-FR" noProof="0"/>
           </a:p>
         </p:txBody>
       </p:sp>
@@ -2302,7 +2286,7 @@
           <a:p>
             <a:pPr lvl="0"/>
             <a:r>
-              <a:rPr lang="fr-FR" smtClean="0"/>
+              <a:rPr lang="fr-FR"/>
               <a:t>Cliquez pour modifier les styles du texte du masque</a:t>
             </a:r>
           </a:p>
@@ -2354,10 +2338,9 @@
           <a:lstStyle/>
           <a:p>
             <a:r>
-              <a:rPr lang="fr-FR" smtClean="0"/>
+              <a:rPr lang="fr-FR"/>
               <a:t>Cliquez pour modifier le style du titre</a:t>
             </a:r>
-            <a:endParaRPr lang="fr-FR"/>
           </a:p>
         </p:txBody>
       </p:sp>
@@ -2378,38 +2361,37 @@
           <a:p>
             <a:pPr lvl="0"/>
             <a:r>
-              <a:rPr lang="fr-FR" smtClean="0"/>
+              <a:rPr lang="fr-FR"/>
               <a:t>Cliquez pour modifier les styles du texte du masque</a:t>
             </a:r>
           </a:p>
           <a:p>
             <a:pPr lvl="1"/>
             <a:r>
-              <a:rPr lang="fr-FR" smtClean="0"/>
+              <a:rPr lang="fr-FR"/>
               <a:t>Deuxième niveau</a:t>
             </a:r>
           </a:p>
           <a:p>
             <a:pPr lvl="2"/>
             <a:r>
-              <a:rPr lang="fr-FR" smtClean="0"/>
+              <a:rPr lang="fr-FR"/>
               <a:t>Troisième niveau</a:t>
             </a:r>
           </a:p>
           <a:p>
             <a:pPr lvl="3"/>
             <a:r>
-              <a:rPr lang="fr-FR" smtClean="0"/>
+              <a:rPr lang="fr-FR"/>
               <a:t>Quatrième niveau</a:t>
             </a:r>
           </a:p>
           <a:p>
             <a:pPr lvl="4"/>
             <a:r>
-              <a:rPr lang="fr-FR" smtClean="0"/>
+              <a:rPr lang="fr-FR"/>
               <a:t>Cinquième niveau</a:t>
             </a:r>
-            <a:endParaRPr lang="fr-FR"/>
           </a:p>
         </p:txBody>
       </p:sp>
@@ -2590,7 +2572,7 @@
             <a:pPr eaLnBrk="1" hangingPunct="1">
               <a:defRPr/>
             </a:pPr>
-            <a:endParaRPr lang="fr-FR" altLang="fr-FR" smtClean="0"/>
+            <a:endParaRPr lang="fr-FR" altLang="fr-FR"/>
           </a:p>
         </p:txBody>
       </p:sp>
@@ -2744,7 +2726,7 @@
               <a:defRPr/>
             </a:pPr>
             <a:r>
-              <a:rPr lang="fr-FR" sz="1200" dirty="0" smtClean="0"/>
+              <a:rPr lang="fr-FR" sz="1200" dirty="0"/>
               <a:t>Page </a:t>
             </a:r>
             <a:fld id="{E218E9B1-FD08-4C80-902E-210BA2967D0D}" type="slidenum">
@@ -2757,7 +2739,7 @@
               </a:pPr>
               <a:t>‹N°›</a:t>
             </a:fld>
-            <a:endParaRPr lang="fr-FR" dirty="0" smtClean="0">
+            <a:endParaRPr lang="fr-FR" dirty="0">
               <a:latin typeface="Times New Roman" pitchFamily="18" charset="0"/>
             </a:endParaRPr>
           </a:p>
@@ -2913,10 +2895,10 @@
               <a:defRPr/>
             </a:pPr>
             <a:r>
-              <a:rPr lang="fr-FR" sz="1600" dirty="0" smtClean="0"/>
+              <a:rPr lang="fr-FR" sz="1600" dirty="0"/>
               <a:t>Python</a:t>
             </a:r>
-            <a:endParaRPr lang="fr-FR" dirty="0" smtClean="0">
+            <a:endParaRPr lang="fr-FR" dirty="0">
               <a:latin typeface="Times New Roman" pitchFamily="18" charset="0"/>
             </a:endParaRPr>
           </a:p>
@@ -2974,7 +2956,7 @@
           <a:p>
             <a:pPr lvl="0"/>
             <a:r>
-              <a:rPr lang="fr-FR" altLang="fr-FR" smtClean="0"/>
+              <a:rPr lang="fr-FR" altLang="fr-FR"/>
               <a:t>Cliquez pour modifier le style du titre du masque</a:t>
             </a:r>
           </a:p>
@@ -3032,35 +3014,35 @@
           <a:p>
             <a:pPr lvl="0"/>
             <a:r>
-              <a:rPr lang="fr-FR" altLang="fr-FR" smtClean="0"/>
+              <a:rPr lang="fr-FR" altLang="fr-FR"/>
               <a:t>Cliquez pour modifier les styles du texte du masque</a:t>
             </a:r>
           </a:p>
           <a:p>
             <a:pPr lvl="1"/>
             <a:r>
-              <a:rPr lang="fr-FR" altLang="fr-FR" smtClean="0"/>
+              <a:rPr lang="fr-FR" altLang="fr-FR"/>
               <a:t>Deuxième niveau</a:t>
             </a:r>
           </a:p>
           <a:p>
             <a:pPr lvl="2"/>
             <a:r>
-              <a:rPr lang="fr-FR" altLang="fr-FR" smtClean="0"/>
+              <a:rPr lang="fr-FR" altLang="fr-FR"/>
               <a:t>Troisième niveau</a:t>
             </a:r>
           </a:p>
           <a:p>
             <a:pPr lvl="3"/>
             <a:r>
-              <a:rPr lang="fr-FR" altLang="fr-FR" smtClean="0"/>
+              <a:rPr lang="fr-FR" altLang="fr-FR"/>
               <a:t>Quatrième niveau</a:t>
             </a:r>
           </a:p>
           <a:p>
             <a:pPr lvl="4"/>
             <a:r>
-              <a:rPr lang="fr-FR" altLang="fr-FR" smtClean="0"/>
+              <a:rPr lang="fr-FR" altLang="fr-FR"/>
               <a:t>Cinquième niveau</a:t>
             </a:r>
           </a:p>
@@ -3216,10 +3198,10 @@
               <a:defRPr/>
             </a:pPr>
             <a:r>
-              <a:rPr lang="fr-FR" sz="1200" smtClean="0"/>
+              <a:rPr lang="fr-FR" sz="1200"/>
               <a:t>© Cyril Vincent Conseil</a:t>
             </a:r>
-            <a:endParaRPr lang="fr-FR" smtClean="0">
+            <a:endParaRPr lang="fr-FR">
               <a:latin typeface="Times New Roman" pitchFamily="18" charset="0"/>
             </a:endParaRPr>
           </a:p>
@@ -3701,19 +3683,19 @@
           <a:p>
             <a:pPr eaLnBrk="1" hangingPunct="1"/>
             <a:r>
-              <a:rPr lang="fr-FR" altLang="fr-FR" smtClean="0"/>
+              <a:rPr lang="fr-FR" altLang="fr-FR"/>
               <a:t>Chapitre 14</a:t>
             </a:r>
-            <a:endParaRPr lang="fr-FR" altLang="fr-FR" dirty="0" smtClean="0"/>
+            <a:endParaRPr lang="fr-FR" altLang="fr-FR" dirty="0"/>
           </a:p>
           <a:p>
             <a:pPr eaLnBrk="1" hangingPunct="1"/>
             <a:r>
-              <a:rPr lang="fr-FR" altLang="fr-FR" dirty="0" err="1" smtClean="0"/>
+              <a:rPr lang="fr-FR" altLang="fr-FR" dirty="0" err="1"/>
               <a:t>Nearest</a:t>
             </a:r>
             <a:r>
-              <a:rPr lang="fr-FR" altLang="fr-FR" dirty="0" smtClean="0"/>
+              <a:rPr lang="fr-FR" altLang="fr-FR" dirty="0"/>
               <a:t> Neighbors</a:t>
             </a:r>
           </a:p>
@@ -3766,10 +3748,9 @@
           <a:lstStyle/>
           <a:p>
             <a:r>
-              <a:rPr lang="fr-FR" sz="3600" dirty="0" smtClean="0"/>
+              <a:rPr lang="fr-FR" sz="3600" dirty="0"/>
               <a:t>Data Science</a:t>
             </a:r>
-            <a:endParaRPr lang="fr-FR" sz="3600" dirty="0"/>
           </a:p>
         </p:txBody>
       </p:sp>
@@ -3802,13 +3783,6 @@
   <p:clrMapOvr>
     <a:masterClrMapping/>
   </p:clrMapOvr>
-  <p:timing>
-    <p:tnLst>
-      <p:par>
-        <p:cTn id="1" dur="indefinite" restart="never" nodeType="tmRoot"/>
-      </p:par>
-    </p:tnLst>
-  </p:timing>
 </p:sld>
 </file>
 
@@ -3845,8 +3819,12 @@
           <a:lstStyle/>
           <a:p>
             <a:r>
-              <a:rPr lang="fr-FR" dirty="0" smtClean="0"/>
-              <a:t>Décomposition de l’</a:t>
+              <a:rPr lang="fr-FR" dirty="0"/>
+              <a:t>Décomposition </a:t>
+            </a:r>
+            <a:r>
+              <a:rPr lang="fr-FR"/>
+              <a:t>de l’erreur</a:t>
             </a:r>
             <a:endParaRPr lang="fr-FR" dirty="0"/>
           </a:p>
@@ -3868,7 +3846,7 @@
           <a:lstStyle/>
           <a:p>
             <a:r>
-              <a:rPr lang="fr-FR" dirty="0" smtClean="0"/>
+              <a:rPr lang="fr-FR" dirty="0"/>
               <a:t>L’erreur peut s’écrire</a:t>
             </a:r>
           </a:p>
@@ -3883,14 +3861,10 @@
             </a:r>
             <a:r>
               <a:rPr lang="fr-FR"/>
-              <a:t>)=</a:t>
-            </a:r>
-            <a:r>
-              <a:rPr lang="fr-FR" smtClean="0"/>
-              <a:t>Biais²+Variance+Erreur </a:t>
-            </a:r>
-            <a:r>
-              <a:rPr lang="fr-FR" dirty="0" smtClean="0"/>
+              <a:t>)=Biais²+Variance+Erreur </a:t>
+            </a:r>
+            <a:r>
+              <a:rPr lang="fr-FR" dirty="0"/>
               <a:t>Irréductible</a:t>
             </a:r>
           </a:p>
@@ -3950,13 +3924,6 @@
   <p:clrMapOvr>
     <a:masterClrMapping/>
   </p:clrMapOvr>
-  <p:timing>
-    <p:tnLst>
-      <p:par>
-        <p:cTn id="1" dur="indefinite" restart="never" nodeType="tmRoot"/>
-      </p:par>
-    </p:tnLst>
-  </p:timing>
 </p:sld>
 </file>
 
@@ -3993,10 +3960,9 @@
           <a:lstStyle/>
           <a:p>
             <a:r>
-              <a:rPr lang="fr-FR" dirty="0" smtClean="0"/>
+              <a:rPr lang="fr-FR" dirty="0"/>
               <a:t>Minimisation de l’erreur</a:t>
             </a:r>
-            <a:endParaRPr lang="fr-FR" dirty="0"/>
           </a:p>
         </p:txBody>
       </p:sp>
@@ -4016,15 +3982,15 @@
           <a:lstStyle/>
           <a:p>
             <a:r>
-              <a:rPr lang="fr-FR" dirty="0" smtClean="0"/>
+              <a:rPr lang="fr-FR" dirty="0"/>
               <a:t>Il faut faire varier le </a:t>
             </a:r>
             <a:r>
-              <a:rPr lang="fr-FR" dirty="0" err="1" smtClean="0"/>
+              <a:rPr lang="fr-FR" dirty="0" err="1"/>
               <a:t>n_neighbors</a:t>
             </a:r>
             <a:r>
-              <a:rPr lang="fr-FR" dirty="0" smtClean="0"/>
+              <a:rPr lang="fr-FR" dirty="0"/>
               <a:t> entre 2 et 15</a:t>
             </a:r>
           </a:p>
@@ -4071,25 +4037,18 @@
               <a:t>    model = </a:t>
             </a:r>
             <a:r>
-              <a:rPr lang="fr-FR" sz="1800" dirty="0" err="1" smtClean="0">
+              <a:rPr lang="fr-FR" sz="1800" dirty="0" err="1">
                 <a:latin typeface="Courier New" panose="02070309020205020404" pitchFamily="49" charset="0"/>
                 <a:cs typeface="Courier New" panose="02070309020205020404" pitchFamily="49" charset="0"/>
               </a:rPr>
               <a:t>nn.KNeighborsClassifier</a:t>
             </a:r>
             <a:r>
-              <a:rPr lang="fr-FR" sz="1800" dirty="0" smtClean="0">
-                <a:latin typeface="Courier New" panose="02070309020205020404" pitchFamily="49" charset="0"/>
-                <a:cs typeface="Courier New" panose="02070309020205020404" pitchFamily="49" charset="0"/>
-              </a:rPr>
-              <a:t>(k</a:t>
-            </a:r>
-            <a:r>
               <a:rPr lang="fr-FR" sz="1800" dirty="0">
                 <a:latin typeface="Courier New" panose="02070309020205020404" pitchFamily="49" charset="0"/>
                 <a:cs typeface="Courier New" panose="02070309020205020404" pitchFamily="49" charset="0"/>
               </a:rPr>
-              <a:t>)</a:t>
+              <a:t>(k)</a:t>
             </a:r>
           </a:p>
           <a:p>
@@ -4104,25 +4063,18 @@
               <a:t>    </a:t>
             </a:r>
             <a:r>
-              <a:rPr lang="fr-FR" sz="1800" dirty="0" err="1" smtClean="0">
+              <a:rPr lang="fr-FR" sz="1800" dirty="0" err="1">
                 <a:latin typeface="Courier New" panose="02070309020205020404" pitchFamily="49" charset="0"/>
                 <a:cs typeface="Courier New" panose="02070309020205020404" pitchFamily="49" charset="0"/>
               </a:rPr>
               <a:t>errors.append</a:t>
             </a:r>
             <a:r>
-              <a:rPr lang="fr-FR" sz="1800" dirty="0" smtClean="0">
-                <a:latin typeface="Courier New" panose="02070309020205020404" pitchFamily="49" charset="0"/>
-                <a:cs typeface="Courier New" panose="02070309020205020404" pitchFamily="49" charset="0"/>
-              </a:rPr>
-              <a:t>(1 </a:t>
-            </a:r>
-            <a:r>
               <a:rPr lang="fr-FR" sz="1800" dirty="0">
                 <a:latin typeface="Courier New" panose="02070309020205020404" pitchFamily="49" charset="0"/>
                 <a:cs typeface="Courier New" panose="02070309020205020404" pitchFamily="49" charset="0"/>
               </a:rPr>
-              <a:t>- </a:t>
+              <a:t>(1 - </a:t>
             </a:r>
             <a:r>
               <a:rPr lang="fr-FR" sz="1800" dirty="0" err="1">
@@ -4188,7 +4140,7 @@
               <a:t>ytest</a:t>
             </a:r>
             <a:r>
-              <a:rPr lang="fr-FR" sz="1800" dirty="0" smtClean="0">
+              <a:rPr lang="fr-FR" sz="1800" dirty="0">
                 <a:latin typeface="Courier New" panose="02070309020205020404" pitchFamily="49" charset="0"/>
                 <a:cs typeface="Courier New" panose="02070309020205020404" pitchFamily="49" charset="0"/>
               </a:rPr>
@@ -4198,49 +4150,43 @@
           <a:p>
             <a:pPr lvl="1"/>
             <a:r>
-              <a:rPr lang="fr-FR" dirty="0" smtClean="0"/>
-              <a:t>Il essayer les différents </a:t>
-            </a:r>
-            <a:r>
-              <a:rPr lang="fr-FR" dirty="0" smtClean="0"/>
-              <a:t>algorithmes</a:t>
-            </a:r>
-            <a:endParaRPr lang="fr-FR" dirty="0" smtClean="0"/>
+              <a:rPr lang="fr-FR" dirty="0"/>
+              <a:t>Il essayer les différents algorithmes</a:t>
+            </a:r>
           </a:p>
           <a:p>
             <a:pPr lvl="2"/>
             <a:r>
-              <a:rPr lang="fr-FR" dirty="0" smtClean="0"/>
+              <a:rPr lang="fr-FR" dirty="0"/>
               <a:t>Paramètre </a:t>
             </a:r>
             <a:r>
-              <a:rPr lang="fr-FR" dirty="0" err="1" smtClean="0"/>
+              <a:rPr lang="fr-FR" dirty="0" err="1"/>
               <a:t>algorithm</a:t>
             </a:r>
-            <a:endParaRPr lang="fr-FR" dirty="0" smtClean="0"/>
+            <a:endParaRPr lang="fr-FR" dirty="0"/>
           </a:p>
           <a:p>
             <a:pPr lvl="1"/>
             <a:r>
-              <a:rPr lang="fr-FR" dirty="0" smtClean="0"/>
+              <a:rPr lang="fr-FR" dirty="0"/>
               <a:t>Il faut essayer les 2 poids</a:t>
             </a:r>
           </a:p>
           <a:p>
             <a:pPr lvl="2"/>
             <a:r>
-              <a:rPr lang="fr-FR" dirty="0" smtClean="0"/>
+              <a:rPr lang="fr-FR" dirty="0"/>
               <a:t>Paramètre </a:t>
             </a:r>
             <a:r>
-              <a:rPr lang="fr-FR" dirty="0" err="1" smtClean="0"/>
+              <a:rPr lang="fr-FR" dirty="0" err="1"/>
               <a:t>weight</a:t>
             </a:r>
             <a:r>
-              <a:rPr lang="fr-FR" dirty="0" smtClean="0"/>
+              <a:rPr lang="fr-FR" dirty="0"/>
               <a:t> = « distance » qui monte la distance au carré, c’est-à-dire qu’il donne plus d’importance aux points proches</a:t>
             </a:r>
-            <a:endParaRPr lang="fr-FR" dirty="0"/>
           </a:p>
         </p:txBody>
       </p:sp>
@@ -4254,13 +4200,6 @@
   <p:clrMapOvr>
     <a:masterClrMapping/>
   </p:clrMapOvr>
-  <p:timing>
-    <p:tnLst>
-      <p:par>
-        <p:cTn id="1" dur="indefinite" restart="never" nodeType="tmRoot"/>
-      </p:par>
-    </p:tnLst>
-  </p:timing>
 </p:sld>
 </file>
 
@@ -4297,10 +4236,9 @@
           <a:lstStyle/>
           <a:p>
             <a:r>
-              <a:rPr lang="fr-FR" dirty="0" smtClean="0"/>
+              <a:rPr lang="fr-FR" dirty="0"/>
               <a:t>Entrainement et prédiction</a:t>
             </a:r>
-            <a:endParaRPr lang="fr-FR" dirty="0"/>
           </a:p>
         </p:txBody>
       </p:sp>
@@ -4320,7 +4258,7 @@
           <a:lstStyle/>
           <a:p>
             <a:r>
-              <a:rPr lang="fr-FR" dirty="0" smtClean="0"/>
+              <a:rPr lang="fr-FR" dirty="0"/>
               <a:t>Il faut ensuite choisir le meilleur modèle, l’entrainer et mettre en place la prédiction</a:t>
             </a:r>
           </a:p>
@@ -4352,16 +4290,12 @@
           </a:p>
           <a:p>
             <a:r>
-              <a:rPr lang="fr-FR" dirty="0" err="1" smtClean="0"/>
+              <a:rPr lang="fr-FR" dirty="0" err="1"/>
               <a:t>predicted</a:t>
             </a:r>
             <a:r>
-              <a:rPr lang="fr-FR" dirty="0" smtClean="0"/>
-              <a:t> </a:t>
-            </a:r>
-            <a:r>
               <a:rPr lang="fr-FR" dirty="0"/>
-              <a:t>= </a:t>
+              <a:t> = </a:t>
             </a:r>
             <a:r>
               <a:rPr lang="fr-FR" dirty="0" err="1"/>
@@ -4395,13 +4329,6 @@
   <p:clrMapOvr>
     <a:masterClrMapping/>
   </p:clrMapOvr>
-  <p:timing>
-    <p:tnLst>
-      <p:par>
-        <p:cTn id="1" dur="indefinite" restart="never" nodeType="tmRoot"/>
-      </p:par>
-    </p:tnLst>
-  </p:timing>
 </p:sld>
 </file>
 
@@ -4438,10 +4365,9 @@
           <a:lstStyle/>
           <a:p>
             <a:r>
-              <a:rPr lang="fr-FR" dirty="0" smtClean="0"/>
+              <a:rPr lang="fr-FR" dirty="0"/>
               <a:t>Résultats</a:t>
             </a:r>
-            <a:endParaRPr lang="fr-FR" dirty="0"/>
           </a:p>
         </p:txBody>
       </p:sp>
@@ -4461,16 +4387,15 @@
           <a:lstStyle/>
           <a:p>
             <a:r>
-              <a:rPr lang="fr-FR" dirty="0" smtClean="0"/>
+              <a:rPr lang="fr-FR" dirty="0"/>
               <a:t>K = 3</a:t>
             </a:r>
           </a:p>
           <a:p>
             <a:r>
-              <a:rPr lang="fr-FR" dirty="0" smtClean="0"/>
+              <a:rPr lang="fr-FR" dirty="0"/>
               <a:t>Erreur = 5%</a:t>
             </a:r>
-            <a:endParaRPr lang="fr-FR" dirty="0"/>
           </a:p>
         </p:txBody>
       </p:sp>
@@ -4532,13 +4457,6 @@
   <p:clrMapOvr>
     <a:masterClrMapping/>
   </p:clrMapOvr>
-  <p:timing>
-    <p:tnLst>
-      <p:par>
-        <p:cTn id="1" dur="indefinite" restart="never" nodeType="tmRoot"/>
-      </p:par>
-    </p:tnLst>
-  </p:timing>
 </p:sld>
 </file>
 
@@ -4575,10 +4493,9 @@
           <a:lstStyle/>
           <a:p>
             <a:r>
-              <a:rPr lang="fr-FR" dirty="0" smtClean="0"/>
+              <a:rPr lang="fr-FR" dirty="0"/>
               <a:t>TP : Iris</a:t>
             </a:r>
-            <a:endParaRPr lang="fr-FR" dirty="0"/>
           </a:p>
         </p:txBody>
       </p:sp>
@@ -4598,13 +4515,13 @@
           <a:lstStyle/>
           <a:p>
             <a:r>
-              <a:rPr lang="fr-FR" dirty="0" smtClean="0"/>
+              <a:rPr lang="fr-FR" dirty="0"/>
               <a:t>Les Iris sont décomposés en 3 familles</a:t>
             </a:r>
           </a:p>
           <a:p>
             <a:r>
-              <a:rPr lang="fr-FR" dirty="0" smtClean="0"/>
+              <a:rPr lang="fr-FR" dirty="0"/>
               <a:t>Le rapport largeur/hauteur des pétales et de la tige détermine la catégorie</a:t>
             </a:r>
           </a:p>
@@ -4647,13 +4564,6 @@
   <p:clrMapOvr>
     <a:masterClrMapping/>
   </p:clrMapOvr>
-  <p:timing>
-    <p:tnLst>
-      <p:par>
-        <p:cTn id="1" dur="indefinite" restart="never" nodeType="tmRoot"/>
-      </p:par>
-    </p:tnLst>
-  </p:timing>
 </p:sld>
 </file>
 
@@ -4695,11 +4605,7 @@
             </a:r>
             <a:r>
               <a:rPr lang="fr-FR" altLang="fr-FR" dirty="0"/>
-              <a:t> </a:t>
-            </a:r>
-            <a:r>
-              <a:rPr lang="fr-FR" altLang="fr-FR" dirty="0" smtClean="0"/>
-              <a:t>Neighbors</a:t>
+              <a:t> Neighbors</a:t>
             </a:r>
             <a:endParaRPr lang="fr-FR" dirty="0"/>
           </a:p>
@@ -4730,45 +4636,20 @@
             </a:r>
             <a:r>
               <a:rPr lang="fr-FR" dirty="0"/>
-              <a:t> </a:t>
-            </a:r>
-            <a:r>
-              <a:rPr lang="fr-FR" dirty="0" smtClean="0"/>
-              <a:t>Neighbors</a:t>
-            </a:r>
-          </a:p>
-          <a:p>
-            <a:r>
-              <a:rPr lang="fr-FR" dirty="0" smtClean="0"/>
-              <a:t>C’est </a:t>
-            </a:r>
+              <a:t> Neighbors</a:t>
+            </a:r>
+          </a:p>
+          <a:p>
             <a:r>
               <a:rPr lang="fr-FR" dirty="0"/>
-              <a:t>un algorithme qui peut servir autant pour la classification que la </a:t>
-            </a:r>
-            <a:r>
-              <a:rPr lang="fr-FR" dirty="0" smtClean="0"/>
-              <a:t>régression</a:t>
-            </a:r>
-          </a:p>
-          <a:p>
-            <a:r>
-              <a:rPr lang="fr-FR" dirty="0" smtClean="0"/>
-              <a:t>Son </a:t>
-            </a:r>
+              <a:t>C’est un algorithme qui peut servir autant pour la classification que la régression</a:t>
+            </a:r>
+          </a:p>
+          <a:p>
             <a:r>
               <a:rPr lang="fr-FR" dirty="0"/>
-              <a:t>principe </a:t>
-            </a:r>
-            <a:r>
-              <a:rPr lang="fr-FR" dirty="0" smtClean="0"/>
-              <a:t>est de choisir </a:t>
-            </a:r>
-            <a:r>
-              <a:rPr lang="fr-FR" dirty="0"/>
-              <a:t>les k données les plus proches du point étudié afin d’en prédire sa valeur</a:t>
-            </a:r>
-            <a:endParaRPr lang="fr-FR" dirty="0" smtClean="0"/>
+              <a:t>Son principe est de choisir les k données les plus proches du point étudié afin d’en prédire sa valeur</a:t>
+            </a:r>
           </a:p>
           <a:p>
             <a:pPr lvl="1"/>
@@ -4786,13 +4667,6 @@
   <p:clrMapOvr>
     <a:masterClrMapping/>
   </p:clrMapOvr>
-  <p:timing>
-    <p:tnLst>
-      <p:par>
-        <p:cTn id="1" dur="indefinite" restart="never" nodeType="tmRoot"/>
-      </p:par>
-    </p:tnLst>
-  </p:timing>
 </p:sld>
 </file>
 
@@ -4829,10 +4703,9 @@
           <a:lstStyle/>
           <a:p>
             <a:r>
-              <a:rPr lang="fr-FR" dirty="0" smtClean="0"/>
+              <a:rPr lang="fr-FR" dirty="0"/>
               <a:t>Explication</a:t>
             </a:r>
-            <a:endParaRPr lang="fr-FR" dirty="0"/>
           </a:p>
         </p:txBody>
       </p:sp>
@@ -4852,7 +4725,7 @@
           <a:lstStyle/>
           <a:p>
             <a:r>
-              <a:rPr lang="fr-FR" dirty="0" smtClean="0"/>
+              <a:rPr lang="fr-FR" dirty="0"/>
               <a:t>Quelle est la classe de la nouvelle données (en blanc) ?</a:t>
             </a:r>
           </a:p>
@@ -4860,7 +4733,7 @@
             <a:pPr marL="0" indent="0">
               <a:buNone/>
             </a:pPr>
-            <a:endParaRPr lang="fr-FR" dirty="0" smtClean="0"/>
+            <a:endParaRPr lang="fr-FR" dirty="0"/>
           </a:p>
           <a:p>
             <a:endParaRPr lang="fr-FR" dirty="0"/>
@@ -4918,13 +4791,6 @@
   <p:clrMapOvr>
     <a:masterClrMapping/>
   </p:clrMapOvr>
-  <p:timing>
-    <p:tnLst>
-      <p:par>
-        <p:cTn id="1" dur="indefinite" restart="never" nodeType="tmRoot"/>
-      </p:par>
-    </p:tnLst>
-  </p:timing>
 </p:sld>
 </file>
 
@@ -4961,7 +4827,7 @@
           <a:lstStyle/>
           <a:p>
             <a:r>
-              <a:rPr lang="fr-FR" dirty="0" err="1" smtClean="0"/>
+              <a:rPr lang="fr-FR" dirty="0" err="1"/>
               <a:t>knn</a:t>
             </a:r>
             <a:endParaRPr lang="fr-FR" dirty="0"/>
@@ -4984,24 +4850,23 @@
           <a:lstStyle/>
           <a:p>
             <a:r>
-              <a:rPr lang="fr-FR" dirty="0" smtClean="0"/>
+              <a:rPr lang="fr-FR" dirty="0"/>
               <a:t>Nous allons regarder la distance avec les k voisins les plus proches</a:t>
             </a:r>
           </a:p>
           <a:p>
             <a:pPr lvl="1"/>
             <a:r>
-              <a:rPr lang="fr-FR" dirty="0" smtClean="0"/>
+              <a:rPr lang="fr-FR" dirty="0"/>
               <a:t>Ici 5</a:t>
             </a:r>
           </a:p>
           <a:p>
             <a:pPr lvl="1"/>
             <a:r>
-              <a:rPr lang="fr-FR" dirty="0" smtClean="0"/>
+              <a:rPr lang="fr-FR" dirty="0"/>
               <a:t>Rouge</a:t>
             </a:r>
-            <a:endParaRPr lang="fr-FR" dirty="0"/>
           </a:p>
         </p:txBody>
       </p:sp>
@@ -5056,13 +4921,6 @@
   <p:clrMapOvr>
     <a:masterClrMapping/>
   </p:clrMapOvr>
-  <p:timing>
-    <p:tnLst>
-      <p:par>
-        <p:cTn id="1" dur="indefinite" restart="never" nodeType="tmRoot"/>
-      </p:par>
-    </p:tnLst>
-  </p:timing>
 </p:sld>
 </file>
 
@@ -5099,10 +4957,9 @@
           <a:lstStyle/>
           <a:p>
             <a:r>
-              <a:rPr lang="fr-FR" dirty="0" smtClean="0"/>
+              <a:rPr lang="fr-FR" dirty="0"/>
               <a:t>Algorithmes</a:t>
             </a:r>
-            <a:endParaRPr lang="fr-FR" dirty="0"/>
           </a:p>
         </p:txBody>
       </p:sp>
@@ -5122,120 +4979,114 @@
           <a:lstStyle/>
           <a:p>
             <a:r>
-              <a:rPr lang="fr-FR" sz="2400" dirty="0" smtClean="0"/>
+              <a:rPr lang="fr-FR" sz="2400" dirty="0"/>
               <a:t>Il existe plusieurs algorithmes </a:t>
             </a:r>
             <a:r>
-              <a:rPr lang="fr-FR" sz="2400" dirty="0" err="1" smtClean="0"/>
+              <a:rPr lang="fr-FR" sz="2400" dirty="0" err="1"/>
               <a:t>knn</a:t>
             </a:r>
-            <a:endParaRPr lang="fr-FR" sz="2400" dirty="0" smtClean="0"/>
-          </a:p>
-          <a:p>
-            <a:r>
-              <a:rPr lang="fr-FR" sz="2400" dirty="0" smtClean="0"/>
+            <a:endParaRPr lang="fr-FR" sz="2400" dirty="0"/>
+          </a:p>
+          <a:p>
+            <a:r>
+              <a:rPr lang="fr-FR" sz="2400" dirty="0"/>
               <a:t>Brute Force</a:t>
             </a:r>
           </a:p>
           <a:p>
             <a:pPr lvl="1"/>
             <a:r>
-              <a:rPr lang="fr-FR" sz="2000" dirty="0" smtClean="0"/>
+              <a:rPr lang="fr-FR" sz="2000" dirty="0"/>
               <a:t>Etablit la distance entre tous les points</a:t>
             </a:r>
           </a:p>
           <a:p>
             <a:pPr lvl="1"/>
             <a:r>
-              <a:rPr lang="fr-FR" sz="2000" dirty="0" smtClean="0"/>
+              <a:rPr lang="fr-FR" sz="2000" dirty="0"/>
               <a:t>Très bon, mais très couteux pour les gros </a:t>
             </a:r>
             <a:r>
-              <a:rPr lang="fr-FR" sz="2000" dirty="0" err="1" smtClean="0"/>
+              <a:rPr lang="fr-FR" sz="2000" dirty="0" err="1"/>
               <a:t>datasets</a:t>
             </a:r>
-            <a:endParaRPr lang="fr-FR" sz="2000" dirty="0" smtClean="0"/>
+            <a:endParaRPr lang="fr-FR" sz="2000" dirty="0"/>
           </a:p>
           <a:p>
             <a:pPr lvl="1"/>
             <a:r>
-              <a:rPr lang="fr-FR" sz="2000" dirty="0" smtClean="0"/>
+              <a:rPr lang="fr-FR" sz="2000" dirty="0"/>
               <a:t>O(n²)</a:t>
             </a:r>
           </a:p>
           <a:p>
             <a:r>
-              <a:rPr lang="fr-FR" sz="2400" dirty="0" err="1" smtClean="0"/>
+              <a:rPr lang="fr-FR" sz="2400" dirty="0" err="1"/>
               <a:t>KDTree</a:t>
             </a:r>
-            <a:endParaRPr lang="fr-FR" sz="2400" dirty="0" smtClean="0"/>
+            <a:endParaRPr lang="fr-FR" sz="2400" dirty="0"/>
           </a:p>
           <a:p>
             <a:pPr lvl="1"/>
             <a:r>
-              <a:rPr lang="fr-FR" sz="2000" dirty="0" smtClean="0"/>
+              <a:rPr lang="fr-FR" sz="2000" dirty="0"/>
               <a:t>Elimine des distances</a:t>
             </a:r>
           </a:p>
           <a:p>
             <a:pPr lvl="1"/>
             <a:r>
-              <a:rPr lang="fr-FR" sz="2000" dirty="0" smtClean="0"/>
-              <a:t>Si A est loin de B et B proche de C alors A est loin de </a:t>
-            </a:r>
-            <a:r>
-              <a:rPr lang="fr-FR" sz="2000" dirty="0" smtClean="0"/>
-              <a:t>C</a:t>
-            </a:r>
-            <a:endParaRPr lang="fr-FR" sz="2000" dirty="0" smtClean="0"/>
+              <a:rPr lang="fr-FR" sz="2000" dirty="0"/>
+              <a:t>Si A est loin de B et B proche de C alors A est loin de C</a:t>
+            </a:r>
           </a:p>
           <a:p>
             <a:pPr lvl="1"/>
             <a:r>
-              <a:rPr lang="fr-FR" sz="2000" dirty="0" smtClean="0"/>
+              <a:rPr lang="fr-FR" sz="2000" dirty="0"/>
               <a:t>O(n.log(n))</a:t>
             </a:r>
           </a:p>
           <a:p>
             <a:r>
-              <a:rPr lang="fr-FR" sz="2400" dirty="0" err="1" smtClean="0"/>
+              <a:rPr lang="fr-FR" sz="2400" dirty="0" err="1"/>
               <a:t>BallTree</a:t>
             </a:r>
-            <a:endParaRPr lang="fr-FR" sz="2400" dirty="0" smtClean="0"/>
+            <a:endParaRPr lang="fr-FR" sz="2400" dirty="0"/>
           </a:p>
           <a:p>
             <a:pPr lvl="1"/>
             <a:r>
-              <a:rPr lang="fr-FR" sz="2000" dirty="0" smtClean="0"/>
+              <a:rPr lang="fr-FR" sz="2000" dirty="0"/>
               <a:t>Sépare les données en partitions</a:t>
             </a:r>
           </a:p>
           <a:p>
             <a:pPr lvl="1"/>
             <a:r>
-              <a:rPr lang="fr-FR" sz="2000" dirty="0" smtClean="0"/>
+              <a:rPr lang="fr-FR" sz="2000" dirty="0"/>
               <a:t>Peut être très efficace ou très </a:t>
             </a:r>
             <a:r>
-              <a:rPr lang="fr-FR" sz="2000" dirty="0" err="1" smtClean="0"/>
+              <a:rPr lang="fr-FR" sz="2000" dirty="0" err="1"/>
               <a:t>inneficace</a:t>
             </a:r>
-            <a:endParaRPr lang="fr-FR" sz="2000" dirty="0" smtClean="0"/>
-          </a:p>
-          <a:p>
-            <a:r>
-              <a:rPr lang="fr-FR" sz="2400" dirty="0" smtClean="0"/>
+            <a:endParaRPr lang="fr-FR" sz="2000" dirty="0"/>
+          </a:p>
+          <a:p>
+            <a:r>
+              <a:rPr lang="fr-FR" sz="2400" dirty="0"/>
               <a:t>Par défaut </a:t>
             </a:r>
             <a:r>
-              <a:rPr lang="fr-FR" sz="2400" dirty="0" err="1" smtClean="0"/>
+              <a:rPr lang="fr-FR" sz="2400" dirty="0" err="1"/>
               <a:t>sklearn</a:t>
             </a:r>
             <a:r>
-              <a:rPr lang="fr-FR" sz="2400" dirty="0" smtClean="0"/>
+              <a:rPr lang="fr-FR" sz="2400" dirty="0"/>
               <a:t> essaie de choisir le meilleur</a:t>
             </a:r>
-            <a:endParaRPr lang="fr-FR" sz="2400" dirty="0"/>
           </a:p>
         </p:txBody>
       </p:sp>
@@ -5249,13 +5100,6 @@
   <p:clrMapOvr>
     <a:masterClrMapping/>
   </p:clrMapOvr>
-  <p:timing>
-    <p:tnLst>
-      <p:par>
-        <p:cTn id="1" dur="indefinite" restart="never" nodeType="tmRoot"/>
-      </p:par>
-    </p:tnLst>
-  </p:timing>
 </p:sld>
 </file>
 
@@ -5292,10 +5136,9 @@
           <a:lstStyle/>
           <a:p>
             <a:r>
-              <a:rPr lang="fr-FR" dirty="0" smtClean="0"/>
+              <a:rPr lang="fr-FR" dirty="0"/>
               <a:t>Modèle</a:t>
             </a:r>
-            <a:endParaRPr lang="fr-FR" dirty="0"/>
           </a:p>
         </p:txBody>
       </p:sp>
@@ -5349,46 +5192,76 @@
           </a:p>
           <a:p>
             <a:r>
-              <a:rPr lang="fr-FR" dirty="0" smtClean="0">
-                <a:latin typeface="Courier New" panose="02070309020205020404" pitchFamily="49" charset="0"/>
-                <a:cs typeface="Courier New" panose="02070309020205020404" pitchFamily="49" charset="0"/>
-              </a:rPr>
-              <a:t>model </a:t>
-            </a:r>
-            <a:r>
               <a:rPr lang="fr-FR" dirty="0">
                 <a:latin typeface="Courier New" panose="02070309020205020404" pitchFamily="49" charset="0"/>
                 <a:cs typeface="Courier New" panose="02070309020205020404" pitchFamily="49" charset="0"/>
               </a:rPr>
-              <a:t>= </a:t>
-            </a:r>
-            <a:r>
-              <a:rPr lang="fr-FR" dirty="0" err="1" smtClean="0">
+              <a:t>model = </a:t>
+            </a:r>
+            <a:r>
+              <a:rPr lang="fr-FR" dirty="0" err="1">
                 <a:latin typeface="Courier New" panose="02070309020205020404" pitchFamily="49" charset="0"/>
                 <a:cs typeface="Courier New" panose="02070309020205020404" pitchFamily="49" charset="0"/>
               </a:rPr>
               <a:t>nn.KNeighborsClassifier</a:t>
             </a:r>
             <a:r>
-              <a:rPr lang="fr-FR" dirty="0" smtClean="0">
+              <a:rPr lang="fr-FR" dirty="0">
                 <a:latin typeface="Courier New" panose="02070309020205020404" pitchFamily="49" charset="0"/>
                 <a:cs typeface="Courier New" panose="02070309020205020404" pitchFamily="49" charset="0"/>
               </a:rPr>
               <a:t>(</a:t>
             </a:r>
             <a:r>
-              <a:rPr lang="fr-FR" dirty="0" err="1" smtClean="0">
+              <a:rPr lang="fr-FR" dirty="0" err="1">
                 <a:latin typeface="Courier New" panose="02070309020205020404" pitchFamily="49" charset="0"/>
                 <a:cs typeface="Courier New" panose="02070309020205020404" pitchFamily="49" charset="0"/>
               </a:rPr>
               <a:t>n_neighbors</a:t>
             </a:r>
             <a:r>
-              <a:rPr lang="fr-FR" dirty="0" smtClean="0">
+              <a:rPr lang="fr-FR" dirty="0">
                 <a:latin typeface="Courier New" panose="02070309020205020404" pitchFamily="49" charset="0"/>
                 <a:cs typeface="Courier New" panose="02070309020205020404" pitchFamily="49" charset="0"/>
               </a:rPr>
-              <a:t>=3</a:t>
+              <a:t>=3)</a:t>
+            </a:r>
+          </a:p>
+          <a:p>
+            <a:r>
+              <a:rPr lang="fr-FR" dirty="0" err="1">
+                <a:latin typeface="Courier New" panose="02070309020205020404" pitchFamily="49" charset="0"/>
+                <a:cs typeface="Courier New" panose="02070309020205020404" pitchFamily="49" charset="0"/>
+              </a:rPr>
+              <a:t>model.fit</a:t>
+            </a:r>
+            <a:r>
+              <a:rPr lang="fr-FR" dirty="0">
+                <a:latin typeface="Courier New" panose="02070309020205020404" pitchFamily="49" charset="0"/>
+                <a:cs typeface="Courier New" panose="02070309020205020404" pitchFamily="49" charset="0"/>
+              </a:rPr>
+              <a:t>(</a:t>
+            </a:r>
+            <a:r>
+              <a:rPr lang="fr-FR" dirty="0" err="1">
+                <a:latin typeface="Courier New" panose="02070309020205020404" pitchFamily="49" charset="0"/>
+                <a:cs typeface="Courier New" panose="02070309020205020404" pitchFamily="49" charset="0"/>
+              </a:rPr>
+              <a:t>xtrain</a:t>
+            </a:r>
+            <a:r>
+              <a:rPr lang="fr-FR" dirty="0">
+                <a:latin typeface="Courier New" panose="02070309020205020404" pitchFamily="49" charset="0"/>
+                <a:cs typeface="Courier New" panose="02070309020205020404" pitchFamily="49" charset="0"/>
+              </a:rPr>
+              <a:t>, </a:t>
+            </a:r>
+            <a:r>
+              <a:rPr lang="fr-FR" dirty="0" err="1">
+                <a:latin typeface="Courier New" panose="02070309020205020404" pitchFamily="49" charset="0"/>
+                <a:cs typeface="Courier New" panose="02070309020205020404" pitchFamily="49" charset="0"/>
+              </a:rPr>
+              <a:t>ytrain</a:t>
             </a:r>
             <a:r>
               <a:rPr lang="fr-FR" dirty="0">
@@ -5404,7 +5277,7 @@
                 <a:latin typeface="Courier New" panose="02070309020205020404" pitchFamily="49" charset="0"/>
                 <a:cs typeface="Courier New" panose="02070309020205020404" pitchFamily="49" charset="0"/>
               </a:rPr>
-              <a:t>model.fit</a:t>
+              <a:t>model.score</a:t>
             </a:r>
             <a:r>
               <a:rPr lang="fr-FR" dirty="0">
@@ -5415,50 +5288,6 @@
             </a:r>
             <a:r>
               <a:rPr lang="fr-FR" dirty="0" err="1">
-                <a:latin typeface="Courier New" panose="02070309020205020404" pitchFamily="49" charset="0"/>
-                <a:cs typeface="Courier New" panose="02070309020205020404" pitchFamily="49" charset="0"/>
-              </a:rPr>
-              <a:t>xtrain</a:t>
-            </a:r>
-            <a:r>
-              <a:rPr lang="fr-FR" dirty="0">
-                <a:latin typeface="Courier New" panose="02070309020205020404" pitchFamily="49" charset="0"/>
-                <a:cs typeface="Courier New" panose="02070309020205020404" pitchFamily="49" charset="0"/>
-              </a:rPr>
-              <a:t>, </a:t>
-            </a:r>
-            <a:r>
-              <a:rPr lang="fr-FR" dirty="0" err="1">
-                <a:latin typeface="Courier New" panose="02070309020205020404" pitchFamily="49" charset="0"/>
-                <a:cs typeface="Courier New" panose="02070309020205020404" pitchFamily="49" charset="0"/>
-              </a:rPr>
-              <a:t>ytrain</a:t>
-            </a:r>
-            <a:r>
-              <a:rPr lang="fr-FR" dirty="0">
-                <a:latin typeface="Courier New" panose="02070309020205020404" pitchFamily="49" charset="0"/>
-                <a:cs typeface="Courier New" panose="02070309020205020404" pitchFamily="49" charset="0"/>
-              </a:rPr>
-              <a:t>)</a:t>
-            </a:r>
-          </a:p>
-          <a:p>
-            <a:r>
-              <a:rPr lang="fr-FR" dirty="0" err="1" smtClean="0">
-                <a:latin typeface="Courier New" panose="02070309020205020404" pitchFamily="49" charset="0"/>
-                <a:cs typeface="Courier New" panose="02070309020205020404" pitchFamily="49" charset="0"/>
-              </a:rPr>
-              <a:t>model.score</a:t>
-            </a:r>
-            <a:r>
-              <a:rPr lang="fr-FR" dirty="0" smtClean="0">
-                <a:latin typeface="Courier New" panose="02070309020205020404" pitchFamily="49" charset="0"/>
-                <a:cs typeface="Courier New" panose="02070309020205020404" pitchFamily="49" charset="0"/>
-              </a:rPr>
-              <a:t>(</a:t>
-            </a:r>
-            <a:r>
-              <a:rPr lang="fr-FR" dirty="0" err="1" smtClean="0">
                 <a:latin typeface="Courier New" panose="02070309020205020404" pitchFamily="49" charset="0"/>
                 <a:cs typeface="Courier New" panose="02070309020205020404" pitchFamily="49" charset="0"/>
               </a:rPr>
@@ -5498,13 +5327,6 @@
   <p:clrMapOvr>
     <a:masterClrMapping/>
   </p:clrMapOvr>
-  <p:timing>
-    <p:tnLst>
-      <p:par>
-        <p:cTn id="1" dur="indefinite" restart="never" nodeType="tmRoot"/>
-      </p:par>
-    </p:tnLst>
-  </p:timing>
 </p:sld>
 </file>
 
@@ -5541,10 +5363,9 @@
           <a:lstStyle/>
           <a:p>
             <a:r>
-              <a:rPr lang="fr-FR" dirty="0" smtClean="0"/>
+              <a:rPr lang="fr-FR" dirty="0"/>
               <a:t>Zonage</a:t>
             </a:r>
-            <a:endParaRPr lang="fr-FR" dirty="0"/>
           </a:p>
         </p:txBody>
       </p:sp>
@@ -5564,10 +5385,9 @@
           <a:lstStyle/>
           <a:p>
             <a:r>
-              <a:rPr lang="fr-FR" dirty="0" smtClean="0"/>
+              <a:rPr lang="fr-FR" dirty="0"/>
               <a:t>Il est ainsi aisé de déterminé un zonage pour catégorisé les points</a:t>
             </a:r>
-            <a:endParaRPr lang="fr-FR" dirty="0"/>
           </a:p>
         </p:txBody>
       </p:sp>
@@ -5622,13 +5442,6 @@
   <p:clrMapOvr>
     <a:masterClrMapping/>
   </p:clrMapOvr>
-  <p:timing>
-    <p:tnLst>
-      <p:par>
-        <p:cTn id="1" dur="indefinite" restart="never" nodeType="tmRoot"/>
-      </p:par>
-    </p:tnLst>
-  </p:timing>
 </p:sld>
 </file>
 
@@ -5665,10 +5478,9 @@
           <a:lstStyle/>
           <a:p>
             <a:r>
-              <a:rPr lang="fr-FR" dirty="0" smtClean="0"/>
+              <a:rPr lang="fr-FR" dirty="0"/>
               <a:t>Problème détecté</a:t>
             </a:r>
-            <a:endParaRPr lang="fr-FR" dirty="0"/>
           </a:p>
         </p:txBody>
       </p:sp>
@@ -5693,34 +5505,34 @@
           <a:lstStyle/>
           <a:p>
             <a:r>
-              <a:rPr lang="fr-FR" dirty="0" smtClean="0"/>
+              <a:rPr lang="fr-FR" dirty="0"/>
               <a:t>Si k est trop faible nous obtenons</a:t>
             </a:r>
           </a:p>
           <a:p>
-            <a:endParaRPr lang="fr-FR" dirty="0" smtClean="0"/>
-          </a:p>
-          <a:p>
             <a:endParaRPr lang="fr-FR" dirty="0"/>
           </a:p>
           <a:p>
-            <a:endParaRPr lang="fr-FR" dirty="0" smtClean="0"/>
-          </a:p>
-          <a:p>
-            <a:r>
-              <a:rPr lang="fr-FR" dirty="0" smtClean="0"/>
+            <a:endParaRPr lang="fr-FR" dirty="0"/>
+          </a:p>
+          <a:p>
+            <a:endParaRPr lang="fr-FR" dirty="0"/>
+          </a:p>
+          <a:p>
+            <a:r>
+              <a:rPr lang="fr-FR" dirty="0"/>
               <a:t>Nous aurions préféré</a:t>
             </a:r>
           </a:p>
           <a:p>
             <a:pPr lvl="1"/>
             <a:r>
-              <a:rPr lang="fr-FR" dirty="0" smtClean="0"/>
+              <a:rPr lang="fr-FR" dirty="0"/>
               <a:t>Pour cela nous sommes passé à k=5</a:t>
             </a:r>
           </a:p>
           <a:p>
-            <a:endParaRPr lang="fr-FR" dirty="0" smtClean="0"/>
+            <a:endParaRPr lang="fr-FR" dirty="0"/>
           </a:p>
           <a:p>
             <a:endParaRPr lang="fr-FR" dirty="0"/>
@@ -5819,13 +5631,6 @@
   <p:clrMapOvr>
     <a:masterClrMapping/>
   </p:clrMapOvr>
-  <p:timing>
-    <p:tnLst>
-      <p:par>
-        <p:cTn id="1" dur="indefinite" restart="never" nodeType="tmRoot"/>
-      </p:par>
-    </p:tnLst>
-  </p:timing>
 </p:sld>
 </file>
 
@@ -5862,10 +5667,9 @@
           <a:lstStyle/>
           <a:p>
             <a:r>
-              <a:rPr lang="fr-FR" dirty="0" smtClean="0"/>
+              <a:rPr lang="fr-FR" dirty="0"/>
               <a:t>Biais vs Variance</a:t>
             </a:r>
-            <a:endParaRPr lang="fr-FR" dirty="0"/>
           </a:p>
         </p:txBody>
       </p:sp>
@@ -5890,48 +5694,47 @@
           <a:lstStyle/>
           <a:p>
             <a:r>
-              <a:rPr lang="fr-FR" dirty="0" smtClean="0"/>
+              <a:rPr lang="fr-FR" dirty="0"/>
               <a:t>Avec k=5 notre modèle est plus indépendant du training set</a:t>
             </a:r>
           </a:p>
           <a:p>
             <a:pPr lvl="1"/>
             <a:r>
-              <a:rPr lang="fr-FR" dirty="0" smtClean="0"/>
+              <a:rPr lang="fr-FR" dirty="0"/>
               <a:t>Nous avons augmenté la variance</a:t>
             </a:r>
           </a:p>
           <a:p>
             <a:pPr lvl="1"/>
             <a:r>
-              <a:rPr lang="fr-FR" dirty="0" smtClean="0"/>
+              <a:rPr lang="fr-FR" dirty="0"/>
               <a:t>Cependant plus k est grand plus l’erreur sera grande</a:t>
             </a:r>
           </a:p>
           <a:p>
             <a:pPr lvl="1"/>
             <a:r>
-              <a:rPr lang="fr-FR" dirty="0" smtClean="0"/>
+              <a:rPr lang="fr-FR" dirty="0"/>
               <a:t>Nous avons introduit un biais</a:t>
             </a:r>
           </a:p>
           <a:p>
             <a:r>
-              <a:rPr lang="fr-FR" dirty="0" smtClean="0"/>
+              <a:rPr lang="fr-FR" dirty="0"/>
               <a:t>Avec k=1 la variance sera plus faible, l’erreur également</a:t>
             </a:r>
           </a:p>
           <a:p>
             <a:r>
-              <a:rPr lang="fr-FR" dirty="0" smtClean="0"/>
+              <a:rPr lang="fr-FR" dirty="0"/>
               <a:t>Par exemple pour k=12 </a:t>
             </a:r>
-            <a:endParaRPr lang="fr-FR" dirty="0"/>
           </a:p>
           <a:p>
             <a:pPr lvl="1"/>
             <a:r>
-              <a:rPr lang="fr-FR" dirty="0" smtClean="0"/>
+              <a:rPr lang="fr-FR" dirty="0"/>
               <a:t>Le biais est énorme</a:t>
             </a:r>
           </a:p>
@@ -5991,13 +5794,6 @@
   <p:clrMapOvr>
     <a:masterClrMapping/>
   </p:clrMapOvr>
-  <p:timing>
-    <p:tnLst>
-      <p:par>
-        <p:cTn id="1" dur="indefinite" restart="never" nodeType="tmRoot"/>
-      </p:par>
-    </p:tnLst>
-  </p:timing>
 </p:sld>
 </file>
 

--- a/PPT/MachineLearning14-KNN.pptx
+++ b/PPT/MachineLearning14-KNN.pptx
@@ -5,10 +5,10 @@
     <p:sldMasterId id="2147483653" r:id="rId1"/>
   </p:sldMasterIdLst>
   <p:notesMasterIdLst>
-    <p:notesMasterId r:id="rId16"/>
+    <p:notesMasterId r:id="rId15"/>
   </p:notesMasterIdLst>
   <p:handoutMasterIdLst>
-    <p:handoutMasterId r:id="rId17"/>
+    <p:handoutMasterId r:id="rId16"/>
   </p:handoutMasterIdLst>
   <p:sldIdLst>
     <p:sldId id="264" r:id="rId2"/>
@@ -24,7 +24,6 @@
     <p:sldId id="276" r:id="rId12"/>
     <p:sldId id="277" r:id="rId13"/>
     <p:sldId id="281" r:id="rId14"/>
-    <p:sldId id="282" r:id="rId15"/>
   </p:sldIdLst>
   <p:sldSz cx="9144000" cy="6858000" type="screen4x3"/>
   <p:notesSz cx="6648450" cy="9782175"/>
@@ -3783,6 +3782,13 @@
   <p:clrMapOvr>
     <a:masterClrMapping/>
   </p:clrMapOvr>
+  <p:timing>
+    <p:tnLst>
+      <p:par>
+        <p:cTn id="1" dur="indefinite" restart="never" nodeType="tmRoot"/>
+      </p:par>
+    </p:tnLst>
+  </p:timing>
 </p:sld>
 </file>
 
@@ -3924,6 +3930,13 @@
   <p:clrMapOvr>
     <a:masterClrMapping/>
   </p:clrMapOvr>
+  <p:timing>
+    <p:tnLst>
+      <p:par>
+        <p:cTn id="1" dur="indefinite" restart="never" nodeType="tmRoot"/>
+      </p:par>
+    </p:tnLst>
+  </p:timing>
 </p:sld>
 </file>
 
@@ -4200,6 +4213,13 @@
   <p:clrMapOvr>
     <a:masterClrMapping/>
   </p:clrMapOvr>
+  <p:timing>
+    <p:tnLst>
+      <p:par>
+        <p:cTn id="1" dur="indefinite" restart="never" nodeType="tmRoot"/>
+      </p:par>
+    </p:tnLst>
+  </p:timing>
 </p:sld>
 </file>
 
@@ -4329,6 +4349,13 @@
   <p:clrMapOvr>
     <a:masterClrMapping/>
   </p:clrMapOvr>
+  <p:timing>
+    <p:tnLst>
+      <p:par>
+        <p:cTn id="1" dur="indefinite" restart="never" nodeType="tmRoot"/>
+      </p:par>
+    </p:tnLst>
+  </p:timing>
 </p:sld>
 </file>
 
@@ -4457,113 +4484,13 @@
   <p:clrMapOvr>
     <a:masterClrMapping/>
   </p:clrMapOvr>
-</p:sld>
-</file>
-
-<file path=ppt/slides/slide14.xml><?xml version="1.0" encoding="utf-8"?>
-<p:sld xmlns:a="http://schemas.openxmlformats.org/drawingml/2006/main" xmlns:r="http://schemas.openxmlformats.org/officeDocument/2006/relationships" xmlns:p="http://schemas.openxmlformats.org/presentationml/2006/main">
-  <p:cSld>
-    <p:spTree>
-      <p:nvGrpSpPr>
-        <p:cNvPr id="1" name=""/>
-        <p:cNvGrpSpPr/>
-        <p:nvPr/>
-      </p:nvGrpSpPr>
-      <p:grpSpPr>
-        <a:xfrm>
-          <a:off x="0" y="0"/>
-          <a:ext cx="0" cy="0"/>
-          <a:chOff x="0" y="0"/>
-          <a:chExt cx="0" cy="0"/>
-        </a:xfrm>
-      </p:grpSpPr>
-      <p:sp>
-        <p:nvSpPr>
-          <p:cNvPr id="2" name="Titre 1"/>
-          <p:cNvSpPr>
-            <a:spLocks noGrp="1"/>
-          </p:cNvSpPr>
-          <p:nvPr>
-            <p:ph type="title"/>
-          </p:nvPr>
-        </p:nvSpPr>
-        <p:spPr/>
-        <p:txBody>
-          <a:bodyPr/>
-          <a:lstStyle/>
-          <a:p>
-            <a:r>
-              <a:rPr lang="fr-FR" dirty="0"/>
-              <a:t>TP : Iris</a:t>
-            </a:r>
-          </a:p>
-        </p:txBody>
-      </p:sp>
-      <p:sp>
-        <p:nvSpPr>
-          <p:cNvPr id="3" name="Espace réservé du contenu 2"/>
-          <p:cNvSpPr>
-            <a:spLocks noGrp="1"/>
-          </p:cNvSpPr>
-          <p:nvPr>
-            <p:ph idx="1"/>
-          </p:nvPr>
-        </p:nvSpPr>
-        <p:spPr/>
-        <p:txBody>
-          <a:bodyPr/>
-          <a:lstStyle/>
-          <a:p>
-            <a:r>
-              <a:rPr lang="fr-FR" dirty="0"/>
-              <a:t>Les Iris sont décomposés en 3 familles</a:t>
-            </a:r>
-          </a:p>
-          <a:p>
-            <a:r>
-              <a:rPr lang="fr-FR" dirty="0"/>
-              <a:t>Le rapport largeur/hauteur des pétales et de la tige détermine la catégorie</a:t>
-            </a:r>
-          </a:p>
-          <a:p>
-            <a:endParaRPr lang="fr-FR" dirty="0"/>
-          </a:p>
-        </p:txBody>
-      </p:sp>
-      <p:pic>
-        <p:nvPicPr>
-          <p:cNvPr id="4" name="Image 3"/>
-          <p:cNvPicPr>
-            <a:picLocks noChangeAspect="1"/>
-          </p:cNvPicPr>
-          <p:nvPr/>
-        </p:nvPicPr>
-        <p:blipFill>
-          <a:blip r:embed="rId2"/>
-          <a:stretch>
-            <a:fillRect/>
-          </a:stretch>
-        </p:blipFill>
-        <p:spPr>
-          <a:xfrm>
-            <a:off x="2051797" y="2878409"/>
-            <a:ext cx="5021479" cy="3980663"/>
-          </a:xfrm>
-          <a:prstGeom prst="rect">
-            <a:avLst/>
-          </a:prstGeom>
-        </p:spPr>
-      </p:pic>
-    </p:spTree>
-    <p:extLst>
-      <p:ext uri="{BB962C8B-B14F-4D97-AF65-F5344CB8AC3E}">
-        <p14:creationId xmlns:p14="http://schemas.microsoft.com/office/powerpoint/2010/main" val="2150618242"/>
-      </p:ext>
-    </p:extLst>
-  </p:cSld>
-  <p:clrMapOvr>
-    <a:masterClrMapping/>
-  </p:clrMapOvr>
+  <p:timing>
+    <p:tnLst>
+      <p:par>
+        <p:cTn id="1" dur="indefinite" restart="never" nodeType="tmRoot"/>
+      </p:par>
+    </p:tnLst>
+  </p:timing>
 </p:sld>
 </file>
 
@@ -4667,6 +4594,13 @@
   <p:clrMapOvr>
     <a:masterClrMapping/>
   </p:clrMapOvr>
+  <p:timing>
+    <p:tnLst>
+      <p:par>
+        <p:cTn id="1" dur="indefinite" restart="never" nodeType="tmRoot"/>
+      </p:par>
+    </p:tnLst>
+  </p:timing>
 </p:sld>
 </file>
 
@@ -4791,6 +4725,13 @@
   <p:clrMapOvr>
     <a:masterClrMapping/>
   </p:clrMapOvr>
+  <p:timing>
+    <p:tnLst>
+      <p:par>
+        <p:cTn id="1" dur="indefinite" restart="never" nodeType="tmRoot"/>
+      </p:par>
+    </p:tnLst>
+  </p:timing>
 </p:sld>
 </file>
 
@@ -4921,6 +4862,13 @@
   <p:clrMapOvr>
     <a:masterClrMapping/>
   </p:clrMapOvr>
+  <p:timing>
+    <p:tnLst>
+      <p:par>
+        <p:cTn id="1" dur="indefinite" restart="never" nodeType="tmRoot"/>
+      </p:par>
+    </p:tnLst>
+  </p:timing>
 </p:sld>
 </file>
 
@@ -5100,6 +5048,13 @@
   <p:clrMapOvr>
     <a:masterClrMapping/>
   </p:clrMapOvr>
+  <p:timing>
+    <p:tnLst>
+      <p:par>
+        <p:cTn id="1" dur="indefinite" restart="never" nodeType="tmRoot"/>
+      </p:par>
+    </p:tnLst>
+  </p:timing>
 </p:sld>
 </file>
 
@@ -5327,6 +5282,13 @@
   <p:clrMapOvr>
     <a:masterClrMapping/>
   </p:clrMapOvr>
+  <p:timing>
+    <p:tnLst>
+      <p:par>
+        <p:cTn id="1" dur="indefinite" restart="never" nodeType="tmRoot"/>
+      </p:par>
+    </p:tnLst>
+  </p:timing>
 </p:sld>
 </file>
 
@@ -5442,6 +5404,13 @@
   <p:clrMapOvr>
     <a:masterClrMapping/>
   </p:clrMapOvr>
+  <p:timing>
+    <p:tnLst>
+      <p:par>
+        <p:cTn id="1" dur="indefinite" restart="never" nodeType="tmRoot"/>
+      </p:par>
+    </p:tnLst>
+  </p:timing>
 </p:sld>
 </file>
 
@@ -5631,6 +5600,13 @@
   <p:clrMapOvr>
     <a:masterClrMapping/>
   </p:clrMapOvr>
+  <p:timing>
+    <p:tnLst>
+      <p:par>
+        <p:cTn id="1" dur="indefinite" restart="never" nodeType="tmRoot"/>
+      </p:par>
+    </p:tnLst>
+  </p:timing>
 </p:sld>
 </file>
 
@@ -5794,6 +5770,13 @@
   <p:clrMapOvr>
     <a:masterClrMapping/>
   </p:clrMapOvr>
+  <p:timing>
+    <p:tnLst>
+      <p:par>
+        <p:cTn id="1" dur="indefinite" restart="never" nodeType="tmRoot"/>
+      </p:par>
+    </p:tnLst>
+  </p:timing>
 </p:sld>
 </file>
 
